--- a/Paper Figures/Figures.pptx
+++ b/Paper Figures/Figures.pptx
@@ -481,7 +481,7 @@
             <a:fld id="{A549ADDE-98E8-4149-84E6-9A28F99CE161}" type="datetimeFigureOut">
               <a:rPr lang="en-US" smtClean="0"/>
               <a:pPr/>
-              <a:t>4/9/2020</a:t>
+              <a:t>4/30/2020</a:t>
             </a:fld>
             <a:endParaRPr lang="en-US"/>
           </a:p>
@@ -656,7 +656,7 @@
             <a:fld id="{A549ADDE-98E8-4149-84E6-9A28F99CE161}" type="datetimeFigureOut">
               <a:rPr lang="en-US" smtClean="0"/>
               <a:pPr/>
-              <a:t>4/9/2020</a:t>
+              <a:t>4/30/2020</a:t>
             </a:fld>
             <a:endParaRPr lang="en-US"/>
           </a:p>
@@ -821,7 +821,7 @@
             <a:fld id="{A549ADDE-98E8-4149-84E6-9A28F99CE161}" type="datetimeFigureOut">
               <a:rPr lang="en-US" smtClean="0"/>
               <a:pPr/>
-              <a:t>4/9/2020</a:t>
+              <a:t>4/30/2020</a:t>
             </a:fld>
             <a:endParaRPr lang="en-US"/>
           </a:p>
@@ -1063,7 +1063,7 @@
             <a:fld id="{A549ADDE-98E8-4149-84E6-9A28F99CE161}" type="datetimeFigureOut">
               <a:rPr lang="en-US" smtClean="0"/>
               <a:pPr/>
-              <a:t>4/9/2020</a:t>
+              <a:t>4/30/2020</a:t>
             </a:fld>
             <a:endParaRPr lang="en-US"/>
           </a:p>
@@ -1345,7 +1345,7 @@
             <a:fld id="{A549ADDE-98E8-4149-84E6-9A28F99CE161}" type="datetimeFigureOut">
               <a:rPr lang="en-US" smtClean="0"/>
               <a:pPr/>
-              <a:t>4/9/2020</a:t>
+              <a:t>4/30/2020</a:t>
             </a:fld>
             <a:endParaRPr lang="en-US"/>
           </a:p>
@@ -1761,7 +1761,7 @@
             <a:fld id="{A549ADDE-98E8-4149-84E6-9A28F99CE161}" type="datetimeFigureOut">
               <a:rPr lang="en-US" smtClean="0"/>
               <a:pPr/>
-              <a:t>4/9/2020</a:t>
+              <a:t>4/30/2020</a:t>
             </a:fld>
             <a:endParaRPr lang="en-US"/>
           </a:p>
@@ -1943,7 +1943,7 @@
             <a:fld id="{A549ADDE-98E8-4149-84E6-9A28F99CE161}" type="datetimeFigureOut">
               <a:rPr lang="en-US" smtClean="0"/>
               <a:pPr/>
-              <a:t>4/9/2020</a:t>
+              <a:t>4/30/2020</a:t>
             </a:fld>
             <a:endParaRPr lang="en-US"/>
           </a:p>
@@ -2215,7 +2215,7 @@
             <a:fld id="{A549ADDE-98E8-4149-84E6-9A28F99CE161}" type="datetimeFigureOut">
               <a:rPr lang="en-US" smtClean="0"/>
               <a:pPr/>
-              <a:t>4/9/2020</a:t>
+              <a:t>4/30/2020</a:t>
             </a:fld>
             <a:endParaRPr lang="en-US"/>
           </a:p>
@@ -2464,7 +2464,7 @@
             <a:fld id="{A549ADDE-98E8-4149-84E6-9A28F99CE161}" type="datetimeFigureOut">
               <a:rPr lang="en-US" smtClean="0"/>
               <a:pPr/>
-              <a:t>4/9/2020</a:t>
+              <a:t>4/30/2020</a:t>
             </a:fld>
             <a:endParaRPr lang="en-US"/>
           </a:p>
@@ -2672,7 +2672,7 @@
             <a:fld id="{A549ADDE-98E8-4149-84E6-9A28F99CE161}" type="datetimeFigureOut">
               <a:rPr lang="en-US" smtClean="0"/>
               <a:pPr/>
-              <a:t>4/9/2020</a:t>
+              <a:t>4/30/2020</a:t>
             </a:fld>
             <a:endParaRPr lang="en-US"/>
           </a:p>
@@ -26309,8 +26309,8 @@
             </a:p>
           </p:txBody>
         </p:sp>
-        <mc:AlternateContent xmlns:mc="http://schemas.openxmlformats.org/markup-compatibility/2006">
-          <mc:Choice xmlns:a14="http://schemas.microsoft.com/office/drawing/2010/main" Requires="a14">
+        <mc:AlternateContent xmlns:mc="http://schemas.openxmlformats.org/markup-compatibility/2006" xmlns:a14="http://schemas.microsoft.com/office/drawing/2010/main">
+          <mc:Choice Requires="a14">
             <p:sp>
               <p:nvSpPr>
                 <p:cNvPr id="6" name="TextBox 5">
@@ -26358,7 +26358,7 @@
               </p:txBody>
             </p:sp>
           </mc:Choice>
-          <mc:Fallback>
+          <mc:Fallback xmlns="">
             <p:sp>
               <p:nvSpPr>
                 <p:cNvPr id="6" name="TextBox 5">
@@ -26403,8 +26403,8 @@
             </p:sp>
           </mc:Fallback>
         </mc:AlternateContent>
-        <mc:AlternateContent xmlns:mc="http://schemas.openxmlformats.org/markup-compatibility/2006">
-          <mc:Choice xmlns:a14="http://schemas.microsoft.com/office/drawing/2010/main" Requires="a14">
+        <mc:AlternateContent xmlns:mc="http://schemas.openxmlformats.org/markup-compatibility/2006" xmlns:a14="http://schemas.microsoft.com/office/drawing/2010/main">
+          <mc:Choice Requires="a14">
             <p:sp>
               <p:nvSpPr>
                 <p:cNvPr id="7" name="TextBox 6">
@@ -26458,7 +26458,7 @@
               </p:txBody>
             </p:sp>
           </mc:Choice>
-          <mc:Fallback>
+          <mc:Fallback xmlns="">
             <p:sp>
               <p:nvSpPr>
                 <p:cNvPr id="7" name="TextBox 6">
@@ -26503,8 +26503,8 @@
             </p:sp>
           </mc:Fallback>
         </mc:AlternateContent>
-        <mc:AlternateContent xmlns:mc="http://schemas.openxmlformats.org/markup-compatibility/2006">
-          <mc:Choice xmlns:a14="http://schemas.microsoft.com/office/drawing/2010/main" Requires="a14">
+        <mc:AlternateContent xmlns:mc="http://schemas.openxmlformats.org/markup-compatibility/2006" xmlns:a14="http://schemas.microsoft.com/office/drawing/2010/main">
+          <mc:Choice Requires="a14">
             <p:sp>
               <p:nvSpPr>
                 <p:cNvPr id="9" name="TextBox 8">
@@ -26622,7 +26622,7 @@
               </p:txBody>
             </p:sp>
           </mc:Choice>
-          <mc:Fallback>
+          <mc:Fallback xmlns="">
             <p:sp>
               <p:nvSpPr>
                 <p:cNvPr id="9" name="TextBox 8">
@@ -26667,8 +26667,8 @@
             </p:sp>
           </mc:Fallback>
         </mc:AlternateContent>
-        <mc:AlternateContent xmlns:mc="http://schemas.openxmlformats.org/markup-compatibility/2006">
-          <mc:Choice xmlns:a14="http://schemas.microsoft.com/office/drawing/2010/main" Requires="a14">
+        <mc:AlternateContent xmlns:mc="http://schemas.openxmlformats.org/markup-compatibility/2006" xmlns:a14="http://schemas.microsoft.com/office/drawing/2010/main">
+          <mc:Choice Requires="a14">
             <p:sp>
               <p:nvSpPr>
                 <p:cNvPr id="10" name="TextBox 9">
@@ -26718,7 +26718,7 @@
               </p:txBody>
             </p:sp>
           </mc:Choice>
-          <mc:Fallback>
+          <mc:Fallback xmlns="">
             <p:sp>
               <p:nvSpPr>
                 <p:cNvPr id="10" name="TextBox 9">
@@ -26763,8 +26763,8 @@
             </p:sp>
           </mc:Fallback>
         </mc:AlternateContent>
-        <mc:AlternateContent xmlns:mc="http://schemas.openxmlformats.org/markup-compatibility/2006">
-          <mc:Choice xmlns:a14="http://schemas.microsoft.com/office/drawing/2010/main" Requires="a14">
+        <mc:AlternateContent xmlns:mc="http://schemas.openxmlformats.org/markup-compatibility/2006" xmlns:a14="http://schemas.microsoft.com/office/drawing/2010/main">
+          <mc:Choice Requires="a14">
             <p:sp>
               <p:nvSpPr>
                 <p:cNvPr id="11" name="TextBox 10">
@@ -26820,7 +26820,7 @@
               </p:txBody>
             </p:sp>
           </mc:Choice>
-          <mc:Fallback>
+          <mc:Fallback xmlns="">
             <p:sp>
               <p:nvSpPr>
                 <p:cNvPr id="11" name="TextBox 10">
@@ -26865,8 +26865,8 @@
             </p:sp>
           </mc:Fallback>
         </mc:AlternateContent>
-        <mc:AlternateContent xmlns:mc="http://schemas.openxmlformats.org/markup-compatibility/2006">
-          <mc:Choice xmlns:a14="http://schemas.microsoft.com/office/drawing/2010/main" Requires="a14">
+        <mc:AlternateContent xmlns:mc="http://schemas.openxmlformats.org/markup-compatibility/2006" xmlns:a14="http://schemas.microsoft.com/office/drawing/2010/main">
+          <mc:Choice Requires="a14">
             <p:sp>
               <p:nvSpPr>
                 <p:cNvPr id="12" name="TextBox 11">
@@ -26996,7 +26996,7 @@
               </p:txBody>
             </p:sp>
           </mc:Choice>
-          <mc:Fallback>
+          <mc:Fallback xmlns="">
             <p:sp>
               <p:nvSpPr>
                 <p:cNvPr id="12" name="TextBox 11">
@@ -27263,8 +27263,8 @@
             </a:p>
           </p:txBody>
         </p:sp>
-        <mc:AlternateContent xmlns:mc="http://schemas.openxmlformats.org/markup-compatibility/2006">
-          <mc:Choice xmlns:a14="http://schemas.microsoft.com/office/drawing/2010/main" Requires="a14">
+        <mc:AlternateContent xmlns:mc="http://schemas.openxmlformats.org/markup-compatibility/2006" xmlns:a14="http://schemas.microsoft.com/office/drawing/2010/main">
+          <mc:Choice Requires="a14">
             <p:sp>
               <p:nvSpPr>
                 <p:cNvPr id="16" name="TextBox 15">
@@ -27320,7 +27320,7 @@
               </p:txBody>
             </p:sp>
           </mc:Choice>
-          <mc:Fallback>
+          <mc:Fallback xmlns="">
             <p:sp>
               <p:nvSpPr>
                 <p:cNvPr id="16" name="TextBox 15">
@@ -37307,7 +37307,7 @@
         </p:nvGrpSpPr>
         <p:grpSpPr>
           <a:xfrm>
-            <a:off x="8220469" y="13999543"/>
+            <a:off x="13223023" y="13732029"/>
             <a:ext cx="3151448" cy="3110563"/>
             <a:chOff x="8220469" y="13999543"/>
             <a:chExt cx="3151448" cy="3110563"/>
@@ -37912,28 +37912,23 @@
                 <a:gsLst>
                   <a:gs pos="0">
                     <a:schemeClr val="accent2">
-                      <a:lumMod val="89000"/>
+                      <a:lumMod val="67000"/>
                     </a:schemeClr>
                   </a:gs>
-                  <a:gs pos="23000">
+                  <a:gs pos="48000">
                     <a:schemeClr val="accent2">
-                      <a:lumMod val="89000"/>
+                      <a:lumMod val="97000"/>
+                      <a:lumOff val="3000"/>
                     </a:schemeClr>
                   </a:gs>
-                  <a:gs pos="69000">
+                  <a:gs pos="100000">
                     <a:schemeClr val="accent2">
-                      <a:lumMod val="75000"/>
-                    </a:schemeClr>
-                  </a:gs>
-                  <a:gs pos="97000">
-                    <a:schemeClr val="accent2">
-                      <a:lumMod val="70000"/>
+                      <a:lumMod val="60000"/>
+                      <a:lumOff val="40000"/>
                     </a:schemeClr>
                   </a:gs>
                 </a:gsLst>
-                <a:path path="circle">
-                  <a:fillToRect l="50000" t="50000" r="50000" b="50000"/>
-                </a:path>
+                <a:lin ang="16200000" scaled="1"/>
                 <a:tileRect/>
               </a:gradFill>
               <a:ln>
@@ -37991,28 +37986,23 @@
                 <a:gsLst>
                   <a:gs pos="0">
                     <a:schemeClr val="accent2">
-                      <a:lumMod val="89000"/>
+                      <a:lumMod val="67000"/>
                     </a:schemeClr>
                   </a:gs>
-                  <a:gs pos="23000">
+                  <a:gs pos="48000">
                     <a:schemeClr val="accent2">
-                      <a:lumMod val="89000"/>
+                      <a:lumMod val="97000"/>
+                      <a:lumOff val="3000"/>
                     </a:schemeClr>
                   </a:gs>
-                  <a:gs pos="69000">
+                  <a:gs pos="100000">
                     <a:schemeClr val="accent2">
-                      <a:lumMod val="75000"/>
-                    </a:schemeClr>
-                  </a:gs>
-                  <a:gs pos="97000">
-                    <a:schemeClr val="accent2">
-                      <a:lumMod val="70000"/>
+                      <a:lumMod val="60000"/>
+                      <a:lumOff val="40000"/>
                     </a:schemeClr>
                   </a:gs>
                 </a:gsLst>
-                <a:path path="circle">
-                  <a:fillToRect l="50000" t="50000" r="50000" b="50000"/>
-                </a:path>
+                <a:lin ang="16200000" scaled="1"/>
                 <a:tileRect/>
               </a:gradFill>
               <a:ln>
@@ -38070,28 +38060,23 @@
                 <a:gsLst>
                   <a:gs pos="0">
                     <a:schemeClr val="accent3">
-                      <a:lumMod val="89000"/>
+                      <a:lumMod val="67000"/>
                     </a:schemeClr>
                   </a:gs>
-                  <a:gs pos="23000">
+                  <a:gs pos="48000">
                     <a:schemeClr val="accent3">
-                      <a:lumMod val="89000"/>
+                      <a:lumMod val="97000"/>
+                      <a:lumOff val="3000"/>
                     </a:schemeClr>
                   </a:gs>
-                  <a:gs pos="69000">
+                  <a:gs pos="100000">
                     <a:schemeClr val="accent3">
-                      <a:lumMod val="75000"/>
-                    </a:schemeClr>
-                  </a:gs>
-                  <a:gs pos="97000">
-                    <a:schemeClr val="accent3">
-                      <a:lumMod val="70000"/>
+                      <a:lumMod val="60000"/>
+                      <a:lumOff val="40000"/>
                     </a:schemeClr>
                   </a:gs>
                 </a:gsLst>
-                <a:path path="circle">
-                  <a:fillToRect l="50000" t="50000" r="50000" b="50000"/>
-                </a:path>
+                <a:lin ang="16200000" scaled="1"/>
                 <a:tileRect/>
               </a:gradFill>
               <a:ln>
@@ -38149,28 +38134,23 @@
                 <a:gsLst>
                   <a:gs pos="0">
                     <a:schemeClr val="accent2">
-                      <a:lumMod val="89000"/>
+                      <a:lumMod val="67000"/>
                     </a:schemeClr>
                   </a:gs>
-                  <a:gs pos="23000">
+                  <a:gs pos="48000">
                     <a:schemeClr val="accent2">
-                      <a:lumMod val="89000"/>
+                      <a:lumMod val="97000"/>
+                      <a:lumOff val="3000"/>
                     </a:schemeClr>
                   </a:gs>
-                  <a:gs pos="69000">
+                  <a:gs pos="100000">
                     <a:schemeClr val="accent2">
-                      <a:lumMod val="75000"/>
-                    </a:schemeClr>
-                  </a:gs>
-                  <a:gs pos="97000">
-                    <a:schemeClr val="accent2">
-                      <a:lumMod val="70000"/>
+                      <a:lumMod val="60000"/>
+                      <a:lumOff val="40000"/>
                     </a:schemeClr>
                   </a:gs>
                 </a:gsLst>
-                <a:path path="circle">
-                  <a:fillToRect l="50000" t="50000" r="50000" b="50000"/>
-                </a:path>
+                <a:lin ang="16200000" scaled="1"/>
                 <a:tileRect/>
               </a:gradFill>
               <a:ln>
@@ -38228,28 +38208,23 @@
                 <a:gsLst>
                   <a:gs pos="0">
                     <a:schemeClr val="accent3">
-                      <a:lumMod val="89000"/>
+                      <a:lumMod val="67000"/>
                     </a:schemeClr>
                   </a:gs>
-                  <a:gs pos="23000">
+                  <a:gs pos="48000">
                     <a:schemeClr val="accent3">
-                      <a:lumMod val="89000"/>
+                      <a:lumMod val="97000"/>
+                      <a:lumOff val="3000"/>
                     </a:schemeClr>
                   </a:gs>
-                  <a:gs pos="69000">
+                  <a:gs pos="100000">
                     <a:schemeClr val="accent3">
-                      <a:lumMod val="75000"/>
-                    </a:schemeClr>
-                  </a:gs>
-                  <a:gs pos="97000">
-                    <a:schemeClr val="accent3">
-                      <a:lumMod val="70000"/>
+                      <a:lumMod val="60000"/>
+                      <a:lumOff val="40000"/>
                     </a:schemeClr>
                   </a:gs>
                 </a:gsLst>
-                <a:path path="circle">
-                  <a:fillToRect l="50000" t="50000" r="50000" b="50000"/>
-                </a:path>
+                <a:lin ang="16200000" scaled="1"/>
                 <a:tileRect/>
               </a:gradFill>
               <a:ln>
@@ -38307,28 +38282,23 @@
                 <a:gsLst>
                   <a:gs pos="0">
                     <a:schemeClr val="accent2">
-                      <a:lumMod val="89000"/>
+                      <a:lumMod val="67000"/>
                     </a:schemeClr>
                   </a:gs>
-                  <a:gs pos="23000">
+                  <a:gs pos="48000">
                     <a:schemeClr val="accent2">
-                      <a:lumMod val="89000"/>
+                      <a:lumMod val="97000"/>
+                      <a:lumOff val="3000"/>
                     </a:schemeClr>
                   </a:gs>
-                  <a:gs pos="69000">
+                  <a:gs pos="100000">
                     <a:schemeClr val="accent2">
-                      <a:lumMod val="75000"/>
-                    </a:schemeClr>
-                  </a:gs>
-                  <a:gs pos="97000">
-                    <a:schemeClr val="accent2">
-                      <a:lumMod val="70000"/>
+                      <a:lumMod val="60000"/>
+                      <a:lumOff val="40000"/>
                     </a:schemeClr>
                   </a:gs>
                 </a:gsLst>
-                <a:path path="circle">
-                  <a:fillToRect l="50000" t="50000" r="50000" b="50000"/>
-                </a:path>
+                <a:lin ang="16200000" scaled="1"/>
                 <a:tileRect/>
               </a:gradFill>
               <a:ln>
@@ -38386,28 +38356,23 @@
                 <a:gsLst>
                   <a:gs pos="0">
                     <a:schemeClr val="accent3">
-                      <a:lumMod val="89000"/>
+                      <a:lumMod val="67000"/>
                     </a:schemeClr>
                   </a:gs>
-                  <a:gs pos="23000">
+                  <a:gs pos="48000">
                     <a:schemeClr val="accent3">
-                      <a:lumMod val="89000"/>
+                      <a:lumMod val="97000"/>
+                      <a:lumOff val="3000"/>
                     </a:schemeClr>
                   </a:gs>
-                  <a:gs pos="69000">
+                  <a:gs pos="100000">
                     <a:schemeClr val="accent3">
-                      <a:lumMod val="75000"/>
-                    </a:schemeClr>
-                  </a:gs>
-                  <a:gs pos="97000">
-                    <a:schemeClr val="accent3">
-                      <a:lumMod val="70000"/>
+                      <a:lumMod val="60000"/>
+                      <a:lumOff val="40000"/>
                     </a:schemeClr>
                   </a:gs>
                 </a:gsLst>
-                <a:path path="circle">
-                  <a:fillToRect l="50000" t="50000" r="50000" b="50000"/>
-                </a:path>
+                <a:lin ang="16200000" scaled="1"/>
                 <a:tileRect/>
               </a:gradFill>
               <a:ln>
@@ -38465,28 +38430,23 @@
                 <a:gsLst>
                   <a:gs pos="0">
                     <a:schemeClr val="accent2">
-                      <a:lumMod val="89000"/>
+                      <a:lumMod val="67000"/>
                     </a:schemeClr>
                   </a:gs>
-                  <a:gs pos="23000">
+                  <a:gs pos="48000">
                     <a:schemeClr val="accent2">
-                      <a:lumMod val="89000"/>
+                      <a:lumMod val="97000"/>
+                      <a:lumOff val="3000"/>
                     </a:schemeClr>
                   </a:gs>
-                  <a:gs pos="69000">
+                  <a:gs pos="100000">
                     <a:schemeClr val="accent2">
-                      <a:lumMod val="75000"/>
-                    </a:schemeClr>
-                  </a:gs>
-                  <a:gs pos="97000">
-                    <a:schemeClr val="accent2">
-                      <a:lumMod val="70000"/>
+                      <a:lumMod val="60000"/>
+                      <a:lumOff val="40000"/>
                     </a:schemeClr>
                   </a:gs>
                 </a:gsLst>
-                <a:path path="circle">
-                  <a:fillToRect l="50000" t="50000" r="50000" b="50000"/>
-                </a:path>
+                <a:lin ang="16200000" scaled="1"/>
                 <a:tileRect/>
               </a:gradFill>
               <a:ln>
@@ -38544,28 +38504,23 @@
                 <a:gsLst>
                   <a:gs pos="0">
                     <a:schemeClr val="accent3">
-                      <a:lumMod val="89000"/>
+                      <a:lumMod val="67000"/>
                     </a:schemeClr>
                   </a:gs>
-                  <a:gs pos="23000">
+                  <a:gs pos="48000">
                     <a:schemeClr val="accent3">
-                      <a:lumMod val="89000"/>
+                      <a:lumMod val="97000"/>
+                      <a:lumOff val="3000"/>
                     </a:schemeClr>
                   </a:gs>
-                  <a:gs pos="69000">
+                  <a:gs pos="100000">
                     <a:schemeClr val="accent3">
-                      <a:lumMod val="75000"/>
-                    </a:schemeClr>
-                  </a:gs>
-                  <a:gs pos="97000">
-                    <a:schemeClr val="accent3">
-                      <a:lumMod val="70000"/>
+                      <a:lumMod val="60000"/>
+                      <a:lumOff val="40000"/>
                     </a:schemeClr>
                   </a:gs>
                 </a:gsLst>
-                <a:path path="circle">
-                  <a:fillToRect l="50000" t="50000" r="50000" b="50000"/>
-                </a:path>
+                <a:lin ang="16200000" scaled="1"/>
                 <a:tileRect/>
               </a:gradFill>
               <a:ln>
@@ -38688,8 +38643,8 @@
             </p:style>
           </p:cxnSp>
         </p:grpSp>
-        <mc:AlternateContent xmlns:mc="http://schemas.openxmlformats.org/markup-compatibility/2006">
-          <mc:Choice xmlns:a14="http://schemas.microsoft.com/office/drawing/2010/main" Requires="a14">
+        <mc:AlternateContent xmlns:mc="http://schemas.openxmlformats.org/markup-compatibility/2006" xmlns:a14="http://schemas.microsoft.com/office/drawing/2010/main">
+          <mc:Choice Requires="a14">
             <p:sp>
               <p:nvSpPr>
                 <p:cNvPr id="24" name="Rectangle 23">
@@ -38717,6 +38672,7 @@
                 </a:bodyPr>
                 <a:lstStyle/>
                 <a:p>
+                  <a:pPr/>
                   <a14:m>
                     <m:oMathPara xmlns:m="http://schemas.openxmlformats.org/officeDocument/2006/math">
                       <m:oMathParaPr>
@@ -38756,7 +38712,7 @@
               </p:txBody>
             </p:sp>
           </mc:Choice>
-          <mc:Fallback>
+          <mc:Fallback xmlns="">
             <p:sp>
               <p:nvSpPr>
                 <p:cNvPr id="24" name="Rectangle 23">
@@ -38801,8 +38757,8 @@
             </p:sp>
           </mc:Fallback>
         </mc:AlternateContent>
-        <mc:AlternateContent xmlns:mc="http://schemas.openxmlformats.org/markup-compatibility/2006">
-          <mc:Choice xmlns:a14="http://schemas.microsoft.com/office/drawing/2010/main" Requires="a14">
+        <mc:AlternateContent xmlns:mc="http://schemas.openxmlformats.org/markup-compatibility/2006" xmlns:a14="http://schemas.microsoft.com/office/drawing/2010/main">
+          <mc:Choice Requires="a14">
             <p:sp>
               <p:nvSpPr>
                 <p:cNvPr id="52" name="Rectangle 51">
@@ -38830,6 +38786,1586 @@
                 </a:bodyPr>
                 <a:lstStyle/>
                 <a:p>
+                  <a:pPr/>
+                  <a14:m>
+                    <m:oMathPara xmlns:m="http://schemas.openxmlformats.org/officeDocument/2006/math">
+                      <m:oMathParaPr>
+                        <m:jc m:val="centerGroup"/>
+                      </m:oMathParaPr>
+                      <m:oMath xmlns:m="http://schemas.openxmlformats.org/officeDocument/2006/math">
+                        <m:sSub>
+                          <m:sSubPr>
+                            <m:ctrlPr>
+                              <a:rPr lang="en-US" sz="2000" i="1" smtClean="0">
+                                <a:latin typeface="Cambria Math" panose="02040503050406030204" pitchFamily="18" charset="0"/>
+                              </a:rPr>
+                            </m:ctrlPr>
+                          </m:sSubPr>
+                          <m:e>
+                            <m:r>
+                              <a:rPr lang="en-US" sz="2000" b="0" i="1" smtClean="0">
+                                <a:latin typeface="Cambria Math" panose="02040503050406030204" pitchFamily="18" charset="0"/>
+                              </a:rPr>
+                              <m:t>𝛽</m:t>
+                            </m:r>
+                          </m:e>
+                          <m:sub>
+                            <m:r>
+                              <a:rPr lang="en-US" sz="2000" b="0" i="1" smtClean="0">
+                                <a:latin typeface="Cambria Math" panose="02040503050406030204" pitchFamily="18" charset="0"/>
+                              </a:rPr>
+                              <m:t>2</m:t>
+                            </m:r>
+                          </m:sub>
+                        </m:sSub>
+                      </m:oMath>
+                    </m:oMathPara>
+                  </a14:m>
+                  <a:endParaRPr lang="en-US" sz="2000" dirty="0"/>
+                </a:p>
+              </p:txBody>
+            </p:sp>
+          </mc:Choice>
+          <mc:Fallback xmlns="">
+            <p:sp>
+              <p:nvSpPr>
+                <p:cNvPr id="52" name="Rectangle 51">
+                  <a:extLst>
+                    <a:ext uri="{FF2B5EF4-FFF2-40B4-BE49-F238E27FC236}">
+                      <a16:creationId xmlns:a16="http://schemas.microsoft.com/office/drawing/2014/main" id="{727F33BF-F7AE-4E5B-9920-A6A6CCB6335A}"/>
+                    </a:ext>
+                  </a:extLst>
+                </p:cNvPr>
+                <p:cNvSpPr>
+                  <a:spLocks noRot="1" noChangeAspect="1" noMove="1" noResize="1" noEditPoints="1" noAdjustHandles="1" noChangeArrowheads="1" noChangeShapeType="1" noTextEdit="1"/>
+                </p:cNvSpPr>
+                <p:nvPr/>
+              </p:nvSpPr>
+              <p:spPr>
+                <a:xfrm>
+                  <a:off x="8220469" y="16212020"/>
+                  <a:ext cx="514050" cy="400110"/>
+                </a:xfrm>
+                <a:prstGeom prst="rect">
+                  <a:avLst/>
+                </a:prstGeom>
+                <a:blipFill>
+                  <a:blip r:embed="rId3"/>
+                  <a:stretch>
+                    <a:fillRect b="-16667"/>
+                  </a:stretch>
+                </a:blipFill>
+              </p:spPr>
+              <p:txBody>
+                <a:bodyPr/>
+                <a:lstStyle/>
+                <a:p>
+                  <a:r>
+                    <a:rPr lang="en-US">
+                      <a:noFill/>
+                    </a:rPr>
+                    <a:t> </a:t>
+                  </a:r>
+                </a:p>
+              </p:txBody>
+            </p:sp>
+          </mc:Fallback>
+        </mc:AlternateContent>
+      </p:grpSp>
+      <p:grpSp>
+        <p:nvGrpSpPr>
+          <p:cNvPr id="50" name="Group 49">
+            <a:extLst>
+              <a:ext uri="{FF2B5EF4-FFF2-40B4-BE49-F238E27FC236}">
+                <a16:creationId xmlns:a16="http://schemas.microsoft.com/office/drawing/2014/main" id="{BDC8C86A-26E7-4D12-B26A-533A3433B0EB}"/>
+              </a:ext>
+            </a:extLst>
+          </p:cNvPr>
+          <p:cNvGrpSpPr/>
+          <p:nvPr/>
+        </p:nvGrpSpPr>
+        <p:grpSpPr>
+          <a:xfrm>
+            <a:off x="7388281" y="13652527"/>
+            <a:ext cx="3153460" cy="3110563"/>
+            <a:chOff x="12392351" y="14582830"/>
+            <a:chExt cx="3153460" cy="3110563"/>
+          </a:xfrm>
+        </p:grpSpPr>
+        <p:grpSp>
+          <p:nvGrpSpPr>
+            <p:cNvPr id="54" name="Group 53">
+              <a:extLst>
+                <a:ext uri="{FF2B5EF4-FFF2-40B4-BE49-F238E27FC236}">
+                  <a16:creationId xmlns:a16="http://schemas.microsoft.com/office/drawing/2014/main" id="{65C4E1ED-B550-4DC0-9418-BAA1A4293973}"/>
+                </a:ext>
+              </a:extLst>
+            </p:cNvPr>
+            <p:cNvGrpSpPr/>
+            <p:nvPr/>
+          </p:nvGrpSpPr>
+          <p:grpSpPr>
+            <a:xfrm>
+              <a:off x="12540682" y="14582830"/>
+              <a:ext cx="3005129" cy="3110563"/>
+              <a:chOff x="12540682" y="14582830"/>
+              <a:chExt cx="3005129" cy="3110563"/>
+            </a:xfrm>
+          </p:grpSpPr>
+          <p:sp>
+            <p:nvSpPr>
+              <p:cNvPr id="55" name="Isosceles Triangle 54">
+                <a:extLst>
+                  <a:ext uri="{FF2B5EF4-FFF2-40B4-BE49-F238E27FC236}">
+                    <a16:creationId xmlns:a16="http://schemas.microsoft.com/office/drawing/2014/main" id="{6FA70F2A-E323-48DE-B23C-A021115EBC90}"/>
+                  </a:ext>
+                </a:extLst>
+              </p:cNvPr>
+              <p:cNvSpPr/>
+              <p:nvPr/>
+            </p:nvSpPr>
+            <p:spPr>
+              <a:xfrm rot="9101610">
+                <a:off x="13801637" y="16611938"/>
+                <a:ext cx="1744174" cy="469141"/>
+              </a:xfrm>
+              <a:prstGeom prst="triangle">
+                <a:avLst>
+                  <a:gd name="adj" fmla="val 35610"/>
+                </a:avLst>
+              </a:prstGeom>
+              <a:solidFill>
+                <a:schemeClr val="accent1">
+                  <a:alpha val="52000"/>
+                </a:schemeClr>
+              </a:solidFill>
+              <a:ln>
+                <a:noFill/>
+              </a:ln>
+            </p:spPr>
+            <p:style>
+              <a:lnRef idx="2">
+                <a:schemeClr val="accent1">
+                  <a:shade val="50000"/>
+                </a:schemeClr>
+              </a:lnRef>
+              <a:fillRef idx="1">
+                <a:schemeClr val="accent1"/>
+              </a:fillRef>
+              <a:effectRef idx="0">
+                <a:schemeClr val="accent1"/>
+              </a:effectRef>
+              <a:fontRef idx="minor">
+                <a:schemeClr val="lt1"/>
+              </a:fontRef>
+            </p:style>
+            <p:txBody>
+              <a:bodyPr rtlCol="0" anchor="ctr"/>
+              <a:lstStyle/>
+              <a:p>
+                <a:pPr algn="ctr"/>
+                <a:endParaRPr lang="en-US"/>
+              </a:p>
+            </p:txBody>
+          </p:sp>
+          <p:sp>
+            <p:nvSpPr>
+              <p:cNvPr id="58" name="Isosceles Triangle 57">
+                <a:extLst>
+                  <a:ext uri="{FF2B5EF4-FFF2-40B4-BE49-F238E27FC236}">
+                    <a16:creationId xmlns:a16="http://schemas.microsoft.com/office/drawing/2014/main" id="{FCEFFB96-77DF-4264-9FC1-9F41CC6AFD19}"/>
+                  </a:ext>
+                </a:extLst>
+              </p:cNvPr>
+              <p:cNvSpPr/>
+              <p:nvPr/>
+            </p:nvSpPr>
+            <p:spPr>
+              <a:xfrm rot="13285324">
+                <a:off x="13783957" y="15669310"/>
+                <a:ext cx="1519302" cy="644647"/>
+              </a:xfrm>
+              <a:prstGeom prst="triangle">
+                <a:avLst>
+                  <a:gd name="adj" fmla="val 55199"/>
+                </a:avLst>
+              </a:prstGeom>
+              <a:solidFill>
+                <a:schemeClr val="accent1">
+                  <a:alpha val="52000"/>
+                </a:schemeClr>
+              </a:solidFill>
+              <a:ln>
+                <a:noFill/>
+              </a:ln>
+            </p:spPr>
+            <p:style>
+              <a:lnRef idx="2">
+                <a:schemeClr val="accent1">
+                  <a:shade val="50000"/>
+                </a:schemeClr>
+              </a:lnRef>
+              <a:fillRef idx="1">
+                <a:schemeClr val="accent1"/>
+              </a:fillRef>
+              <a:effectRef idx="0">
+                <a:schemeClr val="accent1"/>
+              </a:effectRef>
+              <a:fontRef idx="minor">
+                <a:schemeClr val="lt1"/>
+              </a:fontRef>
+            </p:style>
+            <p:txBody>
+              <a:bodyPr rtlCol="0" anchor="ctr"/>
+              <a:lstStyle/>
+              <a:p>
+                <a:pPr algn="ctr"/>
+                <a:endParaRPr lang="en-US"/>
+              </a:p>
+            </p:txBody>
+          </p:sp>
+          <p:sp>
+            <p:nvSpPr>
+              <p:cNvPr id="59" name="Isosceles Triangle 58">
+                <a:extLst>
+                  <a:ext uri="{FF2B5EF4-FFF2-40B4-BE49-F238E27FC236}">
+                    <a16:creationId xmlns:a16="http://schemas.microsoft.com/office/drawing/2014/main" id="{F0560D28-1C39-4F83-B9DA-20EB66E308A1}"/>
+                  </a:ext>
+                </a:extLst>
+              </p:cNvPr>
+              <p:cNvSpPr/>
+              <p:nvPr/>
+            </p:nvSpPr>
+            <p:spPr>
+              <a:xfrm rot="19976415">
+                <a:off x="12763265" y="15508178"/>
+                <a:ext cx="1294172" cy="1037059"/>
+              </a:xfrm>
+              <a:prstGeom prst="triangle">
+                <a:avLst>
+                  <a:gd name="adj" fmla="val 20014"/>
+                </a:avLst>
+              </a:prstGeom>
+              <a:solidFill>
+                <a:schemeClr val="accent1">
+                  <a:alpha val="52000"/>
+                </a:schemeClr>
+              </a:solidFill>
+              <a:ln>
+                <a:noFill/>
+              </a:ln>
+            </p:spPr>
+            <p:style>
+              <a:lnRef idx="2">
+                <a:schemeClr val="accent1">
+                  <a:shade val="50000"/>
+                </a:schemeClr>
+              </a:lnRef>
+              <a:fillRef idx="1">
+                <a:schemeClr val="accent1"/>
+              </a:fillRef>
+              <a:effectRef idx="0">
+                <a:schemeClr val="accent1"/>
+              </a:effectRef>
+              <a:fontRef idx="minor">
+                <a:schemeClr val="lt1"/>
+              </a:fontRef>
+            </p:style>
+            <p:txBody>
+              <a:bodyPr rtlCol="0" anchor="ctr"/>
+              <a:lstStyle/>
+              <a:p>
+                <a:pPr algn="ctr"/>
+                <a:endParaRPr lang="en-US"/>
+              </a:p>
+            </p:txBody>
+          </p:sp>
+          <p:cxnSp>
+            <p:nvCxnSpPr>
+              <p:cNvPr id="60" name="Straight Connector 59">
+                <a:extLst>
+                  <a:ext uri="{FF2B5EF4-FFF2-40B4-BE49-F238E27FC236}">
+                    <a16:creationId xmlns:a16="http://schemas.microsoft.com/office/drawing/2014/main" id="{D3AF5021-0202-4153-B8C9-2B4981546789}"/>
+                  </a:ext>
+                </a:extLst>
+              </p:cNvPr>
+              <p:cNvCxnSpPr>
+                <a:cxnSpLocks/>
+              </p:cNvCxnSpPr>
+              <p:nvPr/>
+            </p:nvCxnSpPr>
+            <p:spPr>
+              <a:xfrm flipH="1" flipV="1">
+                <a:off x="13653339" y="14770473"/>
+                <a:ext cx="558935" cy="525282"/>
+              </a:xfrm>
+              <a:prstGeom prst="line">
+                <a:avLst/>
+              </a:prstGeom>
+              <a:ln w="38100">
+                <a:solidFill>
+                  <a:schemeClr val="tx1"/>
+                </a:solidFill>
+              </a:ln>
+            </p:spPr>
+            <p:style>
+              <a:lnRef idx="1">
+                <a:schemeClr val="accent1"/>
+              </a:lnRef>
+              <a:fillRef idx="0">
+                <a:schemeClr val="accent1"/>
+              </a:fillRef>
+              <a:effectRef idx="0">
+                <a:schemeClr val="accent1"/>
+              </a:effectRef>
+              <a:fontRef idx="minor">
+                <a:schemeClr val="tx1"/>
+              </a:fontRef>
+            </p:style>
+          </p:cxnSp>
+          <p:cxnSp>
+            <p:nvCxnSpPr>
+              <p:cNvPr id="61" name="Straight Connector 60">
+                <a:extLst>
+                  <a:ext uri="{FF2B5EF4-FFF2-40B4-BE49-F238E27FC236}">
+                    <a16:creationId xmlns:a16="http://schemas.microsoft.com/office/drawing/2014/main" id="{D9A8D489-0AB0-4E6A-A9E2-D6825313B45D}"/>
+                  </a:ext>
+                </a:extLst>
+              </p:cNvPr>
+              <p:cNvCxnSpPr>
+                <a:cxnSpLocks/>
+              </p:cNvCxnSpPr>
+              <p:nvPr/>
+            </p:nvCxnSpPr>
+            <p:spPr>
+              <a:xfrm flipH="1">
+                <a:off x="12723066" y="16761215"/>
+                <a:ext cx="367605" cy="778554"/>
+              </a:xfrm>
+              <a:prstGeom prst="line">
+                <a:avLst/>
+              </a:prstGeom>
+              <a:ln w="38100">
+                <a:solidFill>
+                  <a:schemeClr val="tx1"/>
+                </a:solidFill>
+              </a:ln>
+            </p:spPr>
+            <p:style>
+              <a:lnRef idx="1">
+                <a:schemeClr val="accent1"/>
+              </a:lnRef>
+              <a:fillRef idx="0">
+                <a:schemeClr val="accent1"/>
+              </a:fillRef>
+              <a:effectRef idx="0">
+                <a:schemeClr val="accent1"/>
+              </a:effectRef>
+              <a:fontRef idx="minor">
+                <a:schemeClr val="tx1"/>
+              </a:fontRef>
+            </p:style>
+          </p:cxnSp>
+          <p:cxnSp>
+            <p:nvCxnSpPr>
+              <p:cNvPr id="62" name="Straight Connector 61">
+                <a:extLst>
+                  <a:ext uri="{FF2B5EF4-FFF2-40B4-BE49-F238E27FC236}">
+                    <a16:creationId xmlns:a16="http://schemas.microsoft.com/office/drawing/2014/main" id="{944DDFD4-0572-45CC-BDA9-F9143FEDC06E}"/>
+                  </a:ext>
+                </a:extLst>
+              </p:cNvPr>
+              <p:cNvCxnSpPr>
+                <a:cxnSpLocks/>
+              </p:cNvCxnSpPr>
+              <p:nvPr/>
+            </p:nvCxnSpPr>
+            <p:spPr>
+              <a:xfrm flipH="1" flipV="1">
+                <a:off x="14236880" y="16177463"/>
+                <a:ext cx="1046512" cy="57043"/>
+              </a:xfrm>
+              <a:prstGeom prst="line">
+                <a:avLst/>
+              </a:prstGeom>
+              <a:ln w="38100">
+                <a:solidFill>
+                  <a:schemeClr val="tx1"/>
+                </a:solidFill>
+              </a:ln>
+            </p:spPr>
+            <p:style>
+              <a:lnRef idx="1">
+                <a:schemeClr val="accent1"/>
+              </a:lnRef>
+              <a:fillRef idx="0">
+                <a:schemeClr val="accent1"/>
+              </a:fillRef>
+              <a:effectRef idx="0">
+                <a:schemeClr val="accent1"/>
+              </a:effectRef>
+              <a:fontRef idx="minor">
+                <a:schemeClr val="tx1"/>
+              </a:fontRef>
+            </p:style>
+          </p:cxnSp>
+          <p:cxnSp>
+            <p:nvCxnSpPr>
+              <p:cNvPr id="63" name="Straight Connector 62">
+                <a:extLst>
+                  <a:ext uri="{FF2B5EF4-FFF2-40B4-BE49-F238E27FC236}">
+                    <a16:creationId xmlns:a16="http://schemas.microsoft.com/office/drawing/2014/main" id="{5262AFC3-8FA7-4A80-AD59-7078A00B862D}"/>
+                  </a:ext>
+                </a:extLst>
+              </p:cNvPr>
+              <p:cNvCxnSpPr>
+                <a:cxnSpLocks/>
+              </p:cNvCxnSpPr>
+              <p:nvPr/>
+            </p:nvCxnSpPr>
+            <p:spPr>
+              <a:xfrm flipH="1" flipV="1">
+                <a:off x="14238763" y="16165476"/>
+                <a:ext cx="754315" cy="764465"/>
+              </a:xfrm>
+              <a:prstGeom prst="line">
+                <a:avLst/>
+              </a:prstGeom>
+              <a:ln w="38100">
+                <a:solidFill>
+                  <a:schemeClr val="tx1"/>
+                </a:solidFill>
+              </a:ln>
+            </p:spPr>
+            <p:style>
+              <a:lnRef idx="1">
+                <a:schemeClr val="accent1"/>
+              </a:lnRef>
+              <a:fillRef idx="0">
+                <a:schemeClr val="accent1"/>
+              </a:fillRef>
+              <a:effectRef idx="0">
+                <a:schemeClr val="accent1"/>
+              </a:effectRef>
+              <a:fontRef idx="minor">
+                <a:schemeClr val="tx1"/>
+              </a:fontRef>
+            </p:style>
+          </p:cxnSp>
+          <p:cxnSp>
+            <p:nvCxnSpPr>
+              <p:cNvPr id="64" name="Straight Connector 63">
+                <a:extLst>
+                  <a:ext uri="{FF2B5EF4-FFF2-40B4-BE49-F238E27FC236}">
+                    <a16:creationId xmlns:a16="http://schemas.microsoft.com/office/drawing/2014/main" id="{4C20AC8E-DB1F-4689-B2DA-4A135D3B0894}"/>
+                  </a:ext>
+                </a:extLst>
+              </p:cNvPr>
+              <p:cNvCxnSpPr>
+                <a:cxnSpLocks/>
+              </p:cNvCxnSpPr>
+              <p:nvPr/>
+            </p:nvCxnSpPr>
+            <p:spPr>
+              <a:xfrm flipH="1" flipV="1">
+                <a:off x="12813699" y="15753692"/>
+                <a:ext cx="1457945" cy="444421"/>
+              </a:xfrm>
+              <a:prstGeom prst="line">
+                <a:avLst/>
+              </a:prstGeom>
+              <a:ln w="38100">
+                <a:solidFill>
+                  <a:schemeClr val="tx1"/>
+                </a:solidFill>
+              </a:ln>
+            </p:spPr>
+            <p:style>
+              <a:lnRef idx="1">
+                <a:schemeClr val="accent1"/>
+              </a:lnRef>
+              <a:fillRef idx="0">
+                <a:schemeClr val="accent1"/>
+              </a:fillRef>
+              <a:effectRef idx="0">
+                <a:schemeClr val="accent1"/>
+              </a:effectRef>
+              <a:fontRef idx="minor">
+                <a:schemeClr val="tx1"/>
+              </a:fontRef>
+            </p:style>
+          </p:cxnSp>
+          <p:cxnSp>
+            <p:nvCxnSpPr>
+              <p:cNvPr id="65" name="Straight Connector 64">
+                <a:extLst>
+                  <a:ext uri="{FF2B5EF4-FFF2-40B4-BE49-F238E27FC236}">
+                    <a16:creationId xmlns:a16="http://schemas.microsoft.com/office/drawing/2014/main" id="{274BCEAE-0FAA-44C4-AACC-382C6C39EEC7}"/>
+                  </a:ext>
+                </a:extLst>
+              </p:cNvPr>
+              <p:cNvCxnSpPr>
+                <a:cxnSpLocks/>
+              </p:cNvCxnSpPr>
+              <p:nvPr/>
+            </p:nvCxnSpPr>
+            <p:spPr>
+              <a:xfrm>
+                <a:off x="14194637" y="15276482"/>
+                <a:ext cx="76204" cy="900980"/>
+              </a:xfrm>
+              <a:prstGeom prst="line">
+                <a:avLst/>
+              </a:prstGeom>
+              <a:ln w="38100">
+                <a:solidFill>
+                  <a:schemeClr val="tx1"/>
+                </a:solidFill>
+              </a:ln>
+            </p:spPr>
+            <p:style>
+              <a:lnRef idx="1">
+                <a:schemeClr val="accent1"/>
+              </a:lnRef>
+              <a:fillRef idx="0">
+                <a:schemeClr val="accent1"/>
+              </a:fillRef>
+              <a:effectRef idx="0">
+                <a:schemeClr val="accent1"/>
+              </a:effectRef>
+              <a:fontRef idx="minor">
+                <a:schemeClr val="tx1"/>
+              </a:fontRef>
+            </p:style>
+          </p:cxnSp>
+          <p:cxnSp>
+            <p:nvCxnSpPr>
+              <p:cNvPr id="66" name="Straight Connector 65">
+                <a:extLst>
+                  <a:ext uri="{FF2B5EF4-FFF2-40B4-BE49-F238E27FC236}">
+                    <a16:creationId xmlns:a16="http://schemas.microsoft.com/office/drawing/2014/main" id="{F7055529-9DE7-47A0-9EAD-7A5BC5F0CF8E}"/>
+                  </a:ext>
+                </a:extLst>
+              </p:cNvPr>
+              <p:cNvCxnSpPr>
+                <a:cxnSpLocks/>
+              </p:cNvCxnSpPr>
+              <p:nvPr/>
+            </p:nvCxnSpPr>
+            <p:spPr>
+              <a:xfrm flipH="1" flipV="1">
+                <a:off x="13078881" y="16771908"/>
+                <a:ext cx="737609" cy="293476"/>
+              </a:xfrm>
+              <a:prstGeom prst="line">
+                <a:avLst/>
+              </a:prstGeom>
+              <a:ln w="38100">
+                <a:solidFill>
+                  <a:schemeClr val="tx1"/>
+                </a:solidFill>
+              </a:ln>
+            </p:spPr>
+            <p:style>
+              <a:lnRef idx="1">
+                <a:schemeClr val="accent1"/>
+              </a:lnRef>
+              <a:fillRef idx="0">
+                <a:schemeClr val="accent1"/>
+              </a:fillRef>
+              <a:effectRef idx="0">
+                <a:schemeClr val="accent1"/>
+              </a:effectRef>
+              <a:fontRef idx="minor">
+                <a:schemeClr val="tx1"/>
+              </a:fontRef>
+            </p:style>
+          </p:cxnSp>
+          <p:cxnSp>
+            <p:nvCxnSpPr>
+              <p:cNvPr id="67" name="Straight Connector 66">
+                <a:extLst>
+                  <a:ext uri="{FF2B5EF4-FFF2-40B4-BE49-F238E27FC236}">
+                    <a16:creationId xmlns:a16="http://schemas.microsoft.com/office/drawing/2014/main" id="{A00955E4-BA24-41CC-AD74-76823AF306FA}"/>
+                  </a:ext>
+                </a:extLst>
+              </p:cNvPr>
+              <p:cNvCxnSpPr>
+                <a:cxnSpLocks/>
+              </p:cNvCxnSpPr>
+              <p:nvPr/>
+            </p:nvCxnSpPr>
+            <p:spPr>
+              <a:xfrm>
+                <a:off x="12843416" y="15753691"/>
+                <a:ext cx="236084" cy="1018217"/>
+              </a:xfrm>
+              <a:prstGeom prst="line">
+                <a:avLst/>
+              </a:prstGeom>
+              <a:ln w="38100">
+                <a:solidFill>
+                  <a:schemeClr val="tx1"/>
+                </a:solidFill>
+              </a:ln>
+            </p:spPr>
+            <p:style>
+              <a:lnRef idx="1">
+                <a:schemeClr val="accent1"/>
+              </a:lnRef>
+              <a:fillRef idx="0">
+                <a:schemeClr val="accent1"/>
+              </a:fillRef>
+              <a:effectRef idx="0">
+                <a:schemeClr val="accent1"/>
+              </a:effectRef>
+              <a:fontRef idx="minor">
+                <a:schemeClr val="tx1"/>
+              </a:fontRef>
+            </p:style>
+          </p:cxnSp>
+          <p:cxnSp>
+            <p:nvCxnSpPr>
+              <p:cNvPr id="68" name="Straight Connector 67">
+                <a:extLst>
+                  <a:ext uri="{FF2B5EF4-FFF2-40B4-BE49-F238E27FC236}">
+                    <a16:creationId xmlns:a16="http://schemas.microsoft.com/office/drawing/2014/main" id="{EC8549DC-E118-4DF6-9EFB-7ECAF1B42EE0}"/>
+                  </a:ext>
+                </a:extLst>
+              </p:cNvPr>
+              <p:cNvCxnSpPr>
+                <a:cxnSpLocks/>
+              </p:cNvCxnSpPr>
+              <p:nvPr/>
+            </p:nvCxnSpPr>
+            <p:spPr>
+              <a:xfrm flipH="1">
+                <a:off x="13079502" y="16198113"/>
+                <a:ext cx="1157377" cy="573794"/>
+              </a:xfrm>
+              <a:prstGeom prst="line">
+                <a:avLst/>
+              </a:prstGeom>
+              <a:ln w="38100">
+                <a:solidFill>
+                  <a:schemeClr val="tx1"/>
+                </a:solidFill>
+              </a:ln>
+            </p:spPr>
+            <p:style>
+              <a:lnRef idx="1">
+                <a:schemeClr val="accent1"/>
+              </a:lnRef>
+              <a:fillRef idx="0">
+                <a:schemeClr val="accent1"/>
+              </a:fillRef>
+              <a:effectRef idx="0">
+                <a:schemeClr val="accent1"/>
+              </a:effectRef>
+              <a:fontRef idx="minor">
+                <a:schemeClr val="tx1"/>
+              </a:fontRef>
+            </p:style>
+          </p:cxnSp>
+          <p:sp>
+            <p:nvSpPr>
+              <p:cNvPr id="69" name="Oval 68">
+                <a:extLst>
+                  <a:ext uri="{FF2B5EF4-FFF2-40B4-BE49-F238E27FC236}">
+                    <a16:creationId xmlns:a16="http://schemas.microsoft.com/office/drawing/2014/main" id="{C2B9A2FB-EC3A-4942-8963-1A19055AEAD3}"/>
+                  </a:ext>
+                </a:extLst>
+              </p:cNvPr>
+              <p:cNvSpPr/>
+              <p:nvPr/>
+            </p:nvSpPr>
+            <p:spPr>
+              <a:xfrm>
+                <a:off x="12654153" y="15571307"/>
+                <a:ext cx="364768" cy="364768"/>
+              </a:xfrm>
+              <a:prstGeom prst="ellipse">
+                <a:avLst/>
+              </a:prstGeom>
+              <a:gradFill flip="none" rotWithShape="1">
+                <a:gsLst>
+                  <a:gs pos="0">
+                    <a:schemeClr val="accent2">
+                      <a:lumMod val="67000"/>
+                    </a:schemeClr>
+                  </a:gs>
+                  <a:gs pos="48000">
+                    <a:schemeClr val="accent2">
+                      <a:lumMod val="97000"/>
+                      <a:lumOff val="3000"/>
+                    </a:schemeClr>
+                  </a:gs>
+                  <a:gs pos="100000">
+                    <a:schemeClr val="accent2">
+                      <a:lumMod val="60000"/>
+                      <a:lumOff val="40000"/>
+                    </a:schemeClr>
+                  </a:gs>
+                </a:gsLst>
+                <a:lin ang="16200000" scaled="1"/>
+                <a:tileRect/>
+              </a:gradFill>
+              <a:ln>
+                <a:solidFill>
+                  <a:schemeClr val="tx1"/>
+                </a:solidFill>
+              </a:ln>
+            </p:spPr>
+            <p:style>
+              <a:lnRef idx="2">
+                <a:schemeClr val="accent1">
+                  <a:shade val="50000"/>
+                </a:schemeClr>
+              </a:lnRef>
+              <a:fillRef idx="1">
+                <a:schemeClr val="accent1"/>
+              </a:fillRef>
+              <a:effectRef idx="0">
+                <a:schemeClr val="accent1"/>
+              </a:effectRef>
+              <a:fontRef idx="minor">
+                <a:schemeClr val="lt1"/>
+              </a:fontRef>
+            </p:style>
+            <p:txBody>
+              <a:bodyPr rtlCol="0" anchor="ctr"/>
+              <a:lstStyle/>
+              <a:p>
+                <a:pPr algn="ctr"/>
+                <a:endParaRPr lang="en-US"/>
+              </a:p>
+            </p:txBody>
+          </p:sp>
+          <p:sp>
+            <p:nvSpPr>
+              <p:cNvPr id="70" name="Oval 69">
+                <a:extLst>
+                  <a:ext uri="{FF2B5EF4-FFF2-40B4-BE49-F238E27FC236}">
+                    <a16:creationId xmlns:a16="http://schemas.microsoft.com/office/drawing/2014/main" id="{1D6E56B2-0BBB-49E1-8226-C8B5CA723BD6}"/>
+                  </a:ext>
+                </a:extLst>
+              </p:cNvPr>
+              <p:cNvSpPr/>
+              <p:nvPr/>
+            </p:nvSpPr>
+            <p:spPr>
+              <a:xfrm>
+                <a:off x="14075071" y="15992527"/>
+                <a:ext cx="364768" cy="364768"/>
+              </a:xfrm>
+              <a:prstGeom prst="ellipse">
+                <a:avLst/>
+              </a:prstGeom>
+              <a:gradFill flip="none" rotWithShape="1">
+                <a:gsLst>
+                  <a:gs pos="0">
+                    <a:schemeClr val="accent2">
+                      <a:lumMod val="67000"/>
+                    </a:schemeClr>
+                  </a:gs>
+                  <a:gs pos="48000">
+                    <a:schemeClr val="accent2">
+                      <a:lumMod val="97000"/>
+                      <a:lumOff val="3000"/>
+                    </a:schemeClr>
+                  </a:gs>
+                  <a:gs pos="100000">
+                    <a:schemeClr val="accent2">
+                      <a:lumMod val="60000"/>
+                      <a:lumOff val="40000"/>
+                    </a:schemeClr>
+                  </a:gs>
+                </a:gsLst>
+                <a:lin ang="16200000" scaled="1"/>
+                <a:tileRect/>
+              </a:gradFill>
+              <a:ln>
+                <a:solidFill>
+                  <a:schemeClr val="tx1"/>
+                </a:solidFill>
+              </a:ln>
+            </p:spPr>
+            <p:style>
+              <a:lnRef idx="2">
+                <a:schemeClr val="accent1">
+                  <a:shade val="50000"/>
+                </a:schemeClr>
+              </a:lnRef>
+              <a:fillRef idx="1">
+                <a:schemeClr val="accent1"/>
+              </a:fillRef>
+              <a:effectRef idx="0">
+                <a:schemeClr val="accent1"/>
+              </a:effectRef>
+              <a:fontRef idx="minor">
+                <a:schemeClr val="lt1"/>
+              </a:fontRef>
+            </p:style>
+            <p:txBody>
+              <a:bodyPr rtlCol="0" anchor="ctr"/>
+              <a:lstStyle/>
+              <a:p>
+                <a:pPr algn="ctr"/>
+                <a:endParaRPr lang="en-US"/>
+              </a:p>
+            </p:txBody>
+          </p:sp>
+          <p:sp>
+            <p:nvSpPr>
+              <p:cNvPr id="71" name="Oval 70">
+                <a:extLst>
+                  <a:ext uri="{FF2B5EF4-FFF2-40B4-BE49-F238E27FC236}">
+                    <a16:creationId xmlns:a16="http://schemas.microsoft.com/office/drawing/2014/main" id="{C10A1E6B-BBC2-468D-A119-7ECF4493FF25}"/>
+                  </a:ext>
+                </a:extLst>
+              </p:cNvPr>
+              <p:cNvSpPr/>
+              <p:nvPr/>
+            </p:nvSpPr>
+            <p:spPr>
+              <a:xfrm>
+                <a:off x="12897117" y="16578831"/>
+                <a:ext cx="364768" cy="364768"/>
+              </a:xfrm>
+              <a:prstGeom prst="ellipse">
+                <a:avLst/>
+              </a:prstGeom>
+              <a:gradFill>
+                <a:gsLst>
+                  <a:gs pos="0">
+                    <a:schemeClr val="bg1"/>
+                  </a:gs>
+                  <a:gs pos="74000">
+                    <a:schemeClr val="bg1">
+                      <a:lumMod val="65000"/>
+                    </a:schemeClr>
+                  </a:gs>
+                  <a:gs pos="83000">
+                    <a:schemeClr val="bg1">
+                      <a:lumMod val="75000"/>
+                    </a:schemeClr>
+                  </a:gs>
+                  <a:gs pos="100000">
+                    <a:schemeClr val="bg1">
+                      <a:lumMod val="85000"/>
+                    </a:schemeClr>
+                  </a:gs>
+                </a:gsLst>
+                <a:lin ang="5400000" scaled="1"/>
+              </a:gradFill>
+              <a:ln>
+                <a:solidFill>
+                  <a:schemeClr val="tx1"/>
+                </a:solidFill>
+              </a:ln>
+            </p:spPr>
+            <p:style>
+              <a:lnRef idx="2">
+                <a:schemeClr val="accent1">
+                  <a:shade val="50000"/>
+                </a:schemeClr>
+              </a:lnRef>
+              <a:fillRef idx="1">
+                <a:schemeClr val="accent1"/>
+              </a:fillRef>
+              <a:effectRef idx="0">
+                <a:schemeClr val="accent1"/>
+              </a:effectRef>
+              <a:fontRef idx="minor">
+                <a:schemeClr val="lt1"/>
+              </a:fontRef>
+            </p:style>
+            <p:txBody>
+              <a:bodyPr rtlCol="0" anchor="ctr"/>
+              <a:lstStyle/>
+              <a:p>
+                <a:pPr algn="ctr"/>
+                <a:endParaRPr lang="en-US"/>
+              </a:p>
+            </p:txBody>
+          </p:sp>
+          <p:sp>
+            <p:nvSpPr>
+              <p:cNvPr id="72" name="Oval 71">
+                <a:extLst>
+                  <a:ext uri="{FF2B5EF4-FFF2-40B4-BE49-F238E27FC236}">
+                    <a16:creationId xmlns:a16="http://schemas.microsoft.com/office/drawing/2014/main" id="{4F9DD611-F461-43E3-9284-AB9E316B3B77}"/>
+                  </a:ext>
+                </a:extLst>
+              </p:cNvPr>
+              <p:cNvSpPr/>
+              <p:nvPr/>
+            </p:nvSpPr>
+            <p:spPr>
+              <a:xfrm>
+                <a:off x="14020733" y="15077069"/>
+                <a:ext cx="364768" cy="364768"/>
+              </a:xfrm>
+              <a:prstGeom prst="ellipse">
+                <a:avLst/>
+              </a:prstGeom>
+              <a:gradFill flip="none" rotWithShape="1">
+                <a:gsLst>
+                  <a:gs pos="0">
+                    <a:schemeClr val="accent2">
+                      <a:lumMod val="67000"/>
+                    </a:schemeClr>
+                  </a:gs>
+                  <a:gs pos="48000">
+                    <a:schemeClr val="accent2">
+                      <a:lumMod val="97000"/>
+                      <a:lumOff val="3000"/>
+                    </a:schemeClr>
+                  </a:gs>
+                  <a:gs pos="100000">
+                    <a:schemeClr val="accent2">
+                      <a:lumMod val="60000"/>
+                      <a:lumOff val="40000"/>
+                    </a:schemeClr>
+                  </a:gs>
+                </a:gsLst>
+                <a:lin ang="16200000" scaled="1"/>
+                <a:tileRect/>
+              </a:gradFill>
+              <a:ln>
+                <a:solidFill>
+                  <a:schemeClr val="tx1"/>
+                </a:solidFill>
+              </a:ln>
+            </p:spPr>
+            <p:style>
+              <a:lnRef idx="2">
+                <a:schemeClr val="accent1">
+                  <a:shade val="50000"/>
+                </a:schemeClr>
+              </a:lnRef>
+              <a:fillRef idx="1">
+                <a:schemeClr val="accent1"/>
+              </a:fillRef>
+              <a:effectRef idx="0">
+                <a:schemeClr val="accent1"/>
+              </a:effectRef>
+              <a:fontRef idx="minor">
+                <a:schemeClr val="lt1"/>
+              </a:fontRef>
+            </p:style>
+            <p:txBody>
+              <a:bodyPr rtlCol="0" anchor="ctr"/>
+              <a:lstStyle/>
+              <a:p>
+                <a:pPr algn="ctr"/>
+                <a:endParaRPr lang="en-US"/>
+              </a:p>
+            </p:txBody>
+          </p:sp>
+          <p:sp>
+            <p:nvSpPr>
+              <p:cNvPr id="73" name="Oval 72">
+                <a:extLst>
+                  <a:ext uri="{FF2B5EF4-FFF2-40B4-BE49-F238E27FC236}">
+                    <a16:creationId xmlns:a16="http://schemas.microsoft.com/office/drawing/2014/main" id="{F00DC13C-91DB-4C41-A805-62AFDAEE6284}"/>
+                  </a:ext>
+                </a:extLst>
+              </p:cNvPr>
+              <p:cNvSpPr/>
+              <p:nvPr/>
+            </p:nvSpPr>
+            <p:spPr>
+              <a:xfrm>
+                <a:off x="13634106" y="16874854"/>
+                <a:ext cx="364768" cy="364768"/>
+              </a:xfrm>
+              <a:prstGeom prst="ellipse">
+                <a:avLst/>
+              </a:prstGeom>
+              <a:gradFill>
+                <a:gsLst>
+                  <a:gs pos="0">
+                    <a:schemeClr val="bg1"/>
+                  </a:gs>
+                  <a:gs pos="74000">
+                    <a:schemeClr val="bg1">
+                      <a:lumMod val="65000"/>
+                    </a:schemeClr>
+                  </a:gs>
+                  <a:gs pos="83000">
+                    <a:schemeClr val="bg1">
+                      <a:lumMod val="75000"/>
+                    </a:schemeClr>
+                  </a:gs>
+                  <a:gs pos="100000">
+                    <a:schemeClr val="bg1">
+                      <a:lumMod val="85000"/>
+                    </a:schemeClr>
+                  </a:gs>
+                </a:gsLst>
+                <a:lin ang="5400000" scaled="1"/>
+              </a:gradFill>
+              <a:ln>
+                <a:solidFill>
+                  <a:schemeClr val="tx1"/>
+                </a:solidFill>
+              </a:ln>
+            </p:spPr>
+            <p:style>
+              <a:lnRef idx="2">
+                <a:schemeClr val="accent1">
+                  <a:shade val="50000"/>
+                </a:schemeClr>
+              </a:lnRef>
+              <a:fillRef idx="1">
+                <a:schemeClr val="accent1"/>
+              </a:fillRef>
+              <a:effectRef idx="0">
+                <a:schemeClr val="accent1"/>
+              </a:effectRef>
+              <a:fontRef idx="minor">
+                <a:schemeClr val="lt1"/>
+              </a:fontRef>
+            </p:style>
+            <p:txBody>
+              <a:bodyPr rtlCol="0" anchor="ctr"/>
+              <a:lstStyle/>
+              <a:p>
+                <a:pPr algn="ctr"/>
+                <a:endParaRPr lang="en-US"/>
+              </a:p>
+            </p:txBody>
+          </p:sp>
+          <p:sp>
+            <p:nvSpPr>
+              <p:cNvPr id="74" name="Oval 73">
+                <a:extLst>
+                  <a:ext uri="{FF2B5EF4-FFF2-40B4-BE49-F238E27FC236}">
+                    <a16:creationId xmlns:a16="http://schemas.microsoft.com/office/drawing/2014/main" id="{730FD21D-26BC-4E04-AB0E-7C611A60DD91}"/>
+                  </a:ext>
+                </a:extLst>
+              </p:cNvPr>
+              <p:cNvSpPr/>
+              <p:nvPr/>
+            </p:nvSpPr>
+            <p:spPr>
+              <a:xfrm>
+                <a:off x="12540682" y="17328625"/>
+                <a:ext cx="364768" cy="364768"/>
+              </a:xfrm>
+              <a:prstGeom prst="ellipse">
+                <a:avLst/>
+              </a:prstGeom>
+              <a:gradFill flip="none" rotWithShape="1">
+                <a:gsLst>
+                  <a:gs pos="0">
+                    <a:schemeClr val="accent2">
+                      <a:lumMod val="67000"/>
+                    </a:schemeClr>
+                  </a:gs>
+                  <a:gs pos="48000">
+                    <a:schemeClr val="accent2">
+                      <a:lumMod val="97000"/>
+                      <a:lumOff val="3000"/>
+                    </a:schemeClr>
+                  </a:gs>
+                  <a:gs pos="100000">
+                    <a:schemeClr val="accent2">
+                      <a:lumMod val="60000"/>
+                      <a:lumOff val="40000"/>
+                    </a:schemeClr>
+                  </a:gs>
+                </a:gsLst>
+                <a:lin ang="16200000" scaled="1"/>
+                <a:tileRect/>
+              </a:gradFill>
+              <a:ln>
+                <a:solidFill>
+                  <a:schemeClr val="tx1"/>
+                </a:solidFill>
+              </a:ln>
+            </p:spPr>
+            <p:style>
+              <a:lnRef idx="2">
+                <a:schemeClr val="accent1">
+                  <a:shade val="50000"/>
+                </a:schemeClr>
+              </a:lnRef>
+              <a:fillRef idx="1">
+                <a:schemeClr val="accent1"/>
+              </a:fillRef>
+              <a:effectRef idx="0">
+                <a:schemeClr val="accent1"/>
+              </a:effectRef>
+              <a:fontRef idx="minor">
+                <a:schemeClr val="lt1"/>
+              </a:fontRef>
+            </p:style>
+            <p:txBody>
+              <a:bodyPr rtlCol="0" anchor="ctr"/>
+              <a:lstStyle/>
+              <a:p>
+                <a:pPr algn="ctr"/>
+                <a:endParaRPr lang="en-US"/>
+              </a:p>
+            </p:txBody>
+          </p:sp>
+          <p:sp>
+            <p:nvSpPr>
+              <p:cNvPr id="75" name="Oval 74">
+                <a:extLst>
+                  <a:ext uri="{FF2B5EF4-FFF2-40B4-BE49-F238E27FC236}">
+                    <a16:creationId xmlns:a16="http://schemas.microsoft.com/office/drawing/2014/main" id="{F486BDD8-4F8E-49ED-9F17-0BBFB8533DA3}"/>
+                  </a:ext>
+                </a:extLst>
+              </p:cNvPr>
+              <p:cNvSpPr/>
+              <p:nvPr/>
+            </p:nvSpPr>
+            <p:spPr>
+              <a:xfrm>
+                <a:off x="15124681" y="16058610"/>
+                <a:ext cx="364768" cy="364768"/>
+              </a:xfrm>
+              <a:prstGeom prst="ellipse">
+                <a:avLst/>
+              </a:prstGeom>
+              <a:gradFill>
+                <a:gsLst>
+                  <a:gs pos="0">
+                    <a:schemeClr val="bg1"/>
+                  </a:gs>
+                  <a:gs pos="74000">
+                    <a:schemeClr val="bg1">
+                      <a:lumMod val="65000"/>
+                    </a:schemeClr>
+                  </a:gs>
+                  <a:gs pos="83000">
+                    <a:schemeClr val="bg1">
+                      <a:lumMod val="75000"/>
+                    </a:schemeClr>
+                  </a:gs>
+                  <a:gs pos="100000">
+                    <a:schemeClr val="bg1">
+                      <a:lumMod val="85000"/>
+                    </a:schemeClr>
+                  </a:gs>
+                </a:gsLst>
+                <a:lin ang="5400000" scaled="1"/>
+              </a:gradFill>
+              <a:ln>
+                <a:solidFill>
+                  <a:schemeClr val="tx1"/>
+                </a:solidFill>
+              </a:ln>
+            </p:spPr>
+            <p:style>
+              <a:lnRef idx="2">
+                <a:schemeClr val="accent1">
+                  <a:shade val="50000"/>
+                </a:schemeClr>
+              </a:lnRef>
+              <a:fillRef idx="1">
+                <a:schemeClr val="accent1"/>
+              </a:fillRef>
+              <a:effectRef idx="0">
+                <a:schemeClr val="accent1"/>
+              </a:effectRef>
+              <a:fontRef idx="minor">
+                <a:schemeClr val="lt1"/>
+              </a:fontRef>
+            </p:style>
+            <p:txBody>
+              <a:bodyPr rtlCol="0" anchor="ctr"/>
+              <a:lstStyle/>
+              <a:p>
+                <a:pPr algn="ctr"/>
+                <a:endParaRPr lang="en-US"/>
+              </a:p>
+            </p:txBody>
+          </p:sp>
+          <p:sp>
+            <p:nvSpPr>
+              <p:cNvPr id="76" name="Oval 75">
+                <a:extLst>
+                  <a:ext uri="{FF2B5EF4-FFF2-40B4-BE49-F238E27FC236}">
+                    <a16:creationId xmlns:a16="http://schemas.microsoft.com/office/drawing/2014/main" id="{BDA14C4F-8C51-44C3-B461-3EBEB369CEB1}"/>
+                  </a:ext>
+                </a:extLst>
+              </p:cNvPr>
+              <p:cNvSpPr/>
+              <p:nvPr/>
+            </p:nvSpPr>
+            <p:spPr>
+              <a:xfrm>
+                <a:off x="14824444" y="16729100"/>
+                <a:ext cx="364768" cy="364768"/>
+              </a:xfrm>
+              <a:prstGeom prst="ellipse">
+                <a:avLst/>
+              </a:prstGeom>
+              <a:gradFill flip="none" rotWithShape="1">
+                <a:gsLst>
+                  <a:gs pos="0">
+                    <a:schemeClr val="accent2">
+                      <a:lumMod val="67000"/>
+                    </a:schemeClr>
+                  </a:gs>
+                  <a:gs pos="48000">
+                    <a:schemeClr val="accent2">
+                      <a:lumMod val="97000"/>
+                      <a:lumOff val="3000"/>
+                    </a:schemeClr>
+                  </a:gs>
+                  <a:gs pos="100000">
+                    <a:schemeClr val="accent2">
+                      <a:lumMod val="60000"/>
+                      <a:lumOff val="40000"/>
+                    </a:schemeClr>
+                  </a:gs>
+                </a:gsLst>
+                <a:lin ang="16200000" scaled="1"/>
+                <a:tileRect/>
+              </a:gradFill>
+              <a:ln>
+                <a:solidFill>
+                  <a:schemeClr val="tx1"/>
+                </a:solidFill>
+              </a:ln>
+            </p:spPr>
+            <p:style>
+              <a:lnRef idx="2">
+                <a:schemeClr val="accent1">
+                  <a:shade val="50000"/>
+                </a:schemeClr>
+              </a:lnRef>
+              <a:fillRef idx="1">
+                <a:schemeClr val="accent1"/>
+              </a:fillRef>
+              <a:effectRef idx="0">
+                <a:schemeClr val="accent1"/>
+              </a:effectRef>
+              <a:fontRef idx="minor">
+                <a:schemeClr val="lt1"/>
+              </a:fontRef>
+            </p:style>
+            <p:txBody>
+              <a:bodyPr rtlCol="0" anchor="ctr"/>
+              <a:lstStyle/>
+              <a:p>
+                <a:pPr algn="ctr"/>
+                <a:endParaRPr lang="en-US"/>
+              </a:p>
+            </p:txBody>
+          </p:sp>
+          <p:sp>
+            <p:nvSpPr>
+              <p:cNvPr id="77" name="Oval 76">
+                <a:extLst>
+                  <a:ext uri="{FF2B5EF4-FFF2-40B4-BE49-F238E27FC236}">
+                    <a16:creationId xmlns:a16="http://schemas.microsoft.com/office/drawing/2014/main" id="{6457B991-B7E5-4181-BBE9-E1DB0792A747}"/>
+                  </a:ext>
+                </a:extLst>
+              </p:cNvPr>
+              <p:cNvSpPr/>
+              <p:nvPr/>
+            </p:nvSpPr>
+            <p:spPr>
+              <a:xfrm>
+                <a:off x="13463898" y="14582830"/>
+                <a:ext cx="364768" cy="364768"/>
+              </a:xfrm>
+              <a:prstGeom prst="ellipse">
+                <a:avLst/>
+              </a:prstGeom>
+              <a:gradFill>
+                <a:gsLst>
+                  <a:gs pos="0">
+                    <a:schemeClr val="bg1"/>
+                  </a:gs>
+                  <a:gs pos="74000">
+                    <a:schemeClr val="bg1">
+                      <a:lumMod val="65000"/>
+                    </a:schemeClr>
+                  </a:gs>
+                  <a:gs pos="83000">
+                    <a:schemeClr val="bg1">
+                      <a:lumMod val="75000"/>
+                    </a:schemeClr>
+                  </a:gs>
+                  <a:gs pos="100000">
+                    <a:schemeClr val="bg1">
+                      <a:lumMod val="85000"/>
+                    </a:schemeClr>
+                  </a:gs>
+                </a:gsLst>
+                <a:lin ang="5400000" scaled="1"/>
+              </a:gradFill>
+              <a:ln>
+                <a:solidFill>
+                  <a:schemeClr val="tx1"/>
+                </a:solidFill>
+              </a:ln>
+            </p:spPr>
+            <p:style>
+              <a:lnRef idx="2">
+                <a:schemeClr val="accent1">
+                  <a:shade val="50000"/>
+                </a:schemeClr>
+              </a:lnRef>
+              <a:fillRef idx="1">
+                <a:schemeClr val="accent1"/>
+              </a:fillRef>
+              <a:effectRef idx="0">
+                <a:schemeClr val="accent1"/>
+              </a:effectRef>
+              <a:fontRef idx="minor">
+                <a:schemeClr val="lt1"/>
+              </a:fontRef>
+            </p:style>
+            <p:txBody>
+              <a:bodyPr rtlCol="0" anchor="ctr"/>
+              <a:lstStyle/>
+              <a:p>
+                <a:pPr algn="ctr"/>
+                <a:endParaRPr lang="en-US"/>
+              </a:p>
+            </p:txBody>
+          </p:sp>
+        </p:grpSp>
+        <p:cxnSp>
+          <p:nvCxnSpPr>
+            <p:cNvPr id="78" name="Straight Arrow Connector 77">
+              <a:extLst>
+                <a:ext uri="{FF2B5EF4-FFF2-40B4-BE49-F238E27FC236}">
+                  <a16:creationId xmlns:a16="http://schemas.microsoft.com/office/drawing/2014/main" id="{4D67D860-C99E-4B5A-A232-42ABA3338C40}"/>
+                </a:ext>
+              </a:extLst>
+            </p:cNvPr>
+            <p:cNvCxnSpPr>
+              <a:cxnSpLocks/>
+            </p:cNvCxnSpPr>
+            <p:nvPr/>
+          </p:nvCxnSpPr>
+          <p:spPr>
+            <a:xfrm flipH="1">
+              <a:off x="13228709" y="16173180"/>
+              <a:ext cx="240553" cy="359900"/>
+            </a:xfrm>
+            <a:prstGeom prst="straightConnector1">
+              <a:avLst/>
+            </a:prstGeom>
+            <a:ln w="63500">
+              <a:solidFill>
+                <a:srgbClr val="C00000"/>
+              </a:solidFill>
+              <a:tailEnd type="triangle"/>
+            </a:ln>
+          </p:spPr>
+          <p:style>
+            <a:lnRef idx="1">
+              <a:schemeClr val="accent1"/>
+            </a:lnRef>
+            <a:fillRef idx="0">
+              <a:schemeClr val="accent1"/>
+            </a:fillRef>
+            <a:effectRef idx="0">
+              <a:schemeClr val="accent1"/>
+            </a:effectRef>
+            <a:fontRef idx="minor">
+              <a:schemeClr val="tx1"/>
+            </a:fontRef>
+          </p:style>
+        </p:cxnSp>
+        <p:cxnSp>
+          <p:nvCxnSpPr>
+            <p:cNvPr id="79" name="Straight Arrow Connector 78">
+              <a:extLst>
+                <a:ext uri="{FF2B5EF4-FFF2-40B4-BE49-F238E27FC236}">
+                  <a16:creationId xmlns:a16="http://schemas.microsoft.com/office/drawing/2014/main" id="{FDE4D91F-714E-431A-B68D-AEEC0F59B2B8}"/>
+                </a:ext>
+              </a:extLst>
+            </p:cNvPr>
+            <p:cNvCxnSpPr>
+              <a:cxnSpLocks/>
+            </p:cNvCxnSpPr>
+            <p:nvPr/>
+          </p:nvCxnSpPr>
+          <p:spPr>
+            <a:xfrm flipV="1">
+              <a:off x="12826926" y="16985244"/>
+              <a:ext cx="158550" cy="327267"/>
+            </a:xfrm>
+            <a:prstGeom prst="straightConnector1">
+              <a:avLst/>
+            </a:prstGeom>
+            <a:ln w="63500">
+              <a:solidFill>
+                <a:srgbClr val="C00000"/>
+              </a:solidFill>
+              <a:tailEnd type="triangle"/>
+            </a:ln>
+          </p:spPr>
+          <p:style>
+            <a:lnRef idx="1">
+              <a:schemeClr val="accent1"/>
+            </a:lnRef>
+            <a:fillRef idx="0">
+              <a:schemeClr val="accent1"/>
+            </a:fillRef>
+            <a:effectRef idx="0">
+              <a:schemeClr val="accent1"/>
+            </a:effectRef>
+            <a:fontRef idx="minor">
+              <a:schemeClr val="tx1"/>
+            </a:fontRef>
+          </p:style>
+        </p:cxnSp>
+        <mc:AlternateContent xmlns:mc="http://schemas.openxmlformats.org/markup-compatibility/2006">
+          <mc:Choice xmlns:a14="http://schemas.microsoft.com/office/drawing/2010/main" Requires="a14">
+            <p:sp>
+              <p:nvSpPr>
+                <p:cNvPr id="80" name="Rectangle 79">
+                  <a:extLst>
+                    <a:ext uri="{FF2B5EF4-FFF2-40B4-BE49-F238E27FC236}">
+                      <a16:creationId xmlns:a16="http://schemas.microsoft.com/office/drawing/2014/main" id="{51C86FE6-47E8-42E3-946B-6244A6FB9875}"/>
+                    </a:ext>
+                  </a:extLst>
+                </p:cNvPr>
+                <p:cNvSpPr/>
+                <p:nvPr/>
+              </p:nvSpPr>
+              <p:spPr>
+                <a:xfrm>
+                  <a:off x="12961816" y="15923596"/>
+                  <a:ext cx="514051" cy="400110"/>
+                </a:xfrm>
+                <a:prstGeom prst="rect">
+                  <a:avLst/>
+                </a:prstGeom>
+              </p:spPr>
+              <p:txBody>
+                <a:bodyPr wrap="none">
+                  <a:spAutoFit/>
+                </a:bodyPr>
+                <a:lstStyle/>
+                <a:p>
+                  <a:pPr/>
+                  <a14:m>
+                    <m:oMathPara xmlns:m="http://schemas.openxmlformats.org/officeDocument/2006/math">
+                      <m:oMathParaPr>
+                        <m:jc m:val="centerGroup"/>
+                      </m:oMathParaPr>
+                      <m:oMath xmlns:m="http://schemas.openxmlformats.org/officeDocument/2006/math">
+                        <m:sSub>
+                          <m:sSubPr>
+                            <m:ctrlPr>
+                              <a:rPr lang="en-US" sz="2000" i="1" smtClean="0">
+                                <a:latin typeface="Cambria Math" panose="02040503050406030204" pitchFamily="18" charset="0"/>
+                              </a:rPr>
+                            </m:ctrlPr>
+                          </m:sSubPr>
+                          <m:e>
+                            <m:r>
+                              <a:rPr lang="en-US" sz="2000" b="0" i="1" smtClean="0">
+                                <a:latin typeface="Cambria Math" panose="02040503050406030204" pitchFamily="18" charset="0"/>
+                              </a:rPr>
+                              <m:t>𝛽</m:t>
+                            </m:r>
+                          </m:e>
+                          <m:sub>
+                            <m:r>
+                              <a:rPr lang="en-US" sz="2000" i="1">
+                                <a:latin typeface="Cambria Math" panose="02040503050406030204" pitchFamily="18" charset="0"/>
+                              </a:rPr>
+                              <m:t>3</m:t>
+                            </m:r>
+                          </m:sub>
+                        </m:sSub>
+                      </m:oMath>
+                    </m:oMathPara>
+                  </a14:m>
+                  <a:endParaRPr lang="en-US" sz="2000" dirty="0"/>
+                </a:p>
+              </p:txBody>
+            </p:sp>
+          </mc:Choice>
+          <mc:Fallback>
+            <p:sp>
+              <p:nvSpPr>
+                <p:cNvPr id="80" name="Rectangle 79">
+                  <a:extLst>
+                    <a:ext uri="{FF2B5EF4-FFF2-40B4-BE49-F238E27FC236}">
+                      <a16:creationId xmlns:a16="http://schemas.microsoft.com/office/drawing/2014/main" id="{51C86FE6-47E8-42E3-946B-6244A6FB9875}"/>
+                    </a:ext>
+                  </a:extLst>
+                </p:cNvPr>
+                <p:cNvSpPr>
+                  <a:spLocks noRot="1" noChangeAspect="1" noMove="1" noResize="1" noEditPoints="1" noAdjustHandles="1" noChangeArrowheads="1" noChangeShapeType="1" noTextEdit="1"/>
+                </p:cNvSpPr>
+                <p:nvPr/>
+              </p:nvSpPr>
+              <p:spPr>
+                <a:xfrm>
+                  <a:off x="12961816" y="15923596"/>
+                  <a:ext cx="514051" cy="400110"/>
+                </a:xfrm>
+                <a:prstGeom prst="rect">
+                  <a:avLst/>
+                </a:prstGeom>
+                <a:blipFill>
+                  <a:blip r:embed="rId4"/>
+                  <a:stretch>
+                    <a:fillRect b="-18462"/>
+                  </a:stretch>
+                </a:blipFill>
+              </p:spPr>
+              <p:txBody>
+                <a:bodyPr/>
+                <a:lstStyle/>
+                <a:p>
+                  <a:r>
+                    <a:rPr lang="en-US">
+                      <a:noFill/>
+                    </a:rPr>
+                    <a:t> </a:t>
+                  </a:r>
+                </a:p>
+              </p:txBody>
+            </p:sp>
+          </mc:Fallback>
+        </mc:AlternateContent>
+        <mc:AlternateContent xmlns:mc="http://schemas.openxmlformats.org/markup-compatibility/2006">
+          <mc:Choice xmlns:a14="http://schemas.microsoft.com/office/drawing/2010/main" Requires="a14">
+            <p:sp>
+              <p:nvSpPr>
+                <p:cNvPr id="81" name="Rectangle 80">
+                  <a:extLst>
+                    <a:ext uri="{FF2B5EF4-FFF2-40B4-BE49-F238E27FC236}">
+                      <a16:creationId xmlns:a16="http://schemas.microsoft.com/office/drawing/2014/main" id="{C21E0B39-68FE-43B6-B22C-A8D4D7C3AC11}"/>
+                    </a:ext>
+                  </a:extLst>
+                </p:cNvPr>
+                <p:cNvSpPr/>
+                <p:nvPr/>
+              </p:nvSpPr>
+              <p:spPr>
+                <a:xfrm>
+                  <a:off x="12392351" y="16806064"/>
+                  <a:ext cx="514050" cy="400110"/>
+                </a:xfrm>
+                <a:prstGeom prst="rect">
+                  <a:avLst/>
+                </a:prstGeom>
+              </p:spPr>
+              <p:txBody>
+                <a:bodyPr wrap="none">
+                  <a:spAutoFit/>
+                </a:bodyPr>
+                <a:lstStyle/>
+                <a:p>
+                  <a:pPr/>
                   <a14:m>
                     <m:oMathPara xmlns:m="http://schemas.openxmlformats.org/officeDocument/2006/math">
                       <m:oMathParaPr>
@@ -38872,10 +40408,10 @@
           <mc:Fallback>
             <p:sp>
               <p:nvSpPr>
-                <p:cNvPr id="52" name="Rectangle 51">
+                <p:cNvPr id="81" name="Rectangle 80">
                   <a:extLst>
                     <a:ext uri="{FF2B5EF4-FFF2-40B4-BE49-F238E27FC236}">
-                      <a16:creationId xmlns:a16="http://schemas.microsoft.com/office/drawing/2014/main" id="{727F33BF-F7AE-4E5B-9920-A6A6CCB6335A}"/>
+                      <a16:creationId xmlns:a16="http://schemas.microsoft.com/office/drawing/2014/main" id="{C21E0B39-68FE-43B6-B22C-A8D4D7C3AC11}"/>
                     </a:ext>
                   </a:extLst>
                 </p:cNvPr>
@@ -38886,14 +40422,14 @@
               </p:nvSpPr>
               <p:spPr>
                 <a:xfrm>
-                  <a:off x="8220469" y="16212020"/>
+                  <a:off x="12392351" y="16806064"/>
                   <a:ext cx="514050" cy="400110"/>
                 </a:xfrm>
                 <a:prstGeom prst="rect">
                   <a:avLst/>
                 </a:prstGeom>
                 <a:blipFill>
-                  <a:blip r:embed="rId3"/>
+                  <a:blip r:embed="rId5"/>
                   <a:stretch>
                     <a:fillRect b="-16667"/>
                   </a:stretch>

--- a/Paper Figures/Figures.pptx
+++ b/Paper Figures/Figures.pptx
@@ -11,6 +11,7 @@
     <p:sldId id="267" r:id="rId5"/>
     <p:sldId id="266" r:id="rId6"/>
     <p:sldId id="264" r:id="rId7"/>
+    <p:sldId id="268" r:id="rId8"/>
   </p:sldIdLst>
   <p:sldSz cx="43891200" cy="32918400"/>
   <p:notesSz cx="6858000" cy="9144000"/>
@@ -481,7 +482,7 @@
             <a:fld id="{A549ADDE-98E8-4149-84E6-9A28F99CE161}" type="datetimeFigureOut">
               <a:rPr lang="en-US" smtClean="0"/>
               <a:pPr/>
-              <a:t>4/30/2020</a:t>
+              <a:t>5/13/2020</a:t>
             </a:fld>
             <a:endParaRPr lang="en-US"/>
           </a:p>
@@ -656,7 +657,7 @@
             <a:fld id="{A549ADDE-98E8-4149-84E6-9A28F99CE161}" type="datetimeFigureOut">
               <a:rPr lang="en-US" smtClean="0"/>
               <a:pPr/>
-              <a:t>4/30/2020</a:t>
+              <a:t>5/13/2020</a:t>
             </a:fld>
             <a:endParaRPr lang="en-US"/>
           </a:p>
@@ -821,7 +822,7 @@
             <a:fld id="{A549ADDE-98E8-4149-84E6-9A28F99CE161}" type="datetimeFigureOut">
               <a:rPr lang="en-US" smtClean="0"/>
               <a:pPr/>
-              <a:t>4/30/2020</a:t>
+              <a:t>5/13/2020</a:t>
             </a:fld>
             <a:endParaRPr lang="en-US"/>
           </a:p>
@@ -1063,7 +1064,7 @@
             <a:fld id="{A549ADDE-98E8-4149-84E6-9A28F99CE161}" type="datetimeFigureOut">
               <a:rPr lang="en-US" smtClean="0"/>
               <a:pPr/>
-              <a:t>4/30/2020</a:t>
+              <a:t>5/13/2020</a:t>
             </a:fld>
             <a:endParaRPr lang="en-US"/>
           </a:p>
@@ -1345,7 +1346,7 @@
             <a:fld id="{A549ADDE-98E8-4149-84E6-9A28F99CE161}" type="datetimeFigureOut">
               <a:rPr lang="en-US" smtClean="0"/>
               <a:pPr/>
-              <a:t>4/30/2020</a:t>
+              <a:t>5/13/2020</a:t>
             </a:fld>
             <a:endParaRPr lang="en-US"/>
           </a:p>
@@ -1761,7 +1762,7 @@
             <a:fld id="{A549ADDE-98E8-4149-84E6-9A28F99CE161}" type="datetimeFigureOut">
               <a:rPr lang="en-US" smtClean="0"/>
               <a:pPr/>
-              <a:t>4/30/2020</a:t>
+              <a:t>5/13/2020</a:t>
             </a:fld>
             <a:endParaRPr lang="en-US"/>
           </a:p>
@@ -1943,7 +1944,7 @@
             <a:fld id="{A549ADDE-98E8-4149-84E6-9A28F99CE161}" type="datetimeFigureOut">
               <a:rPr lang="en-US" smtClean="0"/>
               <a:pPr/>
-              <a:t>4/30/2020</a:t>
+              <a:t>5/13/2020</a:t>
             </a:fld>
             <a:endParaRPr lang="en-US"/>
           </a:p>
@@ -2215,7 +2216,7 @@
             <a:fld id="{A549ADDE-98E8-4149-84E6-9A28F99CE161}" type="datetimeFigureOut">
               <a:rPr lang="en-US" smtClean="0"/>
               <a:pPr/>
-              <a:t>4/30/2020</a:t>
+              <a:t>5/13/2020</a:t>
             </a:fld>
             <a:endParaRPr lang="en-US"/>
           </a:p>
@@ -2464,7 +2465,7 @@
             <a:fld id="{A549ADDE-98E8-4149-84E6-9A28F99CE161}" type="datetimeFigureOut">
               <a:rPr lang="en-US" smtClean="0"/>
               <a:pPr/>
-              <a:t>4/30/2020</a:t>
+              <a:t>5/13/2020</a:t>
             </a:fld>
             <a:endParaRPr lang="en-US"/>
           </a:p>
@@ -2672,7 +2673,7 @@
             <a:fld id="{A549ADDE-98E8-4149-84E6-9A28F99CE161}" type="datetimeFigureOut">
               <a:rPr lang="en-US" smtClean="0"/>
               <a:pPr/>
-              <a:t>4/30/2020</a:t>
+              <a:t>5/13/2020</a:t>
             </a:fld>
             <a:endParaRPr lang="en-US"/>
           </a:p>
@@ -40222,8 +40223,8 @@
             </a:fontRef>
           </p:style>
         </p:cxnSp>
-        <mc:AlternateContent xmlns:mc="http://schemas.openxmlformats.org/markup-compatibility/2006">
-          <mc:Choice xmlns:a14="http://schemas.microsoft.com/office/drawing/2010/main" Requires="a14">
+        <mc:AlternateContent xmlns:mc="http://schemas.openxmlformats.org/markup-compatibility/2006" xmlns:a14="http://schemas.microsoft.com/office/drawing/2010/main">
+          <mc:Choice Requires="a14">
             <p:sp>
               <p:nvSpPr>
                 <p:cNvPr id="80" name="Rectangle 79">
@@ -40291,7 +40292,7 @@
               </p:txBody>
             </p:sp>
           </mc:Choice>
-          <mc:Fallback>
+          <mc:Fallback xmlns="">
             <p:sp>
               <p:nvSpPr>
                 <p:cNvPr id="80" name="Rectangle 79">
@@ -40336,8 +40337,8 @@
             </p:sp>
           </mc:Fallback>
         </mc:AlternateContent>
-        <mc:AlternateContent xmlns:mc="http://schemas.openxmlformats.org/markup-compatibility/2006">
-          <mc:Choice xmlns:a14="http://schemas.microsoft.com/office/drawing/2010/main" Requires="a14">
+        <mc:AlternateContent xmlns:mc="http://schemas.openxmlformats.org/markup-compatibility/2006" xmlns:a14="http://schemas.microsoft.com/office/drawing/2010/main">
+          <mc:Choice Requires="a14">
             <p:sp>
               <p:nvSpPr>
                 <p:cNvPr id="81" name="Rectangle 80">
@@ -40405,7 +40406,7 @@
               </p:txBody>
             </p:sp>
           </mc:Choice>
-          <mc:Fallback>
+          <mc:Fallback xmlns="">
             <p:sp>
               <p:nvSpPr>
                 <p:cNvPr id="81" name="Rectangle 80">
@@ -40455,6 +40456,1515 @@
     <p:extLst>
       <p:ext uri="{BB962C8B-B14F-4D97-AF65-F5344CB8AC3E}">
         <p14:creationId xmlns:p14="http://schemas.microsoft.com/office/powerpoint/2010/main" val="3303591574"/>
+      </p:ext>
+    </p:extLst>
+  </p:cSld>
+  <p:clrMapOvr>
+    <a:masterClrMapping/>
+  </p:clrMapOvr>
+</p:sld>
+</file>
+
+<file path=ppt/slides/slide7.xml><?xml version="1.0" encoding="utf-8"?>
+<p:sld xmlns:a="http://schemas.openxmlformats.org/drawingml/2006/main" xmlns:r="http://schemas.openxmlformats.org/officeDocument/2006/relationships" xmlns:p="http://schemas.openxmlformats.org/presentationml/2006/main">
+  <p:cSld>
+    <p:spTree>
+      <p:nvGrpSpPr>
+        <p:cNvPr id="1" name=""/>
+        <p:cNvGrpSpPr/>
+        <p:nvPr/>
+      </p:nvGrpSpPr>
+      <p:grpSpPr>
+        <a:xfrm>
+          <a:off x="0" y="0"/>
+          <a:ext cx="0" cy="0"/>
+          <a:chOff x="0" y="0"/>
+          <a:chExt cx="0" cy="0"/>
+        </a:xfrm>
+      </p:grpSpPr>
+      <p:grpSp>
+        <p:nvGrpSpPr>
+          <p:cNvPr id="35" name="Group 34">
+            <a:extLst>
+              <a:ext uri="{FF2B5EF4-FFF2-40B4-BE49-F238E27FC236}">
+                <a16:creationId xmlns:a16="http://schemas.microsoft.com/office/drawing/2014/main" id="{2EFD53A3-2C16-4FD9-8C6D-34AD4BAE8815}"/>
+              </a:ext>
+            </a:extLst>
+          </p:cNvPr>
+          <p:cNvGrpSpPr/>
+          <p:nvPr/>
+        </p:nvGrpSpPr>
+        <p:grpSpPr>
+          <a:xfrm>
+            <a:off x="6612673" y="16885146"/>
+            <a:ext cx="8430956" cy="4825287"/>
+            <a:chOff x="6612673" y="16885146"/>
+            <a:chExt cx="8430956" cy="4825287"/>
+          </a:xfrm>
+        </p:grpSpPr>
+        <p:cxnSp>
+          <p:nvCxnSpPr>
+            <p:cNvPr id="3" name="Straight Connector 2">
+              <a:extLst>
+                <a:ext uri="{FF2B5EF4-FFF2-40B4-BE49-F238E27FC236}">
+                  <a16:creationId xmlns:a16="http://schemas.microsoft.com/office/drawing/2014/main" id="{775994A3-2F2B-42E4-B059-521CB28D32DC}"/>
+                </a:ext>
+              </a:extLst>
+            </p:cNvPr>
+            <p:cNvCxnSpPr>
+              <a:cxnSpLocks/>
+            </p:cNvCxnSpPr>
+            <p:nvPr/>
+          </p:nvCxnSpPr>
+          <p:spPr>
+            <a:xfrm flipV="1">
+              <a:off x="6615293" y="16982867"/>
+              <a:ext cx="30709" cy="4310798"/>
+            </a:xfrm>
+            <a:prstGeom prst="line">
+              <a:avLst/>
+            </a:prstGeom>
+            <a:ln w="63500">
+              <a:solidFill>
+                <a:schemeClr val="tx1"/>
+              </a:solidFill>
+              <a:headEnd type="arrow"/>
+              <a:tailEnd type="arrow"/>
+            </a:ln>
+          </p:spPr>
+          <p:style>
+            <a:lnRef idx="1">
+              <a:schemeClr val="accent1"/>
+            </a:lnRef>
+            <a:fillRef idx="0">
+              <a:schemeClr val="accent1"/>
+            </a:fillRef>
+            <a:effectRef idx="0">
+              <a:schemeClr val="accent1"/>
+            </a:effectRef>
+            <a:fontRef idx="minor">
+              <a:schemeClr val="tx1"/>
+            </a:fontRef>
+          </p:style>
+        </p:cxnSp>
+        <p:cxnSp>
+          <p:nvCxnSpPr>
+            <p:cNvPr id="9" name="Straight Connector 8">
+              <a:extLst>
+                <a:ext uri="{FF2B5EF4-FFF2-40B4-BE49-F238E27FC236}">
+                  <a16:creationId xmlns:a16="http://schemas.microsoft.com/office/drawing/2014/main" id="{2541187D-805E-4CD9-B66D-4607A27DF0E7}"/>
+                </a:ext>
+              </a:extLst>
+            </p:cNvPr>
+            <p:cNvCxnSpPr>
+              <a:cxnSpLocks/>
+            </p:cNvCxnSpPr>
+            <p:nvPr/>
+          </p:nvCxnSpPr>
+          <p:spPr>
+            <a:xfrm flipV="1">
+              <a:off x="6646002" y="19138266"/>
+              <a:ext cx="4484581" cy="0"/>
+            </a:xfrm>
+            <a:prstGeom prst="line">
+              <a:avLst/>
+            </a:prstGeom>
+            <a:ln w="63500">
+              <a:solidFill>
+                <a:schemeClr val="tx1"/>
+              </a:solidFill>
+              <a:tailEnd type="arrow"/>
+            </a:ln>
+          </p:spPr>
+          <p:style>
+            <a:lnRef idx="1">
+              <a:schemeClr val="accent1"/>
+            </a:lnRef>
+            <a:fillRef idx="0">
+              <a:schemeClr val="accent1"/>
+            </a:fillRef>
+            <a:effectRef idx="0">
+              <a:schemeClr val="accent1"/>
+            </a:effectRef>
+            <a:fontRef idx="minor">
+              <a:schemeClr val="tx1"/>
+            </a:fontRef>
+          </p:style>
+        </p:cxnSp>
+        <mc:AlternateContent xmlns:mc="http://schemas.openxmlformats.org/markup-compatibility/2006">
+          <mc:Choice xmlns:a14="http://schemas.microsoft.com/office/drawing/2010/main" Requires="a14">
+            <p:sp>
+              <p:nvSpPr>
+                <p:cNvPr id="21" name="TextBox 20">
+                  <a:extLst>
+                    <a:ext uri="{FF2B5EF4-FFF2-40B4-BE49-F238E27FC236}">
+                      <a16:creationId xmlns:a16="http://schemas.microsoft.com/office/drawing/2014/main" id="{E99CBAB8-B13E-4DD6-AF4E-BCDD5FC0947A}"/>
+                    </a:ext>
+                  </a:extLst>
+                </p:cNvPr>
+                <p:cNvSpPr txBox="1"/>
+                <p:nvPr/>
+              </p:nvSpPr>
+              <p:spPr>
+                <a:xfrm>
+                  <a:off x="6824937" y="16885146"/>
+                  <a:ext cx="1523750" cy="492443"/>
+                </a:xfrm>
+                <a:prstGeom prst="rect">
+                  <a:avLst/>
+                </a:prstGeom>
+                <a:noFill/>
+              </p:spPr>
+              <p:txBody>
+                <a:bodyPr wrap="none" lIns="0" tIns="0" rIns="0" bIns="0" rtlCol="0">
+                  <a:spAutoFit/>
+                </a:bodyPr>
+                <a:lstStyle/>
+                <a:p>
+                  <a14:m>
+                    <m:oMathPara xmlns:m="http://schemas.openxmlformats.org/officeDocument/2006/math">
+                      <m:oMathParaPr>
+                        <m:jc m:val="centerGroup"/>
+                      </m:oMathParaPr>
+                      <m:oMath xmlns:m="http://schemas.openxmlformats.org/officeDocument/2006/math">
+                        <m:r>
+                          <a:rPr lang="en-US" sz="3200" b="0" i="1" smtClean="0">
+                            <a:latin typeface="Cambria Math" panose="02040503050406030204" pitchFamily="18" charset="0"/>
+                          </a:rPr>
+                          <m:t>h</m:t>
+                        </m:r>
+                        <m:r>
+                          <a:rPr lang="en-US" sz="3200" b="0" i="1" smtClean="0">
+                            <a:latin typeface="Cambria Math" panose="02040503050406030204" pitchFamily="18" charset="0"/>
+                          </a:rPr>
+                          <m:t>(</m:t>
+                        </m:r>
+                        <m:r>
+                          <a:rPr lang="en-US" sz="3200" b="0" i="1" smtClean="0">
+                            <a:latin typeface="Cambria Math" panose="02040503050406030204" pitchFamily="18" charset="0"/>
+                          </a:rPr>
+                          <m:t>𝑉</m:t>
+                        </m:r>
+                        <m:r>
+                          <a:rPr lang="en-US" sz="3200" b="0" i="1" smtClean="0">
+                            <a:latin typeface="Cambria Math" panose="02040503050406030204" pitchFamily="18" charset="0"/>
+                          </a:rPr>
+                          <m:t>,</m:t>
+                        </m:r>
+                        <m:sSub>
+                          <m:sSubPr>
+                            <m:ctrlPr>
+                              <a:rPr lang="en-US" sz="3200" b="0" i="1" smtClean="0">
+                                <a:latin typeface="Cambria Math" panose="02040503050406030204" pitchFamily="18" charset="0"/>
+                              </a:rPr>
+                            </m:ctrlPr>
+                          </m:sSubPr>
+                          <m:e>
+                            <m:r>
+                              <a:rPr lang="en-US" sz="3200" b="0" i="1" smtClean="0">
+                                <a:latin typeface="Cambria Math" panose="02040503050406030204" pitchFamily="18" charset="0"/>
+                              </a:rPr>
+                              <m:t>𝛽</m:t>
+                            </m:r>
+                          </m:e>
+                          <m:sub>
+                            <m:r>
+                              <a:rPr lang="en-US" sz="3200" b="0" i="1" smtClean="0">
+                                <a:latin typeface="Cambria Math" panose="02040503050406030204" pitchFamily="18" charset="0"/>
+                              </a:rPr>
+                              <m:t>2</m:t>
+                            </m:r>
+                          </m:sub>
+                        </m:sSub>
+                        <m:r>
+                          <a:rPr lang="en-US" sz="3200" b="0" i="1" smtClean="0">
+                            <a:latin typeface="Cambria Math" panose="02040503050406030204" pitchFamily="18" charset="0"/>
+                          </a:rPr>
+                          <m:t>)</m:t>
+                        </m:r>
+                      </m:oMath>
+                    </m:oMathPara>
+                  </a14:m>
+                  <a:endParaRPr lang="en-US" sz="3200" dirty="0"/>
+                </a:p>
+              </p:txBody>
+            </p:sp>
+          </mc:Choice>
+          <mc:Fallback>
+            <p:sp>
+              <p:nvSpPr>
+                <p:cNvPr id="21" name="TextBox 20">
+                  <a:extLst>
+                    <a:ext uri="{FF2B5EF4-FFF2-40B4-BE49-F238E27FC236}">
+                      <a16:creationId xmlns:a16="http://schemas.microsoft.com/office/drawing/2014/main" id="{E99CBAB8-B13E-4DD6-AF4E-BCDD5FC0947A}"/>
+                    </a:ext>
+                  </a:extLst>
+                </p:cNvPr>
+                <p:cNvSpPr txBox="1">
+                  <a:spLocks noRot="1" noChangeAspect="1" noMove="1" noResize="1" noEditPoints="1" noAdjustHandles="1" noChangeArrowheads="1" noChangeShapeType="1" noTextEdit="1"/>
+                </p:cNvSpPr>
+                <p:nvPr/>
+              </p:nvSpPr>
+              <p:spPr>
+                <a:xfrm>
+                  <a:off x="6824937" y="16885146"/>
+                  <a:ext cx="1523750" cy="492443"/>
+                </a:xfrm>
+                <a:prstGeom prst="rect">
+                  <a:avLst/>
+                </a:prstGeom>
+                <a:blipFill>
+                  <a:blip r:embed="rId2"/>
+                  <a:stretch>
+                    <a:fillRect/>
+                  </a:stretch>
+                </a:blipFill>
+              </p:spPr>
+              <p:txBody>
+                <a:bodyPr/>
+                <a:lstStyle/>
+                <a:p>
+                  <a:r>
+                    <a:rPr lang="en-US">
+                      <a:noFill/>
+                    </a:rPr>
+                    <a:t> </a:t>
+                  </a:r>
+                </a:p>
+              </p:txBody>
+            </p:sp>
+          </mc:Fallback>
+        </mc:AlternateContent>
+        <mc:AlternateContent xmlns:mc="http://schemas.openxmlformats.org/markup-compatibility/2006">
+          <mc:Choice xmlns:a14="http://schemas.microsoft.com/office/drawing/2010/main" Requires="a14">
+            <p:sp>
+              <p:nvSpPr>
+                <p:cNvPr id="22" name="TextBox 21">
+                  <a:extLst>
+                    <a:ext uri="{FF2B5EF4-FFF2-40B4-BE49-F238E27FC236}">
+                      <a16:creationId xmlns:a16="http://schemas.microsoft.com/office/drawing/2014/main" id="{924423C3-1E99-4E29-B261-FA3362D02007}"/>
+                    </a:ext>
+                  </a:extLst>
+                </p:cNvPr>
+                <p:cNvSpPr txBox="1"/>
+                <p:nvPr/>
+              </p:nvSpPr>
+              <p:spPr>
+                <a:xfrm>
+                  <a:off x="10840651" y="18483146"/>
+                  <a:ext cx="383310" cy="492443"/>
+                </a:xfrm>
+                <a:prstGeom prst="rect">
+                  <a:avLst/>
+                </a:prstGeom>
+                <a:noFill/>
+              </p:spPr>
+              <p:txBody>
+                <a:bodyPr wrap="none" lIns="0" tIns="0" rIns="0" bIns="0" rtlCol="0">
+                  <a:spAutoFit/>
+                </a:bodyPr>
+                <a:lstStyle/>
+                <a:p>
+                  <a14:m>
+                    <m:oMathPara xmlns:m="http://schemas.openxmlformats.org/officeDocument/2006/math">
+                      <m:oMathParaPr>
+                        <m:jc m:val="centerGroup"/>
+                      </m:oMathParaPr>
+                      <m:oMath xmlns:m="http://schemas.openxmlformats.org/officeDocument/2006/math">
+                        <m:r>
+                          <a:rPr lang="en-US" sz="3200" b="0" i="1" smtClean="0">
+                            <a:latin typeface="Cambria Math" panose="02040503050406030204" pitchFamily="18" charset="0"/>
+                          </a:rPr>
+                          <m:t>𝑉</m:t>
+                        </m:r>
+                      </m:oMath>
+                    </m:oMathPara>
+                  </a14:m>
+                  <a:endParaRPr lang="en-US" sz="3200" dirty="0"/>
+                </a:p>
+              </p:txBody>
+            </p:sp>
+          </mc:Choice>
+          <mc:Fallback>
+            <p:sp>
+              <p:nvSpPr>
+                <p:cNvPr id="22" name="TextBox 21">
+                  <a:extLst>
+                    <a:ext uri="{FF2B5EF4-FFF2-40B4-BE49-F238E27FC236}">
+                      <a16:creationId xmlns:a16="http://schemas.microsoft.com/office/drawing/2014/main" id="{924423C3-1E99-4E29-B261-FA3362D02007}"/>
+                    </a:ext>
+                  </a:extLst>
+                </p:cNvPr>
+                <p:cNvSpPr txBox="1">
+                  <a:spLocks noRot="1" noChangeAspect="1" noMove="1" noResize="1" noEditPoints="1" noAdjustHandles="1" noChangeArrowheads="1" noChangeShapeType="1" noTextEdit="1"/>
+                </p:cNvSpPr>
+                <p:nvPr/>
+              </p:nvSpPr>
+              <p:spPr>
+                <a:xfrm>
+                  <a:off x="10840651" y="18483146"/>
+                  <a:ext cx="383310" cy="492443"/>
+                </a:xfrm>
+                <a:prstGeom prst="rect">
+                  <a:avLst/>
+                </a:prstGeom>
+                <a:blipFill>
+                  <a:blip r:embed="rId3"/>
+                  <a:stretch>
+                    <a:fillRect/>
+                  </a:stretch>
+                </a:blipFill>
+              </p:spPr>
+              <p:txBody>
+                <a:bodyPr/>
+                <a:lstStyle/>
+                <a:p>
+                  <a:r>
+                    <a:rPr lang="en-US">
+                      <a:noFill/>
+                    </a:rPr>
+                    <a:t> </a:t>
+                  </a:r>
+                </a:p>
+              </p:txBody>
+            </p:sp>
+          </mc:Fallback>
+        </mc:AlternateContent>
+        <p:sp>
+          <p:nvSpPr>
+            <p:cNvPr id="23" name="Freeform: Shape 22">
+              <a:extLst>
+                <a:ext uri="{FF2B5EF4-FFF2-40B4-BE49-F238E27FC236}">
+                  <a16:creationId xmlns:a16="http://schemas.microsoft.com/office/drawing/2014/main" id="{C3BC14D5-4262-460C-8696-AF08928D1656}"/>
+                </a:ext>
+              </a:extLst>
+            </p:cNvPr>
+            <p:cNvSpPr/>
+            <p:nvPr/>
+          </p:nvSpPr>
+          <p:spPr>
+            <a:xfrm>
+              <a:off x="6634975" y="18558376"/>
+              <a:ext cx="4259765" cy="1915265"/>
+            </a:xfrm>
+            <a:custGeom>
+              <a:avLst/>
+              <a:gdLst>
+                <a:gd name="connsiteX0" fmla="*/ 0 w 4081346"/>
+                <a:gd name="connsiteY0" fmla="*/ 844748 h 1915265"/>
+                <a:gd name="connsiteX1" fmla="*/ 1115122 w 4081346"/>
+                <a:gd name="connsiteY1" fmla="*/ 30709 h 1915265"/>
+                <a:gd name="connsiteX2" fmla="*/ 2230244 w 4081346"/>
+                <a:gd name="connsiteY2" fmla="*/ 342943 h 1915265"/>
+                <a:gd name="connsiteX3" fmla="*/ 4081346 w 4081346"/>
+                <a:gd name="connsiteY3" fmla="*/ 1915265 h 1915265"/>
+              </a:gdLst>
+              <a:ahLst/>
+              <a:cxnLst>
+                <a:cxn ang="0">
+                  <a:pos x="connsiteX0" y="connsiteY0"/>
+                </a:cxn>
+                <a:cxn ang="0">
+                  <a:pos x="connsiteX1" y="connsiteY1"/>
+                </a:cxn>
+                <a:cxn ang="0">
+                  <a:pos x="connsiteX2" y="connsiteY2"/>
+                </a:cxn>
+                <a:cxn ang="0">
+                  <a:pos x="connsiteX3" y="connsiteY3"/>
+                </a:cxn>
+              </a:cxnLst>
+              <a:rect l="l" t="t" r="r" b="b"/>
+              <a:pathLst>
+                <a:path w="4081346" h="1915265">
+                  <a:moveTo>
+                    <a:pt x="0" y="844748"/>
+                  </a:moveTo>
+                  <a:cubicBezTo>
+                    <a:pt x="371707" y="479545"/>
+                    <a:pt x="743415" y="114343"/>
+                    <a:pt x="1115122" y="30709"/>
+                  </a:cubicBezTo>
+                  <a:cubicBezTo>
+                    <a:pt x="1486829" y="-52925"/>
+                    <a:pt x="1735873" y="28850"/>
+                    <a:pt x="2230244" y="342943"/>
+                  </a:cubicBezTo>
+                  <a:cubicBezTo>
+                    <a:pt x="2724615" y="657036"/>
+                    <a:pt x="3402980" y="1286150"/>
+                    <a:pt x="4081346" y="1915265"/>
+                  </a:cubicBezTo>
+                </a:path>
+              </a:pathLst>
+            </a:custGeom>
+            <a:noFill/>
+            <a:ln w="38100"/>
+          </p:spPr>
+          <p:style>
+            <a:lnRef idx="2">
+              <a:schemeClr val="accent1">
+                <a:shade val="50000"/>
+              </a:schemeClr>
+            </a:lnRef>
+            <a:fillRef idx="1">
+              <a:schemeClr val="accent1"/>
+            </a:fillRef>
+            <a:effectRef idx="0">
+              <a:schemeClr val="accent1"/>
+            </a:effectRef>
+            <a:fontRef idx="minor">
+              <a:schemeClr val="lt1"/>
+            </a:fontRef>
+          </p:style>
+          <p:txBody>
+            <a:bodyPr rtlCol="0" anchor="ctr"/>
+            <a:lstStyle/>
+            <a:p>
+              <a:pPr algn="ctr"/>
+              <a:endParaRPr lang="en-US"/>
+            </a:p>
+          </p:txBody>
+        </p:sp>
+        <p:sp>
+          <p:nvSpPr>
+            <p:cNvPr id="28" name="Freeform: Shape 27">
+              <a:extLst>
+                <a:ext uri="{FF2B5EF4-FFF2-40B4-BE49-F238E27FC236}">
+                  <a16:creationId xmlns:a16="http://schemas.microsoft.com/office/drawing/2014/main" id="{DBA20864-F5EF-434A-9D7E-9746FF358EE8}"/>
+                </a:ext>
+              </a:extLst>
+            </p:cNvPr>
+            <p:cNvSpPr/>
+            <p:nvPr/>
+          </p:nvSpPr>
+          <p:spPr>
+            <a:xfrm>
+              <a:off x="6634976" y="19536937"/>
+              <a:ext cx="4259764" cy="1806497"/>
+            </a:xfrm>
+            <a:custGeom>
+              <a:avLst/>
+              <a:gdLst>
+                <a:gd name="connsiteX0" fmla="*/ 0 w 4170556"/>
+                <a:gd name="connsiteY0" fmla="*/ 0 h 1806497"/>
+                <a:gd name="connsiteX1" fmla="*/ 657922 w 4170556"/>
+                <a:gd name="connsiteY1" fmla="*/ 111512 h 1806497"/>
+                <a:gd name="connsiteX2" fmla="*/ 1895707 w 4170556"/>
+                <a:gd name="connsiteY2" fmla="*/ 635619 h 1806497"/>
+                <a:gd name="connsiteX3" fmla="*/ 4170556 w 4170556"/>
+                <a:gd name="connsiteY3" fmla="*/ 1806497 h 1806497"/>
+              </a:gdLst>
+              <a:ahLst/>
+              <a:cxnLst>
+                <a:cxn ang="0">
+                  <a:pos x="connsiteX0" y="connsiteY0"/>
+                </a:cxn>
+                <a:cxn ang="0">
+                  <a:pos x="connsiteX1" y="connsiteY1"/>
+                </a:cxn>
+                <a:cxn ang="0">
+                  <a:pos x="connsiteX2" y="connsiteY2"/>
+                </a:cxn>
+                <a:cxn ang="0">
+                  <a:pos x="connsiteX3" y="connsiteY3"/>
+                </a:cxn>
+              </a:cxnLst>
+              <a:rect l="l" t="t" r="r" b="b"/>
+              <a:pathLst>
+                <a:path w="4170556" h="1806497">
+                  <a:moveTo>
+                    <a:pt x="0" y="0"/>
+                  </a:moveTo>
+                  <a:cubicBezTo>
+                    <a:pt x="170985" y="2788"/>
+                    <a:pt x="341971" y="5576"/>
+                    <a:pt x="657922" y="111512"/>
+                  </a:cubicBezTo>
+                  <a:cubicBezTo>
+                    <a:pt x="973873" y="217448"/>
+                    <a:pt x="1310268" y="353121"/>
+                    <a:pt x="1895707" y="635619"/>
+                  </a:cubicBezTo>
+                  <a:cubicBezTo>
+                    <a:pt x="2481146" y="918117"/>
+                    <a:pt x="3325851" y="1362307"/>
+                    <a:pt x="4170556" y="1806497"/>
+                  </a:cubicBezTo>
+                </a:path>
+              </a:pathLst>
+            </a:custGeom>
+            <a:noFill/>
+            <a:ln w="38100">
+              <a:prstDash val="sysDash"/>
+            </a:ln>
+          </p:spPr>
+          <p:style>
+            <a:lnRef idx="2">
+              <a:schemeClr val="accent1">
+                <a:shade val="50000"/>
+              </a:schemeClr>
+            </a:lnRef>
+            <a:fillRef idx="1">
+              <a:schemeClr val="accent1"/>
+            </a:fillRef>
+            <a:effectRef idx="0">
+              <a:schemeClr val="accent1"/>
+            </a:effectRef>
+            <a:fontRef idx="minor">
+              <a:schemeClr val="lt1"/>
+            </a:fontRef>
+          </p:style>
+          <p:txBody>
+            <a:bodyPr rtlCol="0" anchor="ctr"/>
+            <a:lstStyle/>
+            <a:p>
+              <a:pPr algn="ctr"/>
+              <a:endParaRPr lang="en-US"/>
+            </a:p>
+          </p:txBody>
+        </p:sp>
+        <p:sp>
+          <p:nvSpPr>
+            <p:cNvPr id="31" name="Freeform: Shape 30">
+              <a:extLst>
+                <a:ext uri="{FF2B5EF4-FFF2-40B4-BE49-F238E27FC236}">
+                  <a16:creationId xmlns:a16="http://schemas.microsoft.com/office/drawing/2014/main" id="{87D9F2C6-643D-4522-941C-6A3D9090ACF7}"/>
+                </a:ext>
+              </a:extLst>
+            </p:cNvPr>
+            <p:cNvSpPr/>
+            <p:nvPr/>
+          </p:nvSpPr>
+          <p:spPr>
+            <a:xfrm>
+              <a:off x="6612673" y="18472271"/>
+              <a:ext cx="4282068" cy="1843365"/>
+            </a:xfrm>
+            <a:custGeom>
+              <a:avLst/>
+              <a:gdLst>
+                <a:gd name="connsiteX0" fmla="*/ 0 w 4282068"/>
+                <a:gd name="connsiteY0" fmla="*/ 1287690 h 1843365"/>
+                <a:gd name="connsiteX1" fmla="*/ 970156 w 4282068"/>
+                <a:gd name="connsiteY1" fmla="*/ 1778344 h 1843365"/>
+                <a:gd name="connsiteX2" fmla="*/ 2709747 w 4282068"/>
+                <a:gd name="connsiteY2" fmla="*/ 5300 h 1843365"/>
+                <a:gd name="connsiteX3" fmla="*/ 4282068 w 4282068"/>
+                <a:gd name="connsiteY3" fmla="*/ 1276539 h 1843365"/>
+              </a:gdLst>
+              <a:ahLst/>
+              <a:cxnLst>
+                <a:cxn ang="0">
+                  <a:pos x="connsiteX0" y="connsiteY0"/>
+                </a:cxn>
+                <a:cxn ang="0">
+                  <a:pos x="connsiteX1" y="connsiteY1"/>
+                </a:cxn>
+                <a:cxn ang="0">
+                  <a:pos x="connsiteX2" y="connsiteY2"/>
+                </a:cxn>
+                <a:cxn ang="0">
+                  <a:pos x="connsiteX3" y="connsiteY3"/>
+                </a:cxn>
+              </a:cxnLst>
+              <a:rect l="l" t="t" r="r" b="b"/>
+              <a:pathLst>
+                <a:path w="4282068" h="1843365">
+                  <a:moveTo>
+                    <a:pt x="0" y="1287690"/>
+                  </a:moveTo>
+                  <a:cubicBezTo>
+                    <a:pt x="259266" y="1639883"/>
+                    <a:pt x="518532" y="1992076"/>
+                    <a:pt x="970156" y="1778344"/>
+                  </a:cubicBezTo>
+                  <a:cubicBezTo>
+                    <a:pt x="1421780" y="1564612"/>
+                    <a:pt x="2157762" y="88934"/>
+                    <a:pt x="2709747" y="5300"/>
+                  </a:cubicBezTo>
+                  <a:cubicBezTo>
+                    <a:pt x="3261732" y="-78334"/>
+                    <a:pt x="3938239" y="849076"/>
+                    <a:pt x="4282068" y="1276539"/>
+                  </a:cubicBezTo>
+                </a:path>
+              </a:pathLst>
+            </a:custGeom>
+            <a:noFill/>
+            <a:ln w="38100">
+              <a:prstDash val="lgDash"/>
+            </a:ln>
+          </p:spPr>
+          <p:style>
+            <a:lnRef idx="2">
+              <a:schemeClr val="accent1">
+                <a:shade val="50000"/>
+              </a:schemeClr>
+            </a:lnRef>
+            <a:fillRef idx="1">
+              <a:schemeClr val="accent1"/>
+            </a:fillRef>
+            <a:effectRef idx="0">
+              <a:schemeClr val="accent1"/>
+            </a:effectRef>
+            <a:fontRef idx="minor">
+              <a:schemeClr val="lt1"/>
+            </a:fontRef>
+          </p:style>
+          <p:txBody>
+            <a:bodyPr rtlCol="0" anchor="ctr"/>
+            <a:lstStyle/>
+            <a:p>
+              <a:pPr algn="ctr"/>
+              <a:endParaRPr lang="en-US"/>
+            </a:p>
+          </p:txBody>
+        </p:sp>
+        <mc:AlternateContent xmlns:mc="http://schemas.openxmlformats.org/markup-compatibility/2006">
+          <mc:Choice xmlns:a14="http://schemas.microsoft.com/office/drawing/2010/main" Requires="a14">
+            <p:sp>
+              <p:nvSpPr>
+                <p:cNvPr id="32" name="TextBox 31">
+                  <a:extLst>
+                    <a:ext uri="{FF2B5EF4-FFF2-40B4-BE49-F238E27FC236}">
+                      <a16:creationId xmlns:a16="http://schemas.microsoft.com/office/drawing/2014/main" id="{77E85DEA-8499-4223-B2ED-27A5CB38D156}"/>
+                    </a:ext>
+                  </a:extLst>
+                </p:cNvPr>
+                <p:cNvSpPr txBox="1"/>
+                <p:nvPr/>
+              </p:nvSpPr>
+              <p:spPr>
+                <a:xfrm>
+                  <a:off x="10914422" y="19261509"/>
+                  <a:ext cx="4129207" cy="741165"/>
+                </a:xfrm>
+                <a:prstGeom prst="rect">
+                  <a:avLst/>
+                </a:prstGeom>
+                <a:noFill/>
+              </p:spPr>
+              <p:txBody>
+                <a:bodyPr wrap="none" lIns="0" tIns="0" rIns="0" bIns="0" rtlCol="0">
+                  <a:spAutoFit/>
+                </a:bodyPr>
+                <a:lstStyle/>
+                <a:p>
+                  <a14:m>
+                    <m:oMathPara xmlns:m="http://schemas.openxmlformats.org/officeDocument/2006/math">
+                      <m:oMathParaPr>
+                        <m:jc m:val="centerGroup"/>
+                      </m:oMathParaPr>
+                      <m:oMath xmlns:m="http://schemas.openxmlformats.org/officeDocument/2006/math">
+                        <m:f>
+                          <m:fPr>
+                            <m:ctrlPr>
+                              <a:rPr lang="en-US" sz="2400" i="1" smtClean="0">
+                                <a:latin typeface="Cambria Math" panose="02040503050406030204" pitchFamily="18" charset="0"/>
+                              </a:rPr>
+                            </m:ctrlPr>
+                          </m:fPr>
+                          <m:num>
+                            <m:r>
+                              <a:rPr lang="en-US" sz="2400" i="1" smtClean="0">
+                                <a:latin typeface="Cambria Math" panose="02040503050406030204" pitchFamily="18" charset="0"/>
+                              </a:rPr>
+                              <m:t>𝜕</m:t>
+                            </m:r>
+                            <m:r>
+                              <a:rPr lang="en-US" sz="2400" b="0" i="1" smtClean="0">
+                                <a:latin typeface="Cambria Math" panose="02040503050406030204" pitchFamily="18" charset="0"/>
+                              </a:rPr>
+                              <m:t>h</m:t>
+                            </m:r>
+                          </m:num>
+                          <m:den>
+                            <m:r>
+                              <a:rPr lang="en-US" sz="2400" i="1" smtClean="0">
+                                <a:latin typeface="Cambria Math" panose="02040503050406030204" pitchFamily="18" charset="0"/>
+                              </a:rPr>
+                              <m:t>𝜕</m:t>
+                            </m:r>
+                            <m:r>
+                              <a:rPr lang="en-US" sz="2400" b="0" i="1" smtClean="0">
+                                <a:latin typeface="Cambria Math" panose="02040503050406030204" pitchFamily="18" charset="0"/>
+                              </a:rPr>
+                              <m:t>𝑉</m:t>
+                            </m:r>
+                          </m:den>
+                        </m:f>
+                        <m:d>
+                          <m:dPr>
+                            <m:ctrlPr>
+                              <a:rPr lang="en-US" sz="2400" i="1" smtClean="0">
+                                <a:latin typeface="Cambria Math" panose="02040503050406030204" pitchFamily="18" charset="0"/>
+                              </a:rPr>
+                            </m:ctrlPr>
+                          </m:dPr>
+                          <m:e>
+                            <m:r>
+                              <a:rPr lang="en-US" sz="2400" i="1">
+                                <a:latin typeface="Cambria Math" panose="02040503050406030204" pitchFamily="18" charset="0"/>
+                              </a:rPr>
+                              <m:t>0,</m:t>
+                            </m:r>
+                            <m:sSubSup>
+                              <m:sSubSupPr>
+                                <m:ctrlPr>
+                                  <a:rPr lang="en-US" sz="2400" i="1">
+                                    <a:latin typeface="Cambria Math" panose="02040503050406030204" pitchFamily="18" charset="0"/>
+                                  </a:rPr>
+                                </m:ctrlPr>
+                              </m:sSubSupPr>
+                              <m:e>
+                                <m:r>
+                                  <a:rPr lang="en-US" sz="2400" i="1">
+                                    <a:latin typeface="Cambria Math" panose="02040503050406030204" pitchFamily="18" charset="0"/>
+                                  </a:rPr>
+                                  <m:t>𝛽</m:t>
+                                </m:r>
+                              </m:e>
+                              <m:sub>
+                                <m:r>
+                                  <a:rPr lang="en-US" sz="2400" i="1">
+                                    <a:latin typeface="Cambria Math" panose="02040503050406030204" pitchFamily="18" charset="0"/>
+                                  </a:rPr>
+                                  <m:t>2</m:t>
+                                </m:r>
+                              </m:sub>
+                              <m:sup>
+                                <m:r>
+                                  <a:rPr lang="en-US" sz="2400" i="1">
+                                    <a:latin typeface="Cambria Math" panose="02040503050406030204" pitchFamily="18" charset="0"/>
+                                  </a:rPr>
+                                  <m:t>𝑐</m:t>
+                                </m:r>
+                              </m:sup>
+                            </m:sSubSup>
+                          </m:e>
+                        </m:d>
+                        <m:r>
+                          <a:rPr lang="en-US" sz="2400" i="1">
+                            <a:latin typeface="Cambria Math" panose="02040503050406030204" pitchFamily="18" charset="0"/>
+                          </a:rPr>
+                          <m:t>&gt;</m:t>
+                        </m:r>
+                        <m:r>
+                          <a:rPr lang="en-US" sz="2400" b="0" i="1" smtClean="0">
+                            <a:latin typeface="Cambria Math" panose="02040503050406030204" pitchFamily="18" charset="0"/>
+                          </a:rPr>
+                          <m:t>0, </m:t>
+                        </m:r>
+                        <m:f>
+                          <m:fPr>
+                            <m:ctrlPr>
+                              <a:rPr lang="en-US" sz="2400" b="0" i="1" smtClean="0">
+                                <a:latin typeface="Cambria Math" panose="02040503050406030204" pitchFamily="18" charset="0"/>
+                              </a:rPr>
+                            </m:ctrlPr>
+                          </m:fPr>
+                          <m:num>
+                            <m:sSup>
+                              <m:sSupPr>
+                                <m:ctrlPr>
+                                  <a:rPr lang="en-US" sz="2400" b="0" i="1" smtClean="0">
+                                    <a:latin typeface="Cambria Math" panose="02040503050406030204" pitchFamily="18" charset="0"/>
+                                  </a:rPr>
+                                </m:ctrlPr>
+                              </m:sSupPr>
+                              <m:e>
+                                <m:r>
+                                  <a:rPr lang="en-US" sz="2400" b="0" i="1" smtClean="0">
+                                    <a:latin typeface="Cambria Math" panose="02040503050406030204" pitchFamily="18" charset="0"/>
+                                  </a:rPr>
+                                  <m:t>𝜕</m:t>
+                                </m:r>
+                              </m:e>
+                              <m:sup>
+                                <m:r>
+                                  <a:rPr lang="en-US" sz="2400" b="0" i="1" smtClean="0">
+                                    <a:latin typeface="Cambria Math" panose="02040503050406030204" pitchFamily="18" charset="0"/>
+                                  </a:rPr>
+                                  <m:t>2</m:t>
+                                </m:r>
+                              </m:sup>
+                            </m:sSup>
+                            <m:r>
+                              <a:rPr lang="en-US" sz="2400" b="0" i="1" smtClean="0">
+                                <a:latin typeface="Cambria Math" panose="02040503050406030204" pitchFamily="18" charset="0"/>
+                              </a:rPr>
+                              <m:t>h</m:t>
+                            </m:r>
+                          </m:num>
+                          <m:den>
+                            <m:r>
+                              <a:rPr lang="en-US" sz="2400" b="0" i="1" smtClean="0">
+                                <a:latin typeface="Cambria Math" panose="02040503050406030204" pitchFamily="18" charset="0"/>
+                              </a:rPr>
+                              <m:t>𝜕</m:t>
+                            </m:r>
+                            <m:sSup>
+                              <m:sSupPr>
+                                <m:ctrlPr>
+                                  <a:rPr lang="en-US" sz="2400" b="0" i="1" smtClean="0">
+                                    <a:latin typeface="Cambria Math" panose="02040503050406030204" pitchFamily="18" charset="0"/>
+                                  </a:rPr>
+                                </m:ctrlPr>
+                              </m:sSupPr>
+                              <m:e>
+                                <m:r>
+                                  <a:rPr lang="en-US" sz="2400" b="0" i="1" smtClean="0">
+                                    <a:latin typeface="Cambria Math" panose="02040503050406030204" pitchFamily="18" charset="0"/>
+                                  </a:rPr>
+                                  <m:t>𝑉</m:t>
+                                </m:r>
+                              </m:e>
+                              <m:sup>
+                                <m:r>
+                                  <a:rPr lang="en-US" sz="2400" b="0" i="1" smtClean="0">
+                                    <a:latin typeface="Cambria Math" panose="02040503050406030204" pitchFamily="18" charset="0"/>
+                                  </a:rPr>
+                                  <m:t>2</m:t>
+                                </m:r>
+                              </m:sup>
+                            </m:sSup>
+                          </m:den>
+                        </m:f>
+                        <m:d>
+                          <m:dPr>
+                            <m:ctrlPr>
+                              <a:rPr lang="en-US" sz="2400" b="0" i="1" smtClean="0">
+                                <a:latin typeface="Cambria Math" panose="02040503050406030204" pitchFamily="18" charset="0"/>
+                              </a:rPr>
+                            </m:ctrlPr>
+                          </m:dPr>
+                          <m:e>
+                            <m:r>
+                              <a:rPr lang="en-US" sz="2400" i="1">
+                                <a:latin typeface="Cambria Math" panose="02040503050406030204" pitchFamily="18" charset="0"/>
+                              </a:rPr>
+                              <m:t>0,</m:t>
+                            </m:r>
+                            <m:sSubSup>
+                              <m:sSubSupPr>
+                                <m:ctrlPr>
+                                  <a:rPr lang="en-US" sz="2400" i="1">
+                                    <a:latin typeface="Cambria Math" panose="02040503050406030204" pitchFamily="18" charset="0"/>
+                                  </a:rPr>
+                                </m:ctrlPr>
+                              </m:sSubSupPr>
+                              <m:e>
+                                <m:r>
+                                  <a:rPr lang="en-US" sz="2400" i="1">
+                                    <a:latin typeface="Cambria Math" panose="02040503050406030204" pitchFamily="18" charset="0"/>
+                                  </a:rPr>
+                                  <m:t>𝛽</m:t>
+                                </m:r>
+                              </m:e>
+                              <m:sub>
+                                <m:r>
+                                  <a:rPr lang="en-US" sz="2400" i="1">
+                                    <a:latin typeface="Cambria Math" panose="02040503050406030204" pitchFamily="18" charset="0"/>
+                                  </a:rPr>
+                                  <m:t>2</m:t>
+                                </m:r>
+                              </m:sub>
+                              <m:sup>
+                                <m:r>
+                                  <a:rPr lang="en-US" sz="2400" i="1">
+                                    <a:latin typeface="Cambria Math" panose="02040503050406030204" pitchFamily="18" charset="0"/>
+                                  </a:rPr>
+                                  <m:t>𝑐</m:t>
+                                </m:r>
+                              </m:sup>
+                            </m:sSubSup>
+                          </m:e>
+                        </m:d>
+                        <m:r>
+                          <a:rPr lang="en-US" sz="2400" b="0" i="1" smtClean="0">
+                            <a:latin typeface="Cambria Math" panose="02040503050406030204" pitchFamily="18" charset="0"/>
+                          </a:rPr>
+                          <m:t>≫</m:t>
+                        </m:r>
+                        <m:r>
+                          <a:rPr lang="en-US" sz="2400" b="0" i="1" smtClean="0">
+                            <a:latin typeface="Cambria Math" panose="02040503050406030204" pitchFamily="18" charset="0"/>
+                          </a:rPr>
+                          <m:t>0</m:t>
+                        </m:r>
+                      </m:oMath>
+                    </m:oMathPara>
+                  </a14:m>
+                  <a:endParaRPr lang="en-US" sz="2400" dirty="0"/>
+                </a:p>
+              </p:txBody>
+            </p:sp>
+          </mc:Choice>
+          <mc:Fallback>
+            <p:sp>
+              <p:nvSpPr>
+                <p:cNvPr id="32" name="TextBox 31">
+                  <a:extLst>
+                    <a:ext uri="{FF2B5EF4-FFF2-40B4-BE49-F238E27FC236}">
+                      <a16:creationId xmlns:a16="http://schemas.microsoft.com/office/drawing/2014/main" id="{77E85DEA-8499-4223-B2ED-27A5CB38D156}"/>
+                    </a:ext>
+                  </a:extLst>
+                </p:cNvPr>
+                <p:cNvSpPr txBox="1">
+                  <a:spLocks noRot="1" noChangeAspect="1" noMove="1" noResize="1" noEditPoints="1" noAdjustHandles="1" noChangeArrowheads="1" noChangeShapeType="1" noTextEdit="1"/>
+                </p:cNvSpPr>
+                <p:nvPr/>
+              </p:nvSpPr>
+              <p:spPr>
+                <a:xfrm>
+                  <a:off x="10914422" y="19261509"/>
+                  <a:ext cx="4129207" cy="741165"/>
+                </a:xfrm>
+                <a:prstGeom prst="rect">
+                  <a:avLst/>
+                </a:prstGeom>
+                <a:blipFill>
+                  <a:blip r:embed="rId4"/>
+                  <a:stretch>
+                    <a:fillRect/>
+                  </a:stretch>
+                </a:blipFill>
+              </p:spPr>
+              <p:txBody>
+                <a:bodyPr/>
+                <a:lstStyle/>
+                <a:p>
+                  <a:r>
+                    <a:rPr lang="en-US">
+                      <a:noFill/>
+                    </a:rPr>
+                    <a:t> </a:t>
+                  </a:r>
+                </a:p>
+              </p:txBody>
+            </p:sp>
+          </mc:Fallback>
+        </mc:AlternateContent>
+        <mc:AlternateContent xmlns:mc="http://schemas.openxmlformats.org/markup-compatibility/2006">
+          <mc:Choice xmlns:a14="http://schemas.microsoft.com/office/drawing/2010/main" Requires="a14">
+            <p:sp>
+              <p:nvSpPr>
+                <p:cNvPr id="33" name="TextBox 32">
+                  <a:extLst>
+                    <a:ext uri="{FF2B5EF4-FFF2-40B4-BE49-F238E27FC236}">
+                      <a16:creationId xmlns:a16="http://schemas.microsoft.com/office/drawing/2014/main" id="{DA65D55D-EA72-4091-B5AD-E88B73DC1A23}"/>
+                    </a:ext>
+                  </a:extLst>
+                </p:cNvPr>
+                <p:cNvSpPr txBox="1"/>
+                <p:nvPr/>
+              </p:nvSpPr>
+              <p:spPr>
+                <a:xfrm>
+                  <a:off x="10914422" y="20125916"/>
+                  <a:ext cx="1949700" cy="702308"/>
+                </a:xfrm>
+                <a:prstGeom prst="rect">
+                  <a:avLst/>
+                </a:prstGeom>
+                <a:noFill/>
+              </p:spPr>
+              <p:txBody>
+                <a:bodyPr wrap="none" lIns="0" tIns="0" rIns="0" bIns="0" rtlCol="0">
+                  <a:spAutoFit/>
+                </a:bodyPr>
+                <a:lstStyle/>
+                <a:p>
+                  <a14:m>
+                    <m:oMathPara xmlns:m="http://schemas.openxmlformats.org/officeDocument/2006/math">
+                      <m:oMathParaPr>
+                        <m:jc m:val="centerGroup"/>
+                      </m:oMathParaPr>
+                      <m:oMath xmlns:m="http://schemas.openxmlformats.org/officeDocument/2006/math">
+                        <m:f>
+                          <m:fPr>
+                            <m:ctrlPr>
+                              <a:rPr lang="en-US" sz="2400" i="1" smtClean="0">
+                                <a:latin typeface="Cambria Math" panose="02040503050406030204" pitchFamily="18" charset="0"/>
+                              </a:rPr>
+                            </m:ctrlPr>
+                          </m:fPr>
+                          <m:num>
+                            <m:r>
+                              <a:rPr lang="en-US" sz="2400" i="1" smtClean="0">
+                                <a:latin typeface="Cambria Math" panose="02040503050406030204" pitchFamily="18" charset="0"/>
+                              </a:rPr>
+                              <m:t>𝜕</m:t>
+                            </m:r>
+                            <m:r>
+                              <a:rPr lang="en-US" sz="2400" b="0" i="1" smtClean="0">
+                                <a:latin typeface="Cambria Math" panose="02040503050406030204" pitchFamily="18" charset="0"/>
+                              </a:rPr>
+                              <m:t>h</m:t>
+                            </m:r>
+                          </m:num>
+                          <m:den>
+                            <m:r>
+                              <a:rPr lang="en-US" sz="2400" i="1" smtClean="0">
+                                <a:latin typeface="Cambria Math" panose="02040503050406030204" pitchFamily="18" charset="0"/>
+                              </a:rPr>
+                              <m:t>𝜕</m:t>
+                            </m:r>
+                            <m:r>
+                              <a:rPr lang="en-US" sz="2400" b="0" i="1" smtClean="0">
+                                <a:latin typeface="Cambria Math" panose="02040503050406030204" pitchFamily="18" charset="0"/>
+                              </a:rPr>
+                              <m:t>𝑉</m:t>
+                            </m:r>
+                          </m:den>
+                        </m:f>
+                        <m:d>
+                          <m:dPr>
+                            <m:ctrlPr>
+                              <a:rPr lang="en-US" sz="2400" i="1" smtClean="0">
+                                <a:latin typeface="Cambria Math" panose="02040503050406030204" pitchFamily="18" charset="0"/>
+                              </a:rPr>
+                            </m:ctrlPr>
+                          </m:dPr>
+                          <m:e>
+                            <m:r>
+                              <a:rPr lang="en-US" sz="2400" i="1">
+                                <a:latin typeface="Cambria Math" panose="02040503050406030204" pitchFamily="18" charset="0"/>
+                              </a:rPr>
+                              <m:t>0,</m:t>
+                            </m:r>
+                            <m:sSubSup>
+                              <m:sSubSupPr>
+                                <m:ctrlPr>
+                                  <a:rPr lang="en-US" sz="2400" i="1">
+                                    <a:latin typeface="Cambria Math" panose="02040503050406030204" pitchFamily="18" charset="0"/>
+                                  </a:rPr>
+                                </m:ctrlPr>
+                              </m:sSubSupPr>
+                              <m:e>
+                                <m:r>
+                                  <a:rPr lang="en-US" sz="2400" i="1">
+                                    <a:latin typeface="Cambria Math" panose="02040503050406030204" pitchFamily="18" charset="0"/>
+                                  </a:rPr>
+                                  <m:t>𝛽</m:t>
+                                </m:r>
+                              </m:e>
+                              <m:sub>
+                                <m:r>
+                                  <a:rPr lang="en-US" sz="2400" i="1">
+                                    <a:latin typeface="Cambria Math" panose="02040503050406030204" pitchFamily="18" charset="0"/>
+                                  </a:rPr>
+                                  <m:t>2</m:t>
+                                </m:r>
+                              </m:sub>
+                              <m:sup>
+                                <m:r>
+                                  <a:rPr lang="en-US" sz="2400" i="1">
+                                    <a:latin typeface="Cambria Math" panose="02040503050406030204" pitchFamily="18" charset="0"/>
+                                  </a:rPr>
+                                  <m:t>𝑐</m:t>
+                                </m:r>
+                              </m:sup>
+                            </m:sSubSup>
+                          </m:e>
+                        </m:d>
+                        <m:r>
+                          <a:rPr lang="en-US" sz="2400" b="0" i="1" smtClean="0">
+                            <a:latin typeface="Cambria Math" panose="02040503050406030204" pitchFamily="18" charset="0"/>
+                          </a:rPr>
+                          <m:t>&lt;</m:t>
+                        </m:r>
+                        <m:r>
+                          <a:rPr lang="en-US" sz="2400" b="0" i="1" smtClean="0">
+                            <a:latin typeface="Cambria Math" panose="02040503050406030204" pitchFamily="18" charset="0"/>
+                          </a:rPr>
+                          <m:t>0</m:t>
+                        </m:r>
+                      </m:oMath>
+                    </m:oMathPara>
+                  </a14:m>
+                  <a:endParaRPr lang="en-US" sz="2400" dirty="0"/>
+                </a:p>
+              </p:txBody>
+            </p:sp>
+          </mc:Choice>
+          <mc:Fallback>
+            <p:sp>
+              <p:nvSpPr>
+                <p:cNvPr id="33" name="TextBox 32">
+                  <a:extLst>
+                    <a:ext uri="{FF2B5EF4-FFF2-40B4-BE49-F238E27FC236}">
+                      <a16:creationId xmlns:a16="http://schemas.microsoft.com/office/drawing/2014/main" id="{DA65D55D-EA72-4091-B5AD-E88B73DC1A23}"/>
+                    </a:ext>
+                  </a:extLst>
+                </p:cNvPr>
+                <p:cNvSpPr txBox="1">
+                  <a:spLocks noRot="1" noChangeAspect="1" noMove="1" noResize="1" noEditPoints="1" noAdjustHandles="1" noChangeArrowheads="1" noChangeShapeType="1" noTextEdit="1"/>
+                </p:cNvSpPr>
+                <p:nvPr/>
+              </p:nvSpPr>
+              <p:spPr>
+                <a:xfrm>
+                  <a:off x="10914422" y="20125916"/>
+                  <a:ext cx="1949700" cy="702308"/>
+                </a:xfrm>
+                <a:prstGeom prst="rect">
+                  <a:avLst/>
+                </a:prstGeom>
+                <a:blipFill>
+                  <a:blip r:embed="rId5"/>
+                  <a:stretch>
+                    <a:fillRect/>
+                  </a:stretch>
+                </a:blipFill>
+              </p:spPr>
+              <p:txBody>
+                <a:bodyPr/>
+                <a:lstStyle/>
+                <a:p>
+                  <a:r>
+                    <a:rPr lang="en-US">
+                      <a:noFill/>
+                    </a:rPr>
+                    <a:t> </a:t>
+                  </a:r>
+                </a:p>
+              </p:txBody>
+            </p:sp>
+          </mc:Fallback>
+        </mc:AlternateContent>
+        <mc:AlternateContent xmlns:mc="http://schemas.openxmlformats.org/markup-compatibility/2006">
+          <mc:Choice xmlns:a14="http://schemas.microsoft.com/office/drawing/2010/main" Requires="a14">
+            <p:sp>
+              <p:nvSpPr>
+                <p:cNvPr id="34" name="TextBox 33">
+                  <a:extLst>
+                    <a:ext uri="{FF2B5EF4-FFF2-40B4-BE49-F238E27FC236}">
+                      <a16:creationId xmlns:a16="http://schemas.microsoft.com/office/drawing/2014/main" id="{7C997C22-D4F3-4296-9DAD-CFF0DCE18509}"/>
+                    </a:ext>
+                  </a:extLst>
+                </p:cNvPr>
+                <p:cNvSpPr txBox="1"/>
+                <p:nvPr/>
+              </p:nvSpPr>
+              <p:spPr>
+                <a:xfrm>
+                  <a:off x="10894740" y="20969268"/>
+                  <a:ext cx="4129207" cy="741165"/>
+                </a:xfrm>
+                <a:prstGeom prst="rect">
+                  <a:avLst/>
+                </a:prstGeom>
+                <a:noFill/>
+              </p:spPr>
+              <p:txBody>
+                <a:bodyPr wrap="none" lIns="0" tIns="0" rIns="0" bIns="0" rtlCol="0">
+                  <a:spAutoFit/>
+                </a:bodyPr>
+                <a:lstStyle/>
+                <a:p>
+                  <a14:m>
+                    <m:oMathPara xmlns:m="http://schemas.openxmlformats.org/officeDocument/2006/math">
+                      <m:oMathParaPr>
+                        <m:jc m:val="centerGroup"/>
+                      </m:oMathParaPr>
+                      <m:oMath xmlns:m="http://schemas.openxmlformats.org/officeDocument/2006/math">
+                        <m:f>
+                          <m:fPr>
+                            <m:ctrlPr>
+                              <a:rPr lang="en-US" sz="2400" i="1" smtClean="0">
+                                <a:latin typeface="Cambria Math" panose="02040503050406030204" pitchFamily="18" charset="0"/>
+                              </a:rPr>
+                            </m:ctrlPr>
+                          </m:fPr>
+                          <m:num>
+                            <m:r>
+                              <a:rPr lang="en-US" sz="2400" i="1" smtClean="0">
+                                <a:latin typeface="Cambria Math" panose="02040503050406030204" pitchFamily="18" charset="0"/>
+                              </a:rPr>
+                              <m:t>𝜕</m:t>
+                            </m:r>
+                            <m:r>
+                              <a:rPr lang="en-US" sz="2400" b="0" i="1" smtClean="0">
+                                <a:latin typeface="Cambria Math" panose="02040503050406030204" pitchFamily="18" charset="0"/>
+                              </a:rPr>
+                              <m:t>h</m:t>
+                            </m:r>
+                          </m:num>
+                          <m:den>
+                            <m:r>
+                              <a:rPr lang="en-US" sz="2400" i="1" smtClean="0">
+                                <a:latin typeface="Cambria Math" panose="02040503050406030204" pitchFamily="18" charset="0"/>
+                              </a:rPr>
+                              <m:t>𝜕</m:t>
+                            </m:r>
+                            <m:r>
+                              <a:rPr lang="en-US" sz="2400" b="0" i="1" smtClean="0">
+                                <a:latin typeface="Cambria Math" panose="02040503050406030204" pitchFamily="18" charset="0"/>
+                              </a:rPr>
+                              <m:t>𝑉</m:t>
+                            </m:r>
+                          </m:den>
+                        </m:f>
+                        <m:d>
+                          <m:dPr>
+                            <m:ctrlPr>
+                              <a:rPr lang="en-US" sz="2400" i="1" smtClean="0">
+                                <a:latin typeface="Cambria Math" panose="02040503050406030204" pitchFamily="18" charset="0"/>
+                              </a:rPr>
+                            </m:ctrlPr>
+                          </m:dPr>
+                          <m:e>
+                            <m:r>
+                              <a:rPr lang="en-US" sz="2400" i="1">
+                                <a:latin typeface="Cambria Math" panose="02040503050406030204" pitchFamily="18" charset="0"/>
+                              </a:rPr>
+                              <m:t>0,</m:t>
+                            </m:r>
+                            <m:sSubSup>
+                              <m:sSubSupPr>
+                                <m:ctrlPr>
+                                  <a:rPr lang="en-US" sz="2400" i="1">
+                                    <a:latin typeface="Cambria Math" panose="02040503050406030204" pitchFamily="18" charset="0"/>
+                                  </a:rPr>
+                                </m:ctrlPr>
+                              </m:sSubSupPr>
+                              <m:e>
+                                <m:r>
+                                  <a:rPr lang="en-US" sz="2400" i="1">
+                                    <a:latin typeface="Cambria Math" panose="02040503050406030204" pitchFamily="18" charset="0"/>
+                                  </a:rPr>
+                                  <m:t>𝛽</m:t>
+                                </m:r>
+                              </m:e>
+                              <m:sub>
+                                <m:r>
+                                  <a:rPr lang="en-US" sz="2400" i="1">
+                                    <a:latin typeface="Cambria Math" panose="02040503050406030204" pitchFamily="18" charset="0"/>
+                                  </a:rPr>
+                                  <m:t>2</m:t>
+                                </m:r>
+                              </m:sub>
+                              <m:sup>
+                                <m:r>
+                                  <a:rPr lang="en-US" sz="2400" i="1">
+                                    <a:latin typeface="Cambria Math" panose="02040503050406030204" pitchFamily="18" charset="0"/>
+                                  </a:rPr>
+                                  <m:t>𝑐</m:t>
+                                </m:r>
+                              </m:sup>
+                            </m:sSubSup>
+                          </m:e>
+                        </m:d>
+                        <m:r>
+                          <a:rPr lang="en-US" sz="2400" i="1">
+                            <a:latin typeface="Cambria Math" panose="02040503050406030204" pitchFamily="18" charset="0"/>
+                          </a:rPr>
+                          <m:t>&gt;</m:t>
+                        </m:r>
+                        <m:r>
+                          <a:rPr lang="en-US" sz="2400" b="0" i="1" smtClean="0">
+                            <a:latin typeface="Cambria Math" panose="02040503050406030204" pitchFamily="18" charset="0"/>
+                          </a:rPr>
+                          <m:t>0, </m:t>
+                        </m:r>
+                        <m:f>
+                          <m:fPr>
+                            <m:ctrlPr>
+                              <a:rPr lang="en-US" sz="2400" b="0" i="1" smtClean="0">
+                                <a:latin typeface="Cambria Math" panose="02040503050406030204" pitchFamily="18" charset="0"/>
+                              </a:rPr>
+                            </m:ctrlPr>
+                          </m:fPr>
+                          <m:num>
+                            <m:sSup>
+                              <m:sSupPr>
+                                <m:ctrlPr>
+                                  <a:rPr lang="en-US" sz="2400" b="0" i="1" smtClean="0">
+                                    <a:latin typeface="Cambria Math" panose="02040503050406030204" pitchFamily="18" charset="0"/>
+                                  </a:rPr>
+                                </m:ctrlPr>
+                              </m:sSupPr>
+                              <m:e>
+                                <m:r>
+                                  <a:rPr lang="en-US" sz="2400" b="0" i="1" smtClean="0">
+                                    <a:latin typeface="Cambria Math" panose="02040503050406030204" pitchFamily="18" charset="0"/>
+                                  </a:rPr>
+                                  <m:t>𝜕</m:t>
+                                </m:r>
+                              </m:e>
+                              <m:sup>
+                                <m:r>
+                                  <a:rPr lang="en-US" sz="2400" b="0" i="1" smtClean="0">
+                                    <a:latin typeface="Cambria Math" panose="02040503050406030204" pitchFamily="18" charset="0"/>
+                                  </a:rPr>
+                                  <m:t>2</m:t>
+                                </m:r>
+                              </m:sup>
+                            </m:sSup>
+                            <m:r>
+                              <a:rPr lang="en-US" sz="2400" b="0" i="1" smtClean="0">
+                                <a:latin typeface="Cambria Math" panose="02040503050406030204" pitchFamily="18" charset="0"/>
+                              </a:rPr>
+                              <m:t>h</m:t>
+                            </m:r>
+                          </m:num>
+                          <m:den>
+                            <m:r>
+                              <a:rPr lang="en-US" sz="2400" b="0" i="1" smtClean="0">
+                                <a:latin typeface="Cambria Math" panose="02040503050406030204" pitchFamily="18" charset="0"/>
+                              </a:rPr>
+                              <m:t>𝜕</m:t>
+                            </m:r>
+                            <m:sSup>
+                              <m:sSupPr>
+                                <m:ctrlPr>
+                                  <a:rPr lang="en-US" sz="2400" b="0" i="1" smtClean="0">
+                                    <a:latin typeface="Cambria Math" panose="02040503050406030204" pitchFamily="18" charset="0"/>
+                                  </a:rPr>
+                                </m:ctrlPr>
+                              </m:sSupPr>
+                              <m:e>
+                                <m:r>
+                                  <a:rPr lang="en-US" sz="2400" b="0" i="1" smtClean="0">
+                                    <a:latin typeface="Cambria Math" panose="02040503050406030204" pitchFamily="18" charset="0"/>
+                                  </a:rPr>
+                                  <m:t>𝑉</m:t>
+                                </m:r>
+                              </m:e>
+                              <m:sup>
+                                <m:r>
+                                  <a:rPr lang="en-US" sz="2400" b="0" i="1" smtClean="0">
+                                    <a:latin typeface="Cambria Math" panose="02040503050406030204" pitchFamily="18" charset="0"/>
+                                  </a:rPr>
+                                  <m:t>2</m:t>
+                                </m:r>
+                              </m:sup>
+                            </m:sSup>
+                          </m:den>
+                        </m:f>
+                        <m:d>
+                          <m:dPr>
+                            <m:ctrlPr>
+                              <a:rPr lang="en-US" sz="2400" b="0" i="1" smtClean="0">
+                                <a:latin typeface="Cambria Math" panose="02040503050406030204" pitchFamily="18" charset="0"/>
+                              </a:rPr>
+                            </m:ctrlPr>
+                          </m:dPr>
+                          <m:e>
+                            <m:r>
+                              <a:rPr lang="en-US" sz="2400" i="1">
+                                <a:latin typeface="Cambria Math" panose="02040503050406030204" pitchFamily="18" charset="0"/>
+                              </a:rPr>
+                              <m:t>0,</m:t>
+                            </m:r>
+                            <m:sSubSup>
+                              <m:sSubSupPr>
+                                <m:ctrlPr>
+                                  <a:rPr lang="en-US" sz="2400" i="1">
+                                    <a:latin typeface="Cambria Math" panose="02040503050406030204" pitchFamily="18" charset="0"/>
+                                  </a:rPr>
+                                </m:ctrlPr>
+                              </m:sSubSupPr>
+                              <m:e>
+                                <m:r>
+                                  <a:rPr lang="en-US" sz="2400" i="1">
+                                    <a:latin typeface="Cambria Math" panose="02040503050406030204" pitchFamily="18" charset="0"/>
+                                  </a:rPr>
+                                  <m:t>𝛽</m:t>
+                                </m:r>
+                              </m:e>
+                              <m:sub>
+                                <m:r>
+                                  <a:rPr lang="en-US" sz="2400" i="1">
+                                    <a:latin typeface="Cambria Math" panose="02040503050406030204" pitchFamily="18" charset="0"/>
+                                  </a:rPr>
+                                  <m:t>2</m:t>
+                                </m:r>
+                              </m:sub>
+                              <m:sup>
+                                <m:r>
+                                  <a:rPr lang="en-US" sz="2400" i="1">
+                                    <a:latin typeface="Cambria Math" panose="02040503050406030204" pitchFamily="18" charset="0"/>
+                                  </a:rPr>
+                                  <m:t>𝑐</m:t>
+                                </m:r>
+                              </m:sup>
+                            </m:sSubSup>
+                          </m:e>
+                        </m:d>
+                        <m:r>
+                          <a:rPr lang="en-US" sz="2400" b="0" i="1" smtClean="0">
+                            <a:latin typeface="Cambria Math" panose="02040503050406030204" pitchFamily="18" charset="0"/>
+                          </a:rPr>
+                          <m:t>≪</m:t>
+                        </m:r>
+                        <m:r>
+                          <a:rPr lang="en-US" sz="2400" b="0" i="1" smtClean="0">
+                            <a:latin typeface="Cambria Math" panose="02040503050406030204" pitchFamily="18" charset="0"/>
+                          </a:rPr>
+                          <m:t>0</m:t>
+                        </m:r>
+                      </m:oMath>
+                    </m:oMathPara>
+                  </a14:m>
+                  <a:endParaRPr lang="en-US" sz="2400" dirty="0"/>
+                </a:p>
+              </p:txBody>
+            </p:sp>
+          </mc:Choice>
+          <mc:Fallback>
+            <p:sp>
+              <p:nvSpPr>
+                <p:cNvPr id="34" name="TextBox 33">
+                  <a:extLst>
+                    <a:ext uri="{FF2B5EF4-FFF2-40B4-BE49-F238E27FC236}">
+                      <a16:creationId xmlns:a16="http://schemas.microsoft.com/office/drawing/2014/main" id="{7C997C22-D4F3-4296-9DAD-CFF0DCE18509}"/>
+                    </a:ext>
+                  </a:extLst>
+                </p:cNvPr>
+                <p:cNvSpPr txBox="1">
+                  <a:spLocks noRot="1" noChangeAspect="1" noMove="1" noResize="1" noEditPoints="1" noAdjustHandles="1" noChangeArrowheads="1" noChangeShapeType="1" noTextEdit="1"/>
+                </p:cNvSpPr>
+                <p:nvPr/>
+              </p:nvSpPr>
+              <p:spPr>
+                <a:xfrm>
+                  <a:off x="10894740" y="20969268"/>
+                  <a:ext cx="4129207" cy="741165"/>
+                </a:xfrm>
+                <a:prstGeom prst="rect">
+                  <a:avLst/>
+                </a:prstGeom>
+                <a:blipFill>
+                  <a:blip r:embed="rId6"/>
+                  <a:stretch>
+                    <a:fillRect/>
+                  </a:stretch>
+                </a:blipFill>
+              </p:spPr>
+              <p:txBody>
+                <a:bodyPr/>
+                <a:lstStyle/>
+                <a:p>
+                  <a:r>
+                    <a:rPr lang="en-US">
+                      <a:noFill/>
+                    </a:rPr>
+                    <a:t> </a:t>
+                  </a:r>
+                </a:p>
+              </p:txBody>
+            </p:sp>
+          </mc:Fallback>
+        </mc:AlternateContent>
+      </p:grpSp>
+    </p:spTree>
+    <p:extLst>
+      <p:ext uri="{BB962C8B-B14F-4D97-AF65-F5344CB8AC3E}">
+        <p14:creationId xmlns:p14="http://schemas.microsoft.com/office/powerpoint/2010/main" val="2151167824"/>
       </p:ext>
     </p:extLst>
   </p:cSld>

--- a/Paper Figures/Figures.pptx
+++ b/Paper Figures/Figures.pptx
@@ -12,6 +12,7 @@
     <p:sldId id="266" r:id="rId6"/>
     <p:sldId id="264" r:id="rId7"/>
     <p:sldId id="268" r:id="rId8"/>
+    <p:sldId id="269" r:id="rId9"/>
   </p:sldIdLst>
   <p:sldSz cx="43891200" cy="32918400"/>
   <p:notesSz cx="6858000" cy="9144000"/>
@@ -482,7 +483,7 @@
             <a:fld id="{A549ADDE-98E8-4149-84E6-9A28F99CE161}" type="datetimeFigureOut">
               <a:rPr lang="en-US" smtClean="0"/>
               <a:pPr/>
-              <a:t>5/13/2020</a:t>
+              <a:t>6/7/2020</a:t>
             </a:fld>
             <a:endParaRPr lang="en-US"/>
           </a:p>
@@ -657,7 +658,7 @@
             <a:fld id="{A549ADDE-98E8-4149-84E6-9A28F99CE161}" type="datetimeFigureOut">
               <a:rPr lang="en-US" smtClean="0"/>
               <a:pPr/>
-              <a:t>5/13/2020</a:t>
+              <a:t>6/7/2020</a:t>
             </a:fld>
             <a:endParaRPr lang="en-US"/>
           </a:p>
@@ -822,7 +823,7 @@
             <a:fld id="{A549ADDE-98E8-4149-84E6-9A28F99CE161}" type="datetimeFigureOut">
               <a:rPr lang="en-US" smtClean="0"/>
               <a:pPr/>
-              <a:t>5/13/2020</a:t>
+              <a:t>6/7/2020</a:t>
             </a:fld>
             <a:endParaRPr lang="en-US"/>
           </a:p>
@@ -1064,7 +1065,7 @@
             <a:fld id="{A549ADDE-98E8-4149-84E6-9A28F99CE161}" type="datetimeFigureOut">
               <a:rPr lang="en-US" smtClean="0"/>
               <a:pPr/>
-              <a:t>5/13/2020</a:t>
+              <a:t>6/7/2020</a:t>
             </a:fld>
             <a:endParaRPr lang="en-US"/>
           </a:p>
@@ -1346,7 +1347,7 @@
             <a:fld id="{A549ADDE-98E8-4149-84E6-9A28F99CE161}" type="datetimeFigureOut">
               <a:rPr lang="en-US" smtClean="0"/>
               <a:pPr/>
-              <a:t>5/13/2020</a:t>
+              <a:t>6/7/2020</a:t>
             </a:fld>
             <a:endParaRPr lang="en-US"/>
           </a:p>
@@ -1762,7 +1763,7 @@
             <a:fld id="{A549ADDE-98E8-4149-84E6-9A28F99CE161}" type="datetimeFigureOut">
               <a:rPr lang="en-US" smtClean="0"/>
               <a:pPr/>
-              <a:t>5/13/2020</a:t>
+              <a:t>6/7/2020</a:t>
             </a:fld>
             <a:endParaRPr lang="en-US"/>
           </a:p>
@@ -1944,7 +1945,7 @@
             <a:fld id="{A549ADDE-98E8-4149-84E6-9A28F99CE161}" type="datetimeFigureOut">
               <a:rPr lang="en-US" smtClean="0"/>
               <a:pPr/>
-              <a:t>5/13/2020</a:t>
+              <a:t>6/7/2020</a:t>
             </a:fld>
             <a:endParaRPr lang="en-US"/>
           </a:p>
@@ -2216,7 +2217,7 @@
             <a:fld id="{A549ADDE-98E8-4149-84E6-9A28F99CE161}" type="datetimeFigureOut">
               <a:rPr lang="en-US" smtClean="0"/>
               <a:pPr/>
-              <a:t>5/13/2020</a:t>
+              <a:t>6/7/2020</a:t>
             </a:fld>
             <a:endParaRPr lang="en-US"/>
           </a:p>
@@ -2465,7 +2466,7 @@
             <a:fld id="{A549ADDE-98E8-4149-84E6-9A28F99CE161}" type="datetimeFigureOut">
               <a:rPr lang="en-US" smtClean="0"/>
               <a:pPr/>
-              <a:t>5/13/2020</a:t>
+              <a:t>6/7/2020</a:t>
             </a:fld>
             <a:endParaRPr lang="en-US"/>
           </a:p>
@@ -2673,7 +2674,7 @@
             <a:fld id="{A549ADDE-98E8-4149-84E6-9A28F99CE161}" type="datetimeFigureOut">
               <a:rPr lang="en-US" smtClean="0"/>
               <a:pPr/>
-              <a:t>5/13/2020</a:t>
+              <a:t>6/7/2020</a:t>
             </a:fld>
             <a:endParaRPr lang="en-US"/>
           </a:p>
@@ -31119,7 +31120,7 @@
           <p:spPr>
             <a:xfrm>
               <a:off x="26496392" y="17152970"/>
-              <a:ext cx="4006225" cy="646331"/>
+              <a:ext cx="3903633" cy="646331"/>
             </a:xfrm>
             <a:prstGeom prst="rect">
               <a:avLst/>
@@ -31134,7 +31135,7 @@
             <a:p>
               <a:r>
                 <a:rPr lang="en-US" sz="3600" dirty="0"/>
-                <a:t>Degree-Correlated</a:t>
+                <a:t>Degree-correlated</a:t>
               </a:r>
             </a:p>
           </p:txBody>
@@ -40591,8 +40592,8 @@
             </a:fontRef>
           </p:style>
         </p:cxnSp>
-        <mc:AlternateContent xmlns:mc="http://schemas.openxmlformats.org/markup-compatibility/2006">
-          <mc:Choice xmlns:a14="http://schemas.microsoft.com/office/drawing/2010/main" Requires="a14">
+        <mc:AlternateContent xmlns:mc="http://schemas.openxmlformats.org/markup-compatibility/2006" xmlns:a14="http://schemas.microsoft.com/office/drawing/2010/main">
+          <mc:Choice Requires="a14">
             <p:sp>
               <p:nvSpPr>
                 <p:cNvPr id="21" name="TextBox 20">
@@ -40621,6 +40622,7 @@
                 </a:bodyPr>
                 <a:lstStyle/>
                 <a:p>
+                  <a:pPr/>
                   <a14:m>
                     <m:oMathPara xmlns:m="http://schemas.openxmlformats.org/officeDocument/2006/math">
                       <m:oMathParaPr>
@@ -40690,7 +40692,7 @@
               </p:txBody>
             </p:sp>
           </mc:Choice>
-          <mc:Fallback>
+          <mc:Fallback xmlns="">
             <p:sp>
               <p:nvSpPr>
                 <p:cNvPr id="21" name="TextBox 20">
@@ -40735,8 +40737,8 @@
             </p:sp>
           </mc:Fallback>
         </mc:AlternateContent>
-        <mc:AlternateContent xmlns:mc="http://schemas.openxmlformats.org/markup-compatibility/2006">
-          <mc:Choice xmlns:a14="http://schemas.microsoft.com/office/drawing/2010/main" Requires="a14">
+        <mc:AlternateContent xmlns:mc="http://schemas.openxmlformats.org/markup-compatibility/2006" xmlns:a14="http://schemas.microsoft.com/office/drawing/2010/main">
+          <mc:Choice Requires="a14">
             <p:sp>
               <p:nvSpPr>
                 <p:cNvPr id="22" name="TextBox 21">
@@ -40765,6 +40767,7 @@
                 </a:bodyPr>
                 <a:lstStyle/>
                 <a:p>
+                  <a:pPr/>
                   <a14:m>
                     <m:oMathPara xmlns:m="http://schemas.openxmlformats.org/officeDocument/2006/math">
                       <m:oMathParaPr>
@@ -40785,7 +40788,7 @@
               </p:txBody>
             </p:sp>
           </mc:Choice>
-          <mc:Fallback>
+          <mc:Fallback xmlns="">
             <p:sp>
               <p:nvSpPr>
                 <p:cNvPr id="22" name="TextBox 21">
@@ -41122,8 +41125,8 @@
             </a:p>
           </p:txBody>
         </p:sp>
-        <mc:AlternateContent xmlns:mc="http://schemas.openxmlformats.org/markup-compatibility/2006">
-          <mc:Choice xmlns:a14="http://schemas.microsoft.com/office/drawing/2010/main" Requires="a14">
+        <mc:AlternateContent xmlns:mc="http://schemas.openxmlformats.org/markup-compatibility/2006" xmlns:a14="http://schemas.microsoft.com/office/drawing/2010/main">
+          <mc:Choice Requires="a14">
             <p:sp>
               <p:nvSpPr>
                 <p:cNvPr id="32" name="TextBox 31">
@@ -41152,6 +41155,7 @@
                 </a:bodyPr>
                 <a:lstStyle/>
                 <a:p>
+                  <a:pPr/>
                   <a14:m>
                     <m:oMathPara xmlns:m="http://schemas.openxmlformats.org/officeDocument/2006/math">
                       <m:oMathParaPr>
@@ -41386,13 +41390,7 @@
                           <a:rPr lang="en-US" sz="2400" b="0" i="1" smtClean="0">
                             <a:latin typeface="Cambria Math" panose="02040503050406030204" pitchFamily="18" charset="0"/>
                           </a:rPr>
-                          <m:t>≫</m:t>
-                        </m:r>
-                        <m:r>
-                          <a:rPr lang="en-US" sz="2400" b="0" i="1" smtClean="0">
-                            <a:latin typeface="Cambria Math" panose="02040503050406030204" pitchFamily="18" charset="0"/>
-                          </a:rPr>
-                          <m:t>0</m:t>
+                          <m:t>≫0</m:t>
                         </m:r>
                       </m:oMath>
                     </m:oMathPara>
@@ -41402,7 +41400,7 @@
               </p:txBody>
             </p:sp>
           </mc:Choice>
-          <mc:Fallback>
+          <mc:Fallback xmlns="">
             <p:sp>
               <p:nvSpPr>
                 <p:cNvPr id="32" name="TextBox 31">
@@ -41447,8 +41445,8 @@
             </p:sp>
           </mc:Fallback>
         </mc:AlternateContent>
-        <mc:AlternateContent xmlns:mc="http://schemas.openxmlformats.org/markup-compatibility/2006">
-          <mc:Choice xmlns:a14="http://schemas.microsoft.com/office/drawing/2010/main" Requires="a14">
+        <mc:AlternateContent xmlns:mc="http://schemas.openxmlformats.org/markup-compatibility/2006" xmlns:a14="http://schemas.microsoft.com/office/drawing/2010/main">
+          <mc:Choice Requires="a14">
             <p:sp>
               <p:nvSpPr>
                 <p:cNvPr id="33" name="TextBox 32">
@@ -41477,6 +41475,7 @@
                 </a:bodyPr>
                 <a:lstStyle/>
                 <a:p>
+                  <a:pPr/>
                   <a14:m>
                     <m:oMathPara xmlns:m="http://schemas.openxmlformats.org/officeDocument/2006/math">
                       <m:oMathParaPr>
@@ -41574,13 +41573,7 @@
                           <a:rPr lang="en-US" sz="2400" b="0" i="1" smtClean="0">
                             <a:latin typeface="Cambria Math" panose="02040503050406030204" pitchFamily="18" charset="0"/>
                           </a:rPr>
-                          <m:t>&lt;</m:t>
-                        </m:r>
-                        <m:r>
-                          <a:rPr lang="en-US" sz="2400" b="0" i="1" smtClean="0">
-                            <a:latin typeface="Cambria Math" panose="02040503050406030204" pitchFamily="18" charset="0"/>
-                          </a:rPr>
-                          <m:t>0</m:t>
+                          <m:t>&lt;0</m:t>
                         </m:r>
                       </m:oMath>
                     </m:oMathPara>
@@ -41590,7 +41583,7 @@
               </p:txBody>
             </p:sp>
           </mc:Choice>
-          <mc:Fallback>
+          <mc:Fallback xmlns="">
             <p:sp>
               <p:nvSpPr>
                 <p:cNvPr id="33" name="TextBox 32">
@@ -41635,8 +41628,8 @@
             </p:sp>
           </mc:Fallback>
         </mc:AlternateContent>
-        <mc:AlternateContent xmlns:mc="http://schemas.openxmlformats.org/markup-compatibility/2006">
-          <mc:Choice xmlns:a14="http://schemas.microsoft.com/office/drawing/2010/main" Requires="a14">
+        <mc:AlternateContent xmlns:mc="http://schemas.openxmlformats.org/markup-compatibility/2006" xmlns:a14="http://schemas.microsoft.com/office/drawing/2010/main">
+          <mc:Choice Requires="a14">
             <p:sp>
               <p:nvSpPr>
                 <p:cNvPr id="34" name="TextBox 33">
@@ -41665,6 +41658,7 @@
                 </a:bodyPr>
                 <a:lstStyle/>
                 <a:p>
+                  <a:pPr/>
                   <a14:m>
                     <m:oMathPara xmlns:m="http://schemas.openxmlformats.org/officeDocument/2006/math">
                       <m:oMathParaPr>
@@ -41899,13 +41893,7 @@
                           <a:rPr lang="en-US" sz="2400" b="0" i="1" smtClean="0">
                             <a:latin typeface="Cambria Math" panose="02040503050406030204" pitchFamily="18" charset="0"/>
                           </a:rPr>
-                          <m:t>≪</m:t>
-                        </m:r>
-                        <m:r>
-                          <a:rPr lang="en-US" sz="2400" b="0" i="1" smtClean="0">
-                            <a:latin typeface="Cambria Math" panose="02040503050406030204" pitchFamily="18" charset="0"/>
-                          </a:rPr>
-                          <m:t>0</m:t>
+                          <m:t>≪0</m:t>
                         </m:r>
                       </m:oMath>
                     </m:oMathPara>
@@ -41915,7 +41903,7 @@
               </p:txBody>
             </p:sp>
           </mc:Choice>
-          <mc:Fallback>
+          <mc:Fallback xmlns="">
             <p:sp>
               <p:nvSpPr>
                 <p:cNvPr id="34" name="TextBox 33">
@@ -41965,6 +41953,1080 @@
     <p:extLst>
       <p:ext uri="{BB962C8B-B14F-4D97-AF65-F5344CB8AC3E}">
         <p14:creationId xmlns:p14="http://schemas.microsoft.com/office/powerpoint/2010/main" val="2151167824"/>
+      </p:ext>
+    </p:extLst>
+  </p:cSld>
+  <p:clrMapOvr>
+    <a:masterClrMapping/>
+  </p:clrMapOvr>
+</p:sld>
+</file>
+
+<file path=ppt/slides/slide8.xml><?xml version="1.0" encoding="utf-8"?>
+<p:sld xmlns:a="http://schemas.openxmlformats.org/drawingml/2006/main" xmlns:r="http://schemas.openxmlformats.org/officeDocument/2006/relationships" xmlns:p="http://schemas.openxmlformats.org/presentationml/2006/main">
+  <p:cSld>
+    <p:spTree>
+      <p:nvGrpSpPr>
+        <p:cNvPr id="1" name=""/>
+        <p:cNvGrpSpPr/>
+        <p:nvPr/>
+      </p:nvGrpSpPr>
+      <p:grpSpPr>
+        <a:xfrm>
+          <a:off x="0" y="0"/>
+          <a:ext cx="0" cy="0"/>
+          <a:chOff x="0" y="0"/>
+          <a:chExt cx="0" cy="0"/>
+        </a:xfrm>
+      </p:grpSpPr>
+      <p:grpSp>
+        <p:nvGrpSpPr>
+          <p:cNvPr id="2" name="Group 1">
+            <a:extLst>
+              <a:ext uri="{FF2B5EF4-FFF2-40B4-BE49-F238E27FC236}">
+                <a16:creationId xmlns:a16="http://schemas.microsoft.com/office/drawing/2014/main" id="{6730EE34-0AEF-40EE-9789-6DCAD74E39F0}"/>
+              </a:ext>
+            </a:extLst>
+          </p:cNvPr>
+          <p:cNvGrpSpPr/>
+          <p:nvPr/>
+        </p:nvGrpSpPr>
+        <p:grpSpPr>
+          <a:xfrm>
+            <a:off x="1998505" y="17349057"/>
+            <a:ext cx="6504869" cy="3060907"/>
+            <a:chOff x="1998505" y="17349057"/>
+            <a:chExt cx="6504869" cy="3060907"/>
+          </a:xfrm>
+        </p:grpSpPr>
+        <p:cxnSp>
+          <p:nvCxnSpPr>
+            <p:cNvPr id="3" name="Straight Connector 2">
+              <a:extLst>
+                <a:ext uri="{FF2B5EF4-FFF2-40B4-BE49-F238E27FC236}">
+                  <a16:creationId xmlns:a16="http://schemas.microsoft.com/office/drawing/2014/main" id="{99E3A30C-092D-493E-9EE5-B843B88030E7}"/>
+                </a:ext>
+              </a:extLst>
+            </p:cNvPr>
+            <p:cNvCxnSpPr>
+              <a:cxnSpLocks/>
+            </p:cNvCxnSpPr>
+            <p:nvPr/>
+          </p:nvCxnSpPr>
+          <p:spPr>
+            <a:xfrm flipV="1">
+              <a:off x="2330800" y="17517464"/>
+              <a:ext cx="0" cy="2515866"/>
+            </a:xfrm>
+            <a:prstGeom prst="line">
+              <a:avLst/>
+            </a:prstGeom>
+            <a:ln w="38100">
+              <a:solidFill>
+                <a:schemeClr val="tx1"/>
+              </a:solidFill>
+              <a:headEnd type="none"/>
+              <a:tailEnd type="stealth"/>
+            </a:ln>
+          </p:spPr>
+          <p:style>
+            <a:lnRef idx="1">
+              <a:schemeClr val="accent1"/>
+            </a:lnRef>
+            <a:fillRef idx="0">
+              <a:schemeClr val="accent1"/>
+            </a:fillRef>
+            <a:effectRef idx="0">
+              <a:schemeClr val="accent1"/>
+            </a:effectRef>
+            <a:fontRef idx="minor">
+              <a:schemeClr val="tx1"/>
+            </a:fontRef>
+          </p:style>
+        </p:cxnSp>
+        <p:cxnSp>
+          <p:nvCxnSpPr>
+            <p:cNvPr id="4" name="Straight Connector 3">
+              <a:extLst>
+                <a:ext uri="{FF2B5EF4-FFF2-40B4-BE49-F238E27FC236}">
+                  <a16:creationId xmlns:a16="http://schemas.microsoft.com/office/drawing/2014/main" id="{592F4BD8-598F-48FC-A637-14743B4BB745}"/>
+                </a:ext>
+              </a:extLst>
+            </p:cNvPr>
+            <p:cNvCxnSpPr>
+              <a:cxnSpLocks/>
+            </p:cNvCxnSpPr>
+            <p:nvPr/>
+          </p:nvCxnSpPr>
+          <p:spPr>
+            <a:xfrm>
+              <a:off x="2314028" y="20014282"/>
+              <a:ext cx="3567853" cy="0"/>
+            </a:xfrm>
+            <a:prstGeom prst="line">
+              <a:avLst/>
+            </a:prstGeom>
+            <a:ln w="38100">
+              <a:solidFill>
+                <a:schemeClr val="tx1"/>
+              </a:solidFill>
+              <a:tailEnd type="stealth"/>
+            </a:ln>
+          </p:spPr>
+          <p:style>
+            <a:lnRef idx="1">
+              <a:schemeClr val="accent1"/>
+            </a:lnRef>
+            <a:fillRef idx="0">
+              <a:schemeClr val="accent1"/>
+            </a:fillRef>
+            <a:effectRef idx="0">
+              <a:schemeClr val="accent1"/>
+            </a:effectRef>
+            <a:fontRef idx="minor">
+              <a:schemeClr val="tx1"/>
+            </a:fontRef>
+          </p:style>
+        </p:cxnSp>
+        <mc:AlternateContent xmlns:mc="http://schemas.openxmlformats.org/markup-compatibility/2006" xmlns:a14="http://schemas.microsoft.com/office/drawing/2010/main">
+          <mc:Choice Requires="a14">
+            <p:sp>
+              <p:nvSpPr>
+                <p:cNvPr id="5" name="TextBox 4">
+                  <a:extLst>
+                    <a:ext uri="{FF2B5EF4-FFF2-40B4-BE49-F238E27FC236}">
+                      <a16:creationId xmlns:a16="http://schemas.microsoft.com/office/drawing/2014/main" id="{A3D9CC88-933A-4BFB-8D7E-B73D415C656F}"/>
+                    </a:ext>
+                  </a:extLst>
+                </p:cNvPr>
+                <p:cNvSpPr txBox="1"/>
+                <p:nvPr/>
+              </p:nvSpPr>
+              <p:spPr>
+                <a:xfrm>
+                  <a:off x="1998505" y="17349057"/>
+                  <a:ext cx="302583" cy="369332"/>
+                </a:xfrm>
+                <a:prstGeom prst="rect">
+                  <a:avLst/>
+                </a:prstGeom>
+                <a:noFill/>
+              </p:spPr>
+              <p:txBody>
+                <a:bodyPr wrap="none" lIns="0" tIns="0" rIns="0" bIns="0" rtlCol="0">
+                  <a:spAutoFit/>
+                </a:bodyPr>
+                <a:lstStyle/>
+                <a:p>
+                  <a:pPr/>
+                  <a14:m>
+                    <m:oMathPara xmlns:m="http://schemas.openxmlformats.org/officeDocument/2006/math">
+                      <m:oMathParaPr>
+                        <m:jc m:val="centerGroup"/>
+                      </m:oMathParaPr>
+                      <m:oMath xmlns:m="http://schemas.openxmlformats.org/officeDocument/2006/math">
+                        <m:r>
+                          <a:rPr lang="en-US" sz="2400" b="0" i="1" smtClean="0">
+                            <a:latin typeface="Cambria Math" panose="02040503050406030204" pitchFamily="18" charset="0"/>
+                          </a:rPr>
+                          <m:t>𝑈</m:t>
+                        </m:r>
+                      </m:oMath>
+                    </m:oMathPara>
+                  </a14:m>
+                  <a:endParaRPr lang="en-US" sz="2400" dirty="0"/>
+                </a:p>
+              </p:txBody>
+            </p:sp>
+          </mc:Choice>
+          <mc:Fallback xmlns="">
+            <p:sp>
+              <p:nvSpPr>
+                <p:cNvPr id="5" name="TextBox 4">
+                  <a:extLst>
+                    <a:ext uri="{FF2B5EF4-FFF2-40B4-BE49-F238E27FC236}">
+                      <a16:creationId xmlns:a16="http://schemas.microsoft.com/office/drawing/2014/main" id="{A3D9CC88-933A-4BFB-8D7E-B73D415C656F}"/>
+                    </a:ext>
+                  </a:extLst>
+                </p:cNvPr>
+                <p:cNvSpPr txBox="1">
+                  <a:spLocks noRot="1" noChangeAspect="1" noMove="1" noResize="1" noEditPoints="1" noAdjustHandles="1" noChangeArrowheads="1" noChangeShapeType="1" noTextEdit="1"/>
+                </p:cNvSpPr>
+                <p:nvPr/>
+              </p:nvSpPr>
+              <p:spPr>
+                <a:xfrm>
+                  <a:off x="1998505" y="17349057"/>
+                  <a:ext cx="302583" cy="369332"/>
+                </a:xfrm>
+                <a:prstGeom prst="rect">
+                  <a:avLst/>
+                </a:prstGeom>
+                <a:blipFill>
+                  <a:blip r:embed="rId2"/>
+                  <a:stretch>
+                    <a:fillRect l="-22449" r="-18367" b="-8197"/>
+                  </a:stretch>
+                </a:blipFill>
+              </p:spPr>
+              <p:txBody>
+                <a:bodyPr/>
+                <a:lstStyle/>
+                <a:p>
+                  <a:r>
+                    <a:rPr lang="en-US">
+                      <a:noFill/>
+                    </a:rPr>
+                    <a:t> </a:t>
+                  </a:r>
+                </a:p>
+              </p:txBody>
+            </p:sp>
+          </mc:Fallback>
+        </mc:AlternateContent>
+        <mc:AlternateContent xmlns:mc="http://schemas.openxmlformats.org/markup-compatibility/2006" xmlns:a14="http://schemas.microsoft.com/office/drawing/2010/main">
+          <mc:Choice Requires="a14">
+            <p:sp>
+              <p:nvSpPr>
+                <p:cNvPr id="6" name="TextBox 5">
+                  <a:extLst>
+                    <a:ext uri="{FF2B5EF4-FFF2-40B4-BE49-F238E27FC236}">
+                      <a16:creationId xmlns:a16="http://schemas.microsoft.com/office/drawing/2014/main" id="{6AB875A6-4580-4955-B64E-B16CF45DDE3B}"/>
+                    </a:ext>
+                  </a:extLst>
+                </p:cNvPr>
+                <p:cNvSpPr txBox="1"/>
+                <p:nvPr/>
+              </p:nvSpPr>
+              <p:spPr>
+                <a:xfrm>
+                  <a:off x="5855040" y="19855966"/>
+                  <a:ext cx="393954" cy="369332"/>
+                </a:xfrm>
+                <a:prstGeom prst="rect">
+                  <a:avLst/>
+                </a:prstGeom>
+                <a:noFill/>
+              </p:spPr>
+              <p:txBody>
+                <a:bodyPr wrap="none" lIns="0" tIns="0" rIns="0" bIns="0" rtlCol="0">
+                  <a:spAutoFit/>
+                </a:bodyPr>
+                <a:lstStyle/>
+                <a:p>
+                  <a:pPr/>
+                  <a14:m>
+                    <m:oMathPara xmlns:m="http://schemas.openxmlformats.org/officeDocument/2006/math">
+                      <m:oMathParaPr>
+                        <m:jc m:val="centerGroup"/>
+                      </m:oMathParaPr>
+                      <m:oMath xmlns:m="http://schemas.openxmlformats.org/officeDocument/2006/math">
+                        <m:sSub>
+                          <m:sSubPr>
+                            <m:ctrlPr>
+                              <a:rPr lang="en-US" sz="2400" b="0" i="1" smtClean="0">
+                                <a:latin typeface="Cambria Math" panose="02040503050406030204" pitchFamily="18" charset="0"/>
+                              </a:rPr>
+                            </m:ctrlPr>
+                          </m:sSubPr>
+                          <m:e>
+                            <m:r>
+                              <a:rPr lang="en-US" sz="2400" b="0" i="1" smtClean="0">
+                                <a:latin typeface="Cambria Math" panose="02040503050406030204" pitchFamily="18" charset="0"/>
+                              </a:rPr>
+                              <m:t>𝛽</m:t>
+                            </m:r>
+                          </m:e>
+                          <m:sub>
+                            <m:r>
+                              <a:rPr lang="en-US" sz="2400" b="0" i="1" smtClean="0">
+                                <a:latin typeface="Cambria Math" panose="02040503050406030204" pitchFamily="18" charset="0"/>
+                              </a:rPr>
+                              <m:t>2</m:t>
+                            </m:r>
+                          </m:sub>
+                        </m:sSub>
+                      </m:oMath>
+                    </m:oMathPara>
+                  </a14:m>
+                  <a:endParaRPr lang="en-US" sz="2400" dirty="0"/>
+                </a:p>
+              </p:txBody>
+            </p:sp>
+          </mc:Choice>
+          <mc:Fallback xmlns="">
+            <p:sp>
+              <p:nvSpPr>
+                <p:cNvPr id="6" name="TextBox 5">
+                  <a:extLst>
+                    <a:ext uri="{FF2B5EF4-FFF2-40B4-BE49-F238E27FC236}">
+                      <a16:creationId xmlns:a16="http://schemas.microsoft.com/office/drawing/2014/main" id="{6AB875A6-4580-4955-B64E-B16CF45DDE3B}"/>
+                    </a:ext>
+                  </a:extLst>
+                </p:cNvPr>
+                <p:cNvSpPr txBox="1">
+                  <a:spLocks noRot="1" noChangeAspect="1" noMove="1" noResize="1" noEditPoints="1" noAdjustHandles="1" noChangeArrowheads="1" noChangeShapeType="1" noTextEdit="1"/>
+                </p:cNvSpPr>
+                <p:nvPr/>
+              </p:nvSpPr>
+              <p:spPr>
+                <a:xfrm>
+                  <a:off x="5855040" y="19855966"/>
+                  <a:ext cx="393954" cy="369332"/>
+                </a:xfrm>
+                <a:prstGeom prst="rect">
+                  <a:avLst/>
+                </a:prstGeom>
+                <a:blipFill>
+                  <a:blip r:embed="rId3"/>
+                  <a:stretch>
+                    <a:fillRect l="-24615" r="-3077" b="-37705"/>
+                  </a:stretch>
+                </a:blipFill>
+              </p:spPr>
+              <p:txBody>
+                <a:bodyPr/>
+                <a:lstStyle/>
+                <a:p>
+                  <a:r>
+                    <a:rPr lang="en-US">
+                      <a:noFill/>
+                    </a:rPr>
+                    <a:t> </a:t>
+                  </a:r>
+                </a:p>
+              </p:txBody>
+            </p:sp>
+          </mc:Fallback>
+        </mc:AlternateContent>
+        <p:cxnSp>
+          <p:nvCxnSpPr>
+            <p:cNvPr id="18" name="Straight Connector 17">
+              <a:extLst>
+                <a:ext uri="{FF2B5EF4-FFF2-40B4-BE49-F238E27FC236}">
+                  <a16:creationId xmlns:a16="http://schemas.microsoft.com/office/drawing/2014/main" id="{C7C27A6A-3A85-46B8-A2DD-192971864333}"/>
+                </a:ext>
+              </a:extLst>
+            </p:cNvPr>
+            <p:cNvCxnSpPr>
+              <a:cxnSpLocks/>
+            </p:cNvCxnSpPr>
+            <p:nvPr/>
+          </p:nvCxnSpPr>
+          <p:spPr>
+            <a:xfrm>
+              <a:off x="2360513" y="20014282"/>
+              <a:ext cx="1650623" cy="0"/>
+            </a:xfrm>
+            <a:prstGeom prst="line">
+              <a:avLst/>
+            </a:prstGeom>
+            <a:ln w="50800">
+              <a:solidFill>
+                <a:schemeClr val="accent1">
+                  <a:lumMod val="75000"/>
+                </a:schemeClr>
+              </a:solidFill>
+            </a:ln>
+          </p:spPr>
+          <p:style>
+            <a:lnRef idx="1">
+              <a:schemeClr val="accent1"/>
+            </a:lnRef>
+            <a:fillRef idx="0">
+              <a:schemeClr val="accent1"/>
+            </a:fillRef>
+            <a:effectRef idx="0">
+              <a:schemeClr val="accent1"/>
+            </a:effectRef>
+            <a:fontRef idx="minor">
+              <a:schemeClr val="tx1"/>
+            </a:fontRef>
+          </p:style>
+        </p:cxnSp>
+        <mc:AlternateContent xmlns:mc="http://schemas.openxmlformats.org/markup-compatibility/2006" xmlns:a14="http://schemas.microsoft.com/office/drawing/2010/main">
+          <mc:Choice Requires="a14">
+            <p:sp>
+              <p:nvSpPr>
+                <p:cNvPr id="21" name="TextBox 20">
+                  <a:extLst>
+                    <a:ext uri="{FF2B5EF4-FFF2-40B4-BE49-F238E27FC236}">
+                      <a16:creationId xmlns:a16="http://schemas.microsoft.com/office/drawing/2014/main" id="{0C71DB18-C356-4860-BE53-4E552394F53C}"/>
+                    </a:ext>
+                  </a:extLst>
+                </p:cNvPr>
+                <p:cNvSpPr txBox="1"/>
+                <p:nvPr/>
+              </p:nvSpPr>
+              <p:spPr>
+                <a:xfrm>
+                  <a:off x="3804188" y="20040632"/>
+                  <a:ext cx="413896" cy="369332"/>
+                </a:xfrm>
+                <a:prstGeom prst="rect">
+                  <a:avLst/>
+                </a:prstGeom>
+                <a:noFill/>
+              </p:spPr>
+              <p:txBody>
+                <a:bodyPr wrap="none" lIns="0" tIns="0" rIns="0" bIns="0" rtlCol="0">
+                  <a:spAutoFit/>
+                </a:bodyPr>
+                <a:lstStyle/>
+                <a:p>
+                  <a:pPr/>
+                  <a14:m>
+                    <m:oMathPara xmlns:m="http://schemas.openxmlformats.org/officeDocument/2006/math">
+                      <m:oMathParaPr>
+                        <m:jc m:val="centerGroup"/>
+                      </m:oMathParaPr>
+                      <m:oMath xmlns:m="http://schemas.openxmlformats.org/officeDocument/2006/math">
+                        <m:sSubSup>
+                          <m:sSubSupPr>
+                            <m:ctrlPr>
+                              <a:rPr lang="en-US" sz="2400" b="0" i="1" smtClean="0">
+                                <a:latin typeface="Cambria Math" panose="02040503050406030204" pitchFamily="18" charset="0"/>
+                              </a:rPr>
+                            </m:ctrlPr>
+                          </m:sSubSupPr>
+                          <m:e>
+                            <m:r>
+                              <a:rPr lang="en-US" sz="2400" b="0" i="1" smtClean="0">
+                                <a:latin typeface="Cambria Math" panose="02040503050406030204" pitchFamily="18" charset="0"/>
+                              </a:rPr>
+                              <m:t>𝛽</m:t>
+                            </m:r>
+                          </m:e>
+                          <m:sub>
+                            <m:r>
+                              <a:rPr lang="en-US" sz="2400" b="0" i="1" smtClean="0">
+                                <a:latin typeface="Cambria Math" panose="02040503050406030204" pitchFamily="18" charset="0"/>
+                              </a:rPr>
+                              <m:t>2</m:t>
+                            </m:r>
+                          </m:sub>
+                          <m:sup>
+                            <m:r>
+                              <a:rPr lang="en-US" sz="2400" b="0" i="1" smtClean="0">
+                                <a:latin typeface="Cambria Math" panose="02040503050406030204" pitchFamily="18" charset="0"/>
+                              </a:rPr>
+                              <m:t>𝑐</m:t>
+                            </m:r>
+                          </m:sup>
+                        </m:sSubSup>
+                      </m:oMath>
+                    </m:oMathPara>
+                  </a14:m>
+                  <a:endParaRPr lang="en-US" sz="2400" dirty="0"/>
+                </a:p>
+              </p:txBody>
+            </p:sp>
+          </mc:Choice>
+          <mc:Fallback xmlns="">
+            <p:sp>
+              <p:nvSpPr>
+                <p:cNvPr id="21" name="TextBox 20">
+                  <a:extLst>
+                    <a:ext uri="{FF2B5EF4-FFF2-40B4-BE49-F238E27FC236}">
+                      <a16:creationId xmlns:a16="http://schemas.microsoft.com/office/drawing/2014/main" id="{0C71DB18-C356-4860-BE53-4E552394F53C}"/>
+                    </a:ext>
+                  </a:extLst>
+                </p:cNvPr>
+                <p:cNvSpPr txBox="1">
+                  <a:spLocks noRot="1" noChangeAspect="1" noMove="1" noResize="1" noEditPoints="1" noAdjustHandles="1" noChangeArrowheads="1" noChangeShapeType="1" noTextEdit="1"/>
+                </p:cNvSpPr>
+                <p:nvPr/>
+              </p:nvSpPr>
+              <p:spPr>
+                <a:xfrm>
+                  <a:off x="3804188" y="20040632"/>
+                  <a:ext cx="413896" cy="369332"/>
+                </a:xfrm>
+                <a:prstGeom prst="rect">
+                  <a:avLst/>
+                </a:prstGeom>
+                <a:blipFill>
+                  <a:blip r:embed="rId4"/>
+                  <a:stretch>
+                    <a:fillRect l="-23529" b="-38333"/>
+                  </a:stretch>
+                </a:blipFill>
+              </p:spPr>
+              <p:txBody>
+                <a:bodyPr/>
+                <a:lstStyle/>
+                <a:p>
+                  <a:r>
+                    <a:rPr lang="en-US">
+                      <a:noFill/>
+                    </a:rPr>
+                    <a:t> </a:t>
+                  </a:r>
+                </a:p>
+              </p:txBody>
+            </p:sp>
+          </mc:Fallback>
+        </mc:AlternateContent>
+        <mc:AlternateContent xmlns:mc="http://schemas.openxmlformats.org/markup-compatibility/2006" xmlns:a14="http://schemas.microsoft.com/office/drawing/2010/main">
+          <mc:Choice Requires="a14">
+            <p:sp>
+              <p:nvSpPr>
+                <p:cNvPr id="22" name="TextBox 21">
+                  <a:extLst>
+                    <a:ext uri="{FF2B5EF4-FFF2-40B4-BE49-F238E27FC236}">
+                      <a16:creationId xmlns:a16="http://schemas.microsoft.com/office/drawing/2014/main" id="{4EF3F804-785E-4665-A7BD-CE50287B67F9}"/>
+                    </a:ext>
+                  </a:extLst>
+                </p:cNvPr>
+                <p:cNvSpPr txBox="1"/>
+                <p:nvPr/>
+              </p:nvSpPr>
+              <p:spPr>
+                <a:xfrm>
+                  <a:off x="4040116" y="18826928"/>
+                  <a:ext cx="860685" cy="369332"/>
+                </a:xfrm>
+                <a:prstGeom prst="rect">
+                  <a:avLst/>
+                </a:prstGeom>
+                <a:noFill/>
+              </p:spPr>
+              <p:txBody>
+                <a:bodyPr wrap="none" lIns="0" tIns="0" rIns="0" bIns="0" rtlCol="0">
+                  <a:spAutoFit/>
+                </a:bodyPr>
+                <a:lstStyle/>
+                <a:p>
+                  <a:pPr/>
+                  <a14:m>
+                    <m:oMathPara xmlns:m="http://schemas.openxmlformats.org/officeDocument/2006/math">
+                      <m:oMathParaPr>
+                        <m:jc m:val="centerGroup"/>
+                      </m:oMathParaPr>
+                      <m:oMath xmlns:m="http://schemas.openxmlformats.org/officeDocument/2006/math">
+                        <m:sSub>
+                          <m:sSubPr>
+                            <m:ctrlPr>
+                              <a:rPr lang="en-US" sz="2400" b="0" i="1" smtClean="0">
+                                <a:latin typeface="Cambria Math" panose="02040503050406030204" pitchFamily="18" charset="0"/>
+                              </a:rPr>
+                            </m:ctrlPr>
+                          </m:sSubPr>
+                          <m:e>
+                            <m:r>
+                              <a:rPr lang="en-US" sz="2400" b="0" i="1" smtClean="0">
+                                <a:latin typeface="Cambria Math" panose="02040503050406030204" pitchFamily="18" charset="0"/>
+                              </a:rPr>
+                              <m:t>𝐵</m:t>
+                            </m:r>
+                            <m:r>
+                              <a:rPr lang="en-US" sz="2400" b="0" i="1" smtClean="0">
+                                <a:latin typeface="Cambria Math" panose="02040503050406030204" pitchFamily="18" charset="0"/>
+                              </a:rPr>
+                              <m:t>(</m:t>
+                            </m:r>
+                            <m:r>
+                              <a:rPr lang="en-US" sz="2400" b="0" i="1" smtClean="0">
+                                <a:latin typeface="Cambria Math" panose="02040503050406030204" pitchFamily="18" charset="0"/>
+                              </a:rPr>
+                              <m:t>𝛽</m:t>
+                            </m:r>
+                          </m:e>
+                          <m:sub>
+                            <m:r>
+                              <a:rPr lang="en-US" sz="2400" b="0" i="1" smtClean="0">
+                                <a:latin typeface="Cambria Math" panose="02040503050406030204" pitchFamily="18" charset="0"/>
+                              </a:rPr>
+                              <m:t>3</m:t>
+                            </m:r>
+                          </m:sub>
+                        </m:sSub>
+                        <m:r>
+                          <a:rPr lang="en-US" sz="2400" b="0" i="1" smtClean="0">
+                            <a:latin typeface="Cambria Math" panose="02040503050406030204" pitchFamily="18" charset="0"/>
+                          </a:rPr>
+                          <m:t>)</m:t>
+                        </m:r>
+                      </m:oMath>
+                    </m:oMathPara>
+                  </a14:m>
+                  <a:endParaRPr lang="en-US" sz="2400" dirty="0"/>
+                </a:p>
+              </p:txBody>
+            </p:sp>
+          </mc:Choice>
+          <mc:Fallback xmlns="">
+            <p:sp>
+              <p:nvSpPr>
+                <p:cNvPr id="22" name="TextBox 21">
+                  <a:extLst>
+                    <a:ext uri="{FF2B5EF4-FFF2-40B4-BE49-F238E27FC236}">
+                      <a16:creationId xmlns:a16="http://schemas.microsoft.com/office/drawing/2014/main" id="{4EF3F804-785E-4665-A7BD-CE50287B67F9}"/>
+                    </a:ext>
+                  </a:extLst>
+                </p:cNvPr>
+                <p:cNvSpPr txBox="1">
+                  <a:spLocks noRot="1" noChangeAspect="1" noMove="1" noResize="1" noEditPoints="1" noAdjustHandles="1" noChangeArrowheads="1" noChangeShapeType="1" noTextEdit="1"/>
+                </p:cNvSpPr>
+                <p:nvPr/>
+              </p:nvSpPr>
+              <p:spPr>
+                <a:xfrm>
+                  <a:off x="4040116" y="18826928"/>
+                  <a:ext cx="860685" cy="369332"/>
+                </a:xfrm>
+                <a:prstGeom prst="rect">
+                  <a:avLst/>
+                </a:prstGeom>
+                <a:blipFill>
+                  <a:blip r:embed="rId5"/>
+                  <a:stretch>
+                    <a:fillRect l="-7092" r="-11348" b="-37705"/>
+                  </a:stretch>
+                </a:blipFill>
+              </p:spPr>
+              <p:txBody>
+                <a:bodyPr/>
+                <a:lstStyle/>
+                <a:p>
+                  <a:r>
+                    <a:rPr lang="en-US">
+                      <a:noFill/>
+                    </a:rPr>
+                    <a:t> </a:t>
+                  </a:r>
+                </a:p>
+              </p:txBody>
+            </p:sp>
+          </mc:Fallback>
+        </mc:AlternateContent>
+        <mc:AlternateContent xmlns:mc="http://schemas.openxmlformats.org/markup-compatibility/2006" xmlns:a14="http://schemas.microsoft.com/office/drawing/2010/main">
+          <mc:Choice Requires="a14">
+            <p:sp>
+              <p:nvSpPr>
+                <p:cNvPr id="23" name="TextBox 22">
+                  <a:extLst>
+                    <a:ext uri="{FF2B5EF4-FFF2-40B4-BE49-F238E27FC236}">
+                      <a16:creationId xmlns:a16="http://schemas.microsoft.com/office/drawing/2014/main" id="{174ED026-5D7C-45BA-BCDF-1705B3199EB5}"/>
+                    </a:ext>
+                  </a:extLst>
+                </p:cNvPr>
+                <p:cNvSpPr txBox="1"/>
+                <p:nvPr/>
+              </p:nvSpPr>
+              <p:spPr>
+                <a:xfrm>
+                  <a:off x="3258541" y="17718389"/>
+                  <a:ext cx="1124667" cy="369332"/>
+                </a:xfrm>
+                <a:prstGeom prst="rect">
+                  <a:avLst/>
+                </a:prstGeom>
+                <a:noFill/>
+              </p:spPr>
+              <p:txBody>
+                <a:bodyPr wrap="none" lIns="0" tIns="0" rIns="0" bIns="0" rtlCol="0">
+                  <a:spAutoFit/>
+                </a:bodyPr>
+                <a:lstStyle/>
+                <a:p>
+                  <a:pPr/>
+                  <a14:m>
+                    <m:oMathPara xmlns:m="http://schemas.openxmlformats.org/officeDocument/2006/math">
+                      <m:oMathParaPr>
+                        <m:jc m:val="centerGroup"/>
+                      </m:oMathParaPr>
+                      <m:oMath xmlns:m="http://schemas.openxmlformats.org/officeDocument/2006/math">
+                        <m:sSub>
+                          <m:sSubPr>
+                            <m:ctrlPr>
+                              <a:rPr lang="en-US" sz="2400" b="0" i="1" smtClean="0">
+                                <a:latin typeface="Cambria Math" panose="02040503050406030204" pitchFamily="18" charset="0"/>
+                              </a:rPr>
+                            </m:ctrlPr>
+                          </m:sSubPr>
+                          <m:e>
+                            <m:r>
+                              <a:rPr lang="en-US" sz="2400" b="0" i="1" smtClean="0">
+                                <a:latin typeface="Cambria Math" panose="02040503050406030204" pitchFamily="18" charset="0"/>
+                              </a:rPr>
+                              <m:t>𝛽</m:t>
+                            </m:r>
+                          </m:e>
+                          <m:sub>
+                            <m:r>
+                              <a:rPr lang="en-US" sz="2400" b="0" i="1" smtClean="0">
+                                <a:latin typeface="Cambria Math" panose="02040503050406030204" pitchFamily="18" charset="0"/>
+                              </a:rPr>
+                              <m:t>3</m:t>
+                            </m:r>
+                          </m:sub>
+                        </m:sSub>
+                        <m:r>
+                          <a:rPr lang="en-US" sz="2400" b="0" i="1" smtClean="0">
+                            <a:latin typeface="Cambria Math" panose="02040503050406030204" pitchFamily="18" charset="0"/>
+                          </a:rPr>
+                          <m:t>&gt;</m:t>
+                        </m:r>
+                        <m:sSubSup>
+                          <m:sSubSupPr>
+                            <m:ctrlPr>
+                              <a:rPr lang="en-US" sz="2400" b="0" i="1" smtClean="0">
+                                <a:latin typeface="Cambria Math" panose="02040503050406030204" pitchFamily="18" charset="0"/>
+                              </a:rPr>
+                            </m:ctrlPr>
+                          </m:sSubSupPr>
+                          <m:e>
+                            <m:r>
+                              <a:rPr lang="en-US" sz="2400" b="0" i="1" smtClean="0">
+                                <a:latin typeface="Cambria Math" panose="02040503050406030204" pitchFamily="18" charset="0"/>
+                              </a:rPr>
+                              <m:t>𝛽</m:t>
+                            </m:r>
+                          </m:e>
+                          <m:sub>
+                            <m:r>
+                              <a:rPr lang="en-US" sz="2400" b="0" i="1" smtClean="0">
+                                <a:latin typeface="Cambria Math" panose="02040503050406030204" pitchFamily="18" charset="0"/>
+                              </a:rPr>
+                              <m:t>3</m:t>
+                            </m:r>
+                          </m:sub>
+                          <m:sup>
+                            <m:r>
+                              <a:rPr lang="en-US" sz="2400" b="0" i="1" smtClean="0">
+                                <a:latin typeface="Cambria Math" panose="02040503050406030204" pitchFamily="18" charset="0"/>
+                              </a:rPr>
+                              <m:t>𝑐</m:t>
+                            </m:r>
+                          </m:sup>
+                        </m:sSubSup>
+                      </m:oMath>
+                    </m:oMathPara>
+                  </a14:m>
+                  <a:endParaRPr lang="en-US" sz="2400" dirty="0"/>
+                </a:p>
+              </p:txBody>
+            </p:sp>
+          </mc:Choice>
+          <mc:Fallback xmlns="">
+            <p:sp>
+              <p:nvSpPr>
+                <p:cNvPr id="23" name="TextBox 22">
+                  <a:extLst>
+                    <a:ext uri="{FF2B5EF4-FFF2-40B4-BE49-F238E27FC236}">
+                      <a16:creationId xmlns:a16="http://schemas.microsoft.com/office/drawing/2014/main" id="{174ED026-5D7C-45BA-BCDF-1705B3199EB5}"/>
+                    </a:ext>
+                  </a:extLst>
+                </p:cNvPr>
+                <p:cNvSpPr txBox="1">
+                  <a:spLocks noRot="1" noChangeAspect="1" noMove="1" noResize="1" noEditPoints="1" noAdjustHandles="1" noChangeArrowheads="1" noChangeShapeType="1" noTextEdit="1"/>
+                </p:cNvSpPr>
+                <p:nvPr/>
+              </p:nvSpPr>
+              <p:spPr>
+                <a:xfrm>
+                  <a:off x="3258541" y="17718389"/>
+                  <a:ext cx="1124667" cy="369332"/>
+                </a:xfrm>
+                <a:prstGeom prst="rect">
+                  <a:avLst/>
+                </a:prstGeom>
+                <a:blipFill>
+                  <a:blip r:embed="rId6"/>
+                  <a:stretch>
+                    <a:fillRect l="-8696" b="-36667"/>
+                  </a:stretch>
+                </a:blipFill>
+              </p:spPr>
+              <p:txBody>
+                <a:bodyPr/>
+                <a:lstStyle/>
+                <a:p>
+                  <a:r>
+                    <a:rPr lang="en-US">
+                      <a:noFill/>
+                    </a:rPr>
+                    <a:t> </a:t>
+                  </a:r>
+                </a:p>
+              </p:txBody>
+            </p:sp>
+          </mc:Fallback>
+        </mc:AlternateContent>
+        <p:cxnSp>
+          <p:nvCxnSpPr>
+            <p:cNvPr id="29" name="Straight Connector 28">
+              <a:extLst>
+                <a:ext uri="{FF2B5EF4-FFF2-40B4-BE49-F238E27FC236}">
+                  <a16:creationId xmlns:a16="http://schemas.microsoft.com/office/drawing/2014/main" id="{36B575DF-30B4-48BA-9FB7-5A4650241B18}"/>
+                </a:ext>
+              </a:extLst>
+            </p:cNvPr>
+            <p:cNvCxnSpPr>
+              <a:cxnSpLocks/>
+            </p:cNvCxnSpPr>
+            <p:nvPr/>
+          </p:nvCxnSpPr>
+          <p:spPr>
+            <a:xfrm>
+              <a:off x="4040116" y="20014282"/>
+              <a:ext cx="1675877" cy="0"/>
+            </a:xfrm>
+            <a:prstGeom prst="line">
+              <a:avLst/>
+            </a:prstGeom>
+            <a:ln w="50800">
+              <a:solidFill>
+                <a:schemeClr val="accent1">
+                  <a:lumMod val="75000"/>
+                </a:schemeClr>
+              </a:solidFill>
+              <a:prstDash val="sysDot"/>
+            </a:ln>
+          </p:spPr>
+          <p:style>
+            <a:lnRef idx="1">
+              <a:schemeClr val="accent1"/>
+            </a:lnRef>
+            <a:fillRef idx="0">
+              <a:schemeClr val="accent1"/>
+            </a:fillRef>
+            <a:effectRef idx="0">
+              <a:schemeClr val="accent1"/>
+            </a:effectRef>
+            <a:fontRef idx="minor">
+              <a:schemeClr val="tx1"/>
+            </a:fontRef>
+          </p:style>
+        </p:cxnSp>
+        <p:sp>
+          <p:nvSpPr>
+            <p:cNvPr id="43" name="Freeform: Shape 42">
+              <a:extLst>
+                <a:ext uri="{FF2B5EF4-FFF2-40B4-BE49-F238E27FC236}">
+                  <a16:creationId xmlns:a16="http://schemas.microsoft.com/office/drawing/2014/main" id="{AD41D0D5-5F5F-4185-B504-2F152E1FA5AE}"/>
+                </a:ext>
+              </a:extLst>
+            </p:cNvPr>
+            <p:cNvSpPr/>
+            <p:nvPr/>
+          </p:nvSpPr>
+          <p:spPr>
+            <a:xfrm>
+              <a:off x="3437076" y="19178990"/>
+              <a:ext cx="594852" cy="820994"/>
+            </a:xfrm>
+            <a:custGeom>
+              <a:avLst/>
+              <a:gdLst>
+                <a:gd name="connsiteX0" fmla="*/ 594852 w 594852"/>
+                <a:gd name="connsiteY0" fmla="*/ 820994 h 820994"/>
+                <a:gd name="connsiteX1" fmla="*/ 555523 w 594852"/>
+                <a:gd name="connsiteY1" fmla="*/ 604684 h 820994"/>
+                <a:gd name="connsiteX2" fmla="*/ 368710 w 594852"/>
+                <a:gd name="connsiteY2" fmla="*/ 422787 h 820994"/>
+                <a:gd name="connsiteX3" fmla="*/ 127820 w 594852"/>
+                <a:gd name="connsiteY3" fmla="*/ 265471 h 820994"/>
+                <a:gd name="connsiteX4" fmla="*/ 24581 w 594852"/>
+                <a:gd name="connsiteY4" fmla="*/ 132736 h 820994"/>
+                <a:gd name="connsiteX5" fmla="*/ 0 w 594852"/>
+                <a:gd name="connsiteY5" fmla="*/ 0 h 820994"/>
+              </a:gdLst>
+              <a:ahLst/>
+              <a:cxnLst>
+                <a:cxn ang="0">
+                  <a:pos x="connsiteX0" y="connsiteY0"/>
+                </a:cxn>
+                <a:cxn ang="0">
+                  <a:pos x="connsiteX1" y="connsiteY1"/>
+                </a:cxn>
+                <a:cxn ang="0">
+                  <a:pos x="connsiteX2" y="connsiteY2"/>
+                </a:cxn>
+                <a:cxn ang="0">
+                  <a:pos x="connsiteX3" y="connsiteY3"/>
+                </a:cxn>
+                <a:cxn ang="0">
+                  <a:pos x="connsiteX4" y="connsiteY4"/>
+                </a:cxn>
+                <a:cxn ang="0">
+                  <a:pos x="connsiteX5" y="connsiteY5"/>
+                </a:cxn>
+              </a:cxnLst>
+              <a:rect l="l" t="t" r="r" b="b"/>
+              <a:pathLst>
+                <a:path w="594852" h="820994">
+                  <a:moveTo>
+                    <a:pt x="594852" y="820994"/>
+                  </a:moveTo>
+                  <a:cubicBezTo>
+                    <a:pt x="594032" y="746023"/>
+                    <a:pt x="593213" y="671052"/>
+                    <a:pt x="555523" y="604684"/>
+                  </a:cubicBezTo>
+                  <a:cubicBezTo>
+                    <a:pt x="517833" y="538316"/>
+                    <a:pt x="439994" y="479322"/>
+                    <a:pt x="368710" y="422787"/>
+                  </a:cubicBezTo>
+                  <a:cubicBezTo>
+                    <a:pt x="297426" y="366251"/>
+                    <a:pt x="185175" y="313813"/>
+                    <a:pt x="127820" y="265471"/>
+                  </a:cubicBezTo>
+                  <a:cubicBezTo>
+                    <a:pt x="70465" y="217129"/>
+                    <a:pt x="45884" y="176981"/>
+                    <a:pt x="24581" y="132736"/>
+                  </a:cubicBezTo>
+                  <a:cubicBezTo>
+                    <a:pt x="3278" y="88491"/>
+                    <a:pt x="1639" y="44245"/>
+                    <a:pt x="0" y="0"/>
+                  </a:cubicBezTo>
+                </a:path>
+              </a:pathLst>
+            </a:custGeom>
+            <a:noFill/>
+            <a:ln w="50800">
+              <a:solidFill>
+                <a:schemeClr val="accent1">
+                  <a:lumMod val="75000"/>
+                </a:schemeClr>
+              </a:solidFill>
+              <a:prstDash val="sysDot"/>
+            </a:ln>
+          </p:spPr>
+          <p:style>
+            <a:lnRef idx="2">
+              <a:schemeClr val="accent1">
+                <a:shade val="50000"/>
+              </a:schemeClr>
+            </a:lnRef>
+            <a:fillRef idx="1">
+              <a:schemeClr val="accent1"/>
+            </a:fillRef>
+            <a:effectRef idx="0">
+              <a:schemeClr val="accent1"/>
+            </a:effectRef>
+            <a:fontRef idx="minor">
+              <a:schemeClr val="lt1"/>
+            </a:fontRef>
+          </p:style>
+          <p:txBody>
+            <a:bodyPr rtlCol="0" anchor="ctr"/>
+            <a:lstStyle/>
+            <a:p>
+              <a:pPr algn="ctr"/>
+              <a:endParaRPr lang="en-US"/>
+            </a:p>
+          </p:txBody>
+        </p:sp>
+        <p:cxnSp>
+          <p:nvCxnSpPr>
+            <p:cNvPr id="25" name="Straight Arrow Connector 24">
+              <a:extLst>
+                <a:ext uri="{FF2B5EF4-FFF2-40B4-BE49-F238E27FC236}">
+                  <a16:creationId xmlns:a16="http://schemas.microsoft.com/office/drawing/2014/main" id="{CBE2260D-8D1C-4FE3-91DA-AECBAE75DAFC}"/>
+                </a:ext>
+              </a:extLst>
+            </p:cNvPr>
+            <p:cNvCxnSpPr>
+              <a:cxnSpLocks/>
+            </p:cNvCxnSpPr>
+            <p:nvPr/>
+          </p:nvCxnSpPr>
+          <p:spPr>
+            <a:xfrm flipV="1">
+              <a:off x="4022403" y="18549670"/>
+              <a:ext cx="0" cy="1450315"/>
+            </a:xfrm>
+            <a:prstGeom prst="straightConnector1">
+              <a:avLst/>
+            </a:prstGeom>
+            <a:ln w="38100">
+              <a:solidFill>
+                <a:schemeClr val="tx1"/>
+              </a:solidFill>
+              <a:headEnd type="stealth"/>
+              <a:tailEnd type="stealth"/>
+            </a:ln>
+          </p:spPr>
+          <p:style>
+            <a:lnRef idx="1">
+              <a:schemeClr val="accent1"/>
+            </a:lnRef>
+            <a:fillRef idx="0">
+              <a:schemeClr val="accent1"/>
+            </a:fillRef>
+            <a:effectRef idx="0">
+              <a:schemeClr val="accent1"/>
+            </a:effectRef>
+            <a:fontRef idx="minor">
+              <a:schemeClr val="tx1"/>
+            </a:fontRef>
+          </p:style>
+        </p:cxnSp>
+        <p:sp>
+          <p:nvSpPr>
+            <p:cNvPr id="61" name="Arc 60">
+              <a:extLst>
+                <a:ext uri="{FF2B5EF4-FFF2-40B4-BE49-F238E27FC236}">
+                  <a16:creationId xmlns:a16="http://schemas.microsoft.com/office/drawing/2014/main" id="{281BDCCD-883B-4ECC-824F-14F30A6CE95A}"/>
+                </a:ext>
+              </a:extLst>
+            </p:cNvPr>
+            <p:cNvSpPr/>
+            <p:nvPr/>
+          </p:nvSpPr>
+          <p:spPr>
+            <a:xfrm flipH="1">
+              <a:off x="3437075" y="18169753"/>
+              <a:ext cx="5066299" cy="1966524"/>
+            </a:xfrm>
+            <a:prstGeom prst="arc">
+              <a:avLst>
+                <a:gd name="adj1" fmla="val 17182688"/>
+                <a:gd name="adj2" fmla="val 3245"/>
+              </a:avLst>
+            </a:prstGeom>
+            <a:ln w="50800">
+              <a:solidFill>
+                <a:schemeClr val="accent1">
+                  <a:lumMod val="75000"/>
+                </a:schemeClr>
+              </a:solidFill>
+            </a:ln>
+          </p:spPr>
+          <p:style>
+            <a:lnRef idx="1">
+              <a:schemeClr val="accent1"/>
+            </a:lnRef>
+            <a:fillRef idx="0">
+              <a:schemeClr val="accent1"/>
+            </a:fillRef>
+            <a:effectRef idx="0">
+              <a:schemeClr val="accent1"/>
+            </a:effectRef>
+            <a:fontRef idx="minor">
+              <a:schemeClr val="tx1"/>
+            </a:fontRef>
+          </p:style>
+          <p:txBody>
+            <a:bodyPr rtlCol="0" anchor="ctr"/>
+            <a:lstStyle/>
+            <a:p>
+              <a:pPr algn="ctr"/>
+              <a:endParaRPr lang="en-US"/>
+            </a:p>
+          </p:txBody>
+        </p:sp>
+      </p:grpSp>
+    </p:spTree>
+    <p:extLst>
+      <p:ext uri="{BB962C8B-B14F-4D97-AF65-F5344CB8AC3E}">
+        <p14:creationId xmlns:p14="http://schemas.microsoft.com/office/powerpoint/2010/main" val="970401451"/>
       </p:ext>
     </p:extLst>
   </p:cSld>
